--- a/_book/plot/unnamed-chunk-110-1.pptx
+++ b/_book/plot/unnamed-chunk-110-1.pptx
@@ -3151,304 +3151,20 @@
         </p:sp>
         <p:sp>
           <p:nvSpPr>
-            <p:cNvPr id="4" name="pg4"/>
-            <p:cNvSpPr/>
-            <p:nvPr/>
-          </p:nvSpPr>
-          <p:spPr>
-            <a:xfrm>
-              <a:off x="5025569" y="1973107"/>
-              <a:ext cx="1679410" cy="1808317"/>
-            </a:xfrm>
-            <a:custGeom>
-              <a:avLst/>
-              <a:pathLst>
-                <a:path w="1679410" h="1808317">
-                  <a:moveTo>
-                    <a:pt x="0" y="1808317"/>
-                  </a:moveTo>
-                  <a:lnTo>
-                    <a:pt x="57910" y="1785196"/>
-                  </a:lnTo>
-                  <a:lnTo>
-                    <a:pt x="115821" y="1762074"/>
-                  </a:lnTo>
-                  <a:lnTo>
-                    <a:pt x="173732" y="1738953"/>
-                  </a:lnTo>
-                  <a:lnTo>
-                    <a:pt x="231642" y="1715832"/>
-                  </a:lnTo>
-                  <a:lnTo>
-                    <a:pt x="289553" y="1692711"/>
-                  </a:lnTo>
-                  <a:lnTo>
-                    <a:pt x="347464" y="1669589"/>
-                  </a:lnTo>
-                  <a:lnTo>
-                    <a:pt x="405374" y="1646468"/>
-                  </a:lnTo>
-                  <a:lnTo>
-                    <a:pt x="463285" y="1623347"/>
-                  </a:lnTo>
-                  <a:lnTo>
-                    <a:pt x="521196" y="1600226"/>
-                  </a:lnTo>
-                  <a:lnTo>
-                    <a:pt x="579107" y="1577104"/>
-                  </a:lnTo>
-                  <a:lnTo>
-                    <a:pt x="637017" y="1553983"/>
-                  </a:lnTo>
-                  <a:lnTo>
-                    <a:pt x="694928" y="1530862"/>
-                  </a:lnTo>
-                  <a:lnTo>
-                    <a:pt x="752839" y="1507741"/>
-                  </a:lnTo>
-                  <a:lnTo>
-                    <a:pt x="810749" y="1484619"/>
-                  </a:lnTo>
-                  <a:lnTo>
-                    <a:pt x="868660" y="1461498"/>
-                  </a:lnTo>
-                  <a:lnTo>
-                    <a:pt x="926571" y="1438377"/>
-                  </a:lnTo>
-                  <a:lnTo>
-                    <a:pt x="984481" y="1415256"/>
-                  </a:lnTo>
-                  <a:lnTo>
-                    <a:pt x="1042392" y="1392134"/>
-                  </a:lnTo>
-                  <a:lnTo>
-                    <a:pt x="1100303" y="1369013"/>
-                  </a:lnTo>
-                  <a:lnTo>
-                    <a:pt x="1158214" y="1345892"/>
-                  </a:lnTo>
-                  <a:lnTo>
-                    <a:pt x="1216124" y="1322770"/>
-                  </a:lnTo>
-                  <a:lnTo>
-                    <a:pt x="1274035" y="1299649"/>
-                  </a:lnTo>
-                  <a:lnTo>
-                    <a:pt x="1331946" y="1276528"/>
-                  </a:lnTo>
-                  <a:lnTo>
-                    <a:pt x="1389856" y="1253407"/>
-                  </a:lnTo>
-                  <a:lnTo>
-                    <a:pt x="1447767" y="1230285"/>
-                  </a:lnTo>
-                  <a:lnTo>
-                    <a:pt x="1505678" y="1207164"/>
-                  </a:lnTo>
-                  <a:lnTo>
-                    <a:pt x="1563589" y="1184043"/>
-                  </a:lnTo>
-                  <a:lnTo>
-                    <a:pt x="1621499" y="1160922"/>
-                  </a:lnTo>
-                  <a:lnTo>
-                    <a:pt x="1679410" y="1137800"/>
-                  </a:lnTo>
-                  <a:lnTo>
-                    <a:pt x="1655627" y="1081055"/>
-                  </a:lnTo>
-                  <a:lnTo>
-                    <a:pt x="1629927" y="1025151"/>
-                  </a:lnTo>
-                  <a:lnTo>
-                    <a:pt x="1602340" y="970155"/>
-                  </a:lnTo>
-                  <a:lnTo>
-                    <a:pt x="1572898" y="916128"/>
-                  </a:lnTo>
-                  <a:lnTo>
-                    <a:pt x="1541636" y="863134"/>
-                  </a:lnTo>
-                  <a:lnTo>
-                    <a:pt x="1508588" y="811235"/>
-                  </a:lnTo>
-                  <a:lnTo>
-                    <a:pt x="1473794" y="760490"/>
-                  </a:lnTo>
-                  <a:lnTo>
-                    <a:pt x="1437294" y="710958"/>
-                  </a:lnTo>
-                  <a:lnTo>
-                    <a:pt x="1399130" y="662696"/>
-                  </a:lnTo>
-                  <a:lnTo>
-                    <a:pt x="1359346" y="615761"/>
-                  </a:lnTo>
-                  <a:lnTo>
-                    <a:pt x="1317988" y="570206"/>
-                  </a:lnTo>
-                  <a:lnTo>
-                    <a:pt x="1275105" y="526085"/>
-                  </a:lnTo>
-                  <a:lnTo>
-                    <a:pt x="1230745" y="483448"/>
-                  </a:lnTo>
-                  <a:lnTo>
-                    <a:pt x="1184961" y="442345"/>
-                  </a:lnTo>
-                  <a:lnTo>
-                    <a:pt x="1137804" y="402823"/>
-                  </a:lnTo>
-                  <a:lnTo>
-                    <a:pt x="1089331" y="364929"/>
-                  </a:lnTo>
-                  <a:lnTo>
-                    <a:pt x="1039596" y="328705"/>
-                  </a:lnTo>
-                  <a:lnTo>
-                    <a:pt x="988658" y="294195"/>
-                  </a:lnTo>
-                  <a:lnTo>
-                    <a:pt x="936575" y="261437"/>
-                  </a:lnTo>
-                  <a:lnTo>
-                    <a:pt x="883408" y="230470"/>
-                  </a:lnTo>
-                  <a:lnTo>
-                    <a:pt x="829219" y="201330"/>
-                  </a:lnTo>
-                  <a:lnTo>
-                    <a:pt x="774069" y="174050"/>
-                  </a:lnTo>
-                  <a:lnTo>
-                    <a:pt x="718023" y="148662"/>
-                  </a:lnTo>
-                  <a:lnTo>
-                    <a:pt x="661146" y="125196"/>
-                  </a:lnTo>
-                  <a:lnTo>
-                    <a:pt x="603503" y="103678"/>
-                  </a:lnTo>
-                  <a:lnTo>
-                    <a:pt x="545162" y="84133"/>
-                  </a:lnTo>
-                  <a:lnTo>
-                    <a:pt x="486190" y="66585"/>
-                  </a:lnTo>
-                  <a:lnTo>
-                    <a:pt x="426655" y="51053"/>
-                  </a:lnTo>
-                  <a:lnTo>
-                    <a:pt x="366625" y="37555"/>
-                  </a:lnTo>
-                  <a:lnTo>
-                    <a:pt x="306172" y="26108"/>
-                  </a:lnTo>
-                  <a:lnTo>
-                    <a:pt x="245364" y="16723"/>
-                  </a:lnTo>
-                  <a:lnTo>
-                    <a:pt x="184272" y="9413"/>
-                  </a:lnTo>
-                  <a:lnTo>
-                    <a:pt x="122966" y="4185"/>
-                  </a:lnTo>
-                  <a:lnTo>
-                    <a:pt x="61518" y="1046"/>
-                  </a:lnTo>
-                  <a:lnTo>
-                    <a:pt x="0" y="0"/>
-                  </a:lnTo>
-                  <a:lnTo>
-                    <a:pt x="0" y="62355"/>
-                  </a:lnTo>
-                  <a:lnTo>
-                    <a:pt x="0" y="124711"/>
-                  </a:lnTo>
-                  <a:lnTo>
-                    <a:pt x="0" y="187067"/>
-                  </a:lnTo>
-                  <a:lnTo>
-                    <a:pt x="0" y="249423"/>
-                  </a:lnTo>
-                  <a:lnTo>
-                    <a:pt x="0" y="311778"/>
-                  </a:lnTo>
-                  <a:lnTo>
-                    <a:pt x="0" y="374134"/>
-                  </a:lnTo>
-                  <a:lnTo>
-                    <a:pt x="0" y="436490"/>
-                  </a:lnTo>
-                  <a:lnTo>
-                    <a:pt x="0" y="498846"/>
-                  </a:lnTo>
-                  <a:lnTo>
-                    <a:pt x="0" y="561201"/>
-                  </a:lnTo>
-                  <a:lnTo>
-                    <a:pt x="0" y="623557"/>
-                  </a:lnTo>
-                  <a:lnTo>
-                    <a:pt x="0" y="685913"/>
-                  </a:lnTo>
-                  <a:lnTo>
-                    <a:pt x="0" y="748269"/>
-                  </a:lnTo>
-                  <a:lnTo>
-                    <a:pt x="0" y="810625"/>
-                  </a:lnTo>
-                  <a:lnTo>
-                    <a:pt x="0" y="872980"/>
-                  </a:lnTo>
-                  <a:lnTo>
-                    <a:pt x="0" y="935336"/>
-                  </a:lnTo>
-                  <a:lnTo>
-                    <a:pt x="0" y="997692"/>
-                  </a:lnTo>
-                  <a:lnTo>
-                    <a:pt x="0" y="1060048"/>
-                  </a:lnTo>
-                  <a:lnTo>
-                    <a:pt x="0" y="1122403"/>
-                  </a:lnTo>
-                  <a:lnTo>
-                    <a:pt x="0" y="1184759"/>
-                  </a:lnTo>
-                  <a:lnTo>
-                    <a:pt x="0" y="1247115"/>
-                  </a:lnTo>
-                  <a:lnTo>
-                    <a:pt x="0" y="1309471"/>
-                  </a:lnTo>
-                  <a:lnTo>
-                    <a:pt x="0" y="1371827"/>
-                  </a:lnTo>
-                  <a:lnTo>
-                    <a:pt x="0" y="1434182"/>
-                  </a:lnTo>
-                  <a:lnTo>
-                    <a:pt x="0" y="1496538"/>
-                  </a:lnTo>
-                  <a:lnTo>
-                    <a:pt x="0" y="1558894"/>
-                  </a:lnTo>
-                  <a:lnTo>
-                    <a:pt x="0" y="1621250"/>
-                  </a:lnTo>
-                  <a:lnTo>
-                    <a:pt x="0" y="1683605"/>
-                  </a:lnTo>
-                  <a:lnTo>
-                    <a:pt x="0" y="1745961"/>
-                  </a:lnTo>
-                  <a:close/>
-                </a:path>
-              </a:pathLst>
-            </a:custGeom>
+            <p:cNvPr id="4" name="rc4"/>
+            <p:cNvSpPr/>
+            <p:nvPr/>
+          </p:nvSpPr>
+          <p:spPr>
+            <a:xfrm>
+              <a:off x="1691481" y="1521028"/>
+              <a:ext cx="7315199" cy="4520793"/>
+            </a:xfrm>
+            <a:prstGeom prst="rect">
+              <a:avLst/>
+            </a:prstGeom>
             <a:solidFill>
-              <a:srgbClr val="619CFF">
+              <a:srgbClr val="FFFFFF">
                 <a:alpha val="100000"/>
               </a:srgbClr>
             </a:solidFill>
@@ -3470,367 +3186,60 @@
         </p:sp>
         <p:sp>
           <p:nvSpPr>
-            <p:cNvPr id="5" name="pg5"/>
-            <p:cNvSpPr/>
-            <p:nvPr/>
-          </p:nvSpPr>
-          <p:spPr>
-            <a:xfrm>
-              <a:off x="5025569" y="3110908"/>
-              <a:ext cx="1808296" cy="2467962"/>
+            <p:cNvPr id="5" name="rc5"/>
+            <p:cNvSpPr/>
+            <p:nvPr/>
+          </p:nvSpPr>
+          <p:spPr>
+            <a:xfrm>
+              <a:off x="2217943" y="1809173"/>
+              <a:ext cx="2193323" cy="3245468"/>
+            </a:xfrm>
+            <a:prstGeom prst="rect">
+              <a:avLst/>
+            </a:prstGeom>
+            <a:solidFill>
+              <a:srgbClr val="FFFFFF">
+                <a:alpha val="100000"/>
+              </a:srgbClr>
+            </a:solidFill>
+          </p:spPr>
+          <p:txBody>
+            <a:bodyPr/>
+            <a:lstStyle/>
+            <a:p/>
+          </p:txBody>
+        </p:sp>
+        <p:sp>
+          <p:nvSpPr>
+            <p:cNvPr id="6" name="pl6"/>
+            <p:cNvSpPr/>
+            <p:nvPr/>
+          </p:nvSpPr>
+          <p:spPr>
+            <a:xfrm>
+              <a:off x="2217943" y="4437460"/>
+              <a:ext cx="2193323" cy="0"/>
             </a:xfrm>
             <a:custGeom>
               <a:avLst/>
               <a:pathLst>
-                <a:path w="1808296" h="2467962">
+                <a:path w="2193323" h="0">
                   <a:moveTo>
-                    <a:pt x="0" y="670516"/>
+                    <a:pt x="0" y="0"/>
                   </a:moveTo>
                   <a:lnTo>
-                    <a:pt x="6827" y="732497"/>
-                  </a:lnTo>
-                  <a:lnTo>
-                    <a:pt x="13654" y="794478"/>
-                  </a:lnTo>
-                  <a:lnTo>
-                    <a:pt x="20481" y="856459"/>
-                  </a:lnTo>
-                  <a:lnTo>
-                    <a:pt x="27308" y="918440"/>
-                  </a:lnTo>
-                  <a:lnTo>
-                    <a:pt x="34135" y="980421"/>
-                  </a:lnTo>
-                  <a:lnTo>
-                    <a:pt x="40962" y="1042401"/>
-                  </a:lnTo>
-                  <a:lnTo>
-                    <a:pt x="47789" y="1104382"/>
-                  </a:lnTo>
-                  <a:lnTo>
-                    <a:pt x="54616" y="1166363"/>
-                  </a:lnTo>
-                  <a:lnTo>
-                    <a:pt x="61444" y="1228344"/>
-                  </a:lnTo>
-                  <a:lnTo>
-                    <a:pt x="68271" y="1290325"/>
-                  </a:lnTo>
-                  <a:lnTo>
-                    <a:pt x="75098" y="1352306"/>
-                  </a:lnTo>
-                  <a:lnTo>
-                    <a:pt x="81925" y="1414287"/>
-                  </a:lnTo>
-                  <a:lnTo>
-                    <a:pt x="88752" y="1476268"/>
-                  </a:lnTo>
-                  <a:lnTo>
-                    <a:pt x="95579" y="1538249"/>
-                  </a:lnTo>
-                  <a:lnTo>
-                    <a:pt x="102406" y="1600230"/>
-                  </a:lnTo>
-                  <a:lnTo>
-                    <a:pt x="109233" y="1662211"/>
-                  </a:lnTo>
-                  <a:lnTo>
-                    <a:pt x="116060" y="1724191"/>
-                  </a:lnTo>
-                  <a:lnTo>
-                    <a:pt x="122888" y="1786172"/>
-                  </a:lnTo>
-                  <a:lnTo>
-                    <a:pt x="129715" y="1848153"/>
-                  </a:lnTo>
-                  <a:lnTo>
-                    <a:pt x="136542" y="1910134"/>
-                  </a:lnTo>
-                  <a:lnTo>
-                    <a:pt x="143369" y="1972115"/>
-                  </a:lnTo>
-                  <a:lnTo>
-                    <a:pt x="150196" y="2034096"/>
-                  </a:lnTo>
-                  <a:lnTo>
-                    <a:pt x="157023" y="2096077"/>
-                  </a:lnTo>
-                  <a:lnTo>
-                    <a:pt x="163850" y="2158058"/>
-                  </a:lnTo>
-                  <a:lnTo>
-                    <a:pt x="170677" y="2220039"/>
-                  </a:lnTo>
-                  <a:lnTo>
-                    <a:pt x="177504" y="2282020"/>
-                  </a:lnTo>
-                  <a:lnTo>
-                    <a:pt x="184332" y="2344001"/>
-                  </a:lnTo>
-                  <a:lnTo>
-                    <a:pt x="191159" y="2405981"/>
-                  </a:lnTo>
-                  <a:lnTo>
-                    <a:pt x="197986" y="2467962"/>
-                  </a:lnTo>
-                  <a:lnTo>
-                    <a:pt x="259137" y="2460170"/>
-                  </a:lnTo>
-                  <a:lnTo>
-                    <a:pt x="319987" y="2450297"/>
-                  </a:lnTo>
-                  <a:lnTo>
-                    <a:pt x="380465" y="2438356"/>
-                  </a:lnTo>
-                  <a:lnTo>
-                    <a:pt x="440501" y="2424360"/>
-                  </a:lnTo>
-                  <a:lnTo>
-                    <a:pt x="500025" y="2408327"/>
-                  </a:lnTo>
-                  <a:lnTo>
-                    <a:pt x="558968" y="2390273"/>
-                  </a:lnTo>
-                  <a:lnTo>
-                    <a:pt x="617262" y="2370222"/>
-                  </a:lnTo>
-                  <a:lnTo>
-                    <a:pt x="674838" y="2348194"/>
-                  </a:lnTo>
-                  <a:lnTo>
-                    <a:pt x="731630" y="2324218"/>
-                  </a:lnTo>
-                  <a:lnTo>
-                    <a:pt x="787571" y="2298319"/>
-                  </a:lnTo>
-                  <a:lnTo>
-                    <a:pt x="842598" y="2270529"/>
-                  </a:lnTo>
-                  <a:lnTo>
-                    <a:pt x="896645" y="2240879"/>
-                  </a:lnTo>
-                  <a:lnTo>
-                    <a:pt x="949650" y="2209404"/>
-                  </a:lnTo>
-                  <a:lnTo>
-                    <a:pt x="1001551" y="2176141"/>
-                  </a:lnTo>
-                  <a:lnTo>
-                    <a:pt x="1052289" y="2141128"/>
-                  </a:lnTo>
-                  <a:lnTo>
-                    <a:pt x="1101803" y="2104406"/>
-                  </a:lnTo>
-                  <a:lnTo>
-                    <a:pt x="1150038" y="2066018"/>
-                  </a:lnTo>
-                  <a:lnTo>
-                    <a:pt x="1196935" y="2026007"/>
-                  </a:lnTo>
-                  <a:lnTo>
-                    <a:pt x="1242442" y="1984422"/>
-                  </a:lnTo>
-                  <a:lnTo>
-                    <a:pt x="1286505" y="1941310"/>
-                  </a:lnTo>
-                  <a:lnTo>
-                    <a:pt x="1329072" y="1896721"/>
-                  </a:lnTo>
-                  <a:lnTo>
-                    <a:pt x="1370095" y="1850706"/>
-                  </a:lnTo>
-                  <a:lnTo>
-                    <a:pt x="1409526" y="1803321"/>
-                  </a:lnTo>
-                  <a:lnTo>
-                    <a:pt x="1447319" y="1754618"/>
-                  </a:lnTo>
-                  <a:lnTo>
-                    <a:pt x="1483430" y="1704656"/>
-                  </a:lnTo>
-                  <a:lnTo>
-                    <a:pt x="1517817" y="1653493"/>
-                  </a:lnTo>
-                  <a:lnTo>
-                    <a:pt x="1550440" y="1601186"/>
-                  </a:lnTo>
-                  <a:lnTo>
-                    <a:pt x="1581261" y="1547798"/>
-                  </a:lnTo>
-                  <a:lnTo>
-                    <a:pt x="1610244" y="1493391"/>
-                  </a:lnTo>
-                  <a:lnTo>
-                    <a:pt x="1637357" y="1438028"/>
-                  </a:lnTo>
-                  <a:lnTo>
-                    <a:pt x="1662566" y="1381772"/>
-                  </a:lnTo>
-                  <a:lnTo>
-                    <a:pt x="1685843" y="1324690"/>
-                  </a:lnTo>
-                  <a:lnTo>
-                    <a:pt x="1707161" y="1266847"/>
-                  </a:lnTo>
-                  <a:lnTo>
-                    <a:pt x="1726495" y="1208312"/>
-                  </a:lnTo>
-                  <a:lnTo>
-                    <a:pt x="1743823" y="1149152"/>
-                  </a:lnTo>
-                  <a:lnTo>
-                    <a:pt x="1759124" y="1089435"/>
-                  </a:lnTo>
-                  <a:lnTo>
-                    <a:pt x="1772381" y="1029232"/>
-                  </a:lnTo>
-                  <a:lnTo>
-                    <a:pt x="1783578" y="968611"/>
-                  </a:lnTo>
-                  <a:lnTo>
-                    <a:pt x="1792702" y="907644"/>
-                  </a:lnTo>
-                  <a:lnTo>
-                    <a:pt x="1799743" y="846402"/>
-                  </a:lnTo>
-                  <a:lnTo>
-                    <a:pt x="1804692" y="784955"/>
-                  </a:lnTo>
-                  <a:lnTo>
-                    <a:pt x="1807544" y="723376"/>
-                  </a:lnTo>
-                  <a:lnTo>
-                    <a:pt x="1808296" y="661734"/>
-                  </a:lnTo>
-                  <a:lnTo>
-                    <a:pt x="1806946" y="600103"/>
-                  </a:lnTo>
-                  <a:lnTo>
-                    <a:pt x="1803496" y="538554"/>
-                  </a:lnTo>
-                  <a:lnTo>
-                    <a:pt x="1797950" y="477158"/>
-                  </a:lnTo>
-                  <a:lnTo>
-                    <a:pt x="1790314" y="415987"/>
-                  </a:lnTo>
-                  <a:lnTo>
-                    <a:pt x="1780598" y="355112"/>
-                  </a:lnTo>
-                  <a:lnTo>
-                    <a:pt x="1768813" y="294603"/>
-                  </a:lnTo>
-                  <a:lnTo>
-                    <a:pt x="1754972" y="234531"/>
-                  </a:lnTo>
-                  <a:lnTo>
-                    <a:pt x="1739092" y="174966"/>
-                  </a:lnTo>
-                  <a:lnTo>
-                    <a:pt x="1721190" y="115977"/>
-                  </a:lnTo>
-                  <a:lnTo>
-                    <a:pt x="1701289" y="57632"/>
-                  </a:lnTo>
-                  <a:lnTo>
-                    <a:pt x="1679410" y="0"/>
-                  </a:lnTo>
-                  <a:lnTo>
-                    <a:pt x="1621499" y="23121"/>
-                  </a:lnTo>
-                  <a:lnTo>
-                    <a:pt x="1563589" y="46242"/>
-                  </a:lnTo>
-                  <a:lnTo>
-                    <a:pt x="1505678" y="69363"/>
-                  </a:lnTo>
-                  <a:lnTo>
-                    <a:pt x="1447767" y="92485"/>
-                  </a:lnTo>
-                  <a:lnTo>
-                    <a:pt x="1389856" y="115606"/>
-                  </a:lnTo>
-                  <a:lnTo>
-                    <a:pt x="1331946" y="138727"/>
-                  </a:lnTo>
-                  <a:lnTo>
-                    <a:pt x="1274035" y="161848"/>
-                  </a:lnTo>
-                  <a:lnTo>
-                    <a:pt x="1216124" y="184970"/>
-                  </a:lnTo>
-                  <a:lnTo>
-                    <a:pt x="1158214" y="208091"/>
-                  </a:lnTo>
-                  <a:lnTo>
-                    <a:pt x="1100303" y="231212"/>
-                  </a:lnTo>
-                  <a:lnTo>
-                    <a:pt x="1042392" y="254333"/>
-                  </a:lnTo>
-                  <a:lnTo>
-                    <a:pt x="984481" y="277455"/>
-                  </a:lnTo>
-                  <a:lnTo>
-                    <a:pt x="926571" y="300576"/>
-                  </a:lnTo>
-                  <a:lnTo>
-                    <a:pt x="868660" y="323697"/>
-                  </a:lnTo>
-                  <a:lnTo>
-                    <a:pt x="810749" y="346818"/>
-                  </a:lnTo>
-                  <a:lnTo>
-                    <a:pt x="752839" y="369940"/>
-                  </a:lnTo>
-                  <a:lnTo>
-                    <a:pt x="694928" y="393061"/>
-                  </a:lnTo>
-                  <a:lnTo>
-                    <a:pt x="637017" y="416182"/>
-                  </a:lnTo>
-                  <a:lnTo>
-                    <a:pt x="579107" y="439303"/>
-                  </a:lnTo>
-                  <a:lnTo>
-                    <a:pt x="521196" y="462425"/>
-                  </a:lnTo>
-                  <a:lnTo>
-                    <a:pt x="463285" y="485546"/>
-                  </a:lnTo>
-                  <a:lnTo>
-                    <a:pt x="405374" y="508667"/>
-                  </a:lnTo>
-                  <a:lnTo>
-                    <a:pt x="347464" y="531788"/>
-                  </a:lnTo>
-                  <a:lnTo>
-                    <a:pt x="289553" y="554910"/>
-                  </a:lnTo>
-                  <a:lnTo>
-                    <a:pt x="231642" y="578031"/>
-                  </a:lnTo>
-                  <a:lnTo>
-                    <a:pt x="173732" y="601152"/>
-                  </a:lnTo>
-                  <a:lnTo>
-                    <a:pt x="115821" y="624274"/>
-                  </a:lnTo>
-                  <a:lnTo>
-                    <a:pt x="57910" y="647395"/>
-                  </a:lnTo>
-                  <a:close/>
+                    <a:pt x="2193323" y="0"/>
+                  </a:lnTo>
+                  <a:lnTo>
+                    <a:pt x="2193323" y="0"/>
+                  </a:lnTo>
                 </a:path>
               </a:pathLst>
             </a:custGeom>
-            <a:solidFill>
-              <a:srgbClr val="00BA38">
-                <a:alpha val="100000"/>
-              </a:srgbClr>
-            </a:solidFill>
-            <a:ln w="13550" cap="rnd">
+            <a:ln w="6775" cap="flat">
               <a:solidFill>
-                <a:srgbClr val="FFFFFF">
+                <a:srgbClr val="EBEBEB">
                   <a:alpha val="100000"/>
                 </a:srgbClr>
               </a:solidFill>
@@ -3846,493 +3255,34 @@
         </p:sp>
         <p:sp>
           <p:nvSpPr>
-            <p:cNvPr id="6" name="pg6"/>
-            <p:cNvSpPr/>
-            <p:nvPr/>
-          </p:nvSpPr>
-          <p:spPr>
-            <a:xfrm>
-              <a:off x="3217402" y="1973107"/>
-              <a:ext cx="2006153" cy="3616575"/>
+            <p:cNvPr id="7" name="pl7"/>
+            <p:cNvSpPr/>
+            <p:nvPr/>
+          </p:nvSpPr>
+          <p:spPr>
+            <a:xfrm>
+              <a:off x="2217943" y="3498141"/>
+              <a:ext cx="2193323" cy="0"/>
             </a:xfrm>
             <a:custGeom>
               <a:avLst/>
               <a:pathLst>
-                <a:path w="2006153" h="3616575">
+                <a:path w="2193323" h="0">
                   <a:moveTo>
-                    <a:pt x="1808167" y="1808317"/>
+                    <a:pt x="0" y="0"/>
                   </a:moveTo>
                   <a:lnTo>
-                    <a:pt x="1808167" y="1745961"/>
-                  </a:lnTo>
-                  <a:lnTo>
-                    <a:pt x="1808167" y="1683605"/>
-                  </a:lnTo>
-                  <a:lnTo>
-                    <a:pt x="1808167" y="1621250"/>
-                  </a:lnTo>
-                  <a:lnTo>
-                    <a:pt x="1808167" y="1558894"/>
-                  </a:lnTo>
-                  <a:lnTo>
-                    <a:pt x="1808167" y="1496538"/>
-                  </a:lnTo>
-                  <a:lnTo>
-                    <a:pt x="1808167" y="1434182"/>
-                  </a:lnTo>
-                  <a:lnTo>
-                    <a:pt x="1808167" y="1371827"/>
-                  </a:lnTo>
-                  <a:lnTo>
-                    <a:pt x="1808167" y="1309471"/>
-                  </a:lnTo>
-                  <a:lnTo>
-                    <a:pt x="1808167" y="1247115"/>
-                  </a:lnTo>
-                  <a:lnTo>
-                    <a:pt x="1808167" y="1184759"/>
-                  </a:lnTo>
-                  <a:lnTo>
-                    <a:pt x="1808167" y="1122403"/>
-                  </a:lnTo>
-                  <a:lnTo>
-                    <a:pt x="1808167" y="1060048"/>
-                  </a:lnTo>
-                  <a:lnTo>
-                    <a:pt x="1808167" y="997692"/>
-                  </a:lnTo>
-                  <a:lnTo>
-                    <a:pt x="1808167" y="935336"/>
-                  </a:lnTo>
-                  <a:lnTo>
-                    <a:pt x="1808167" y="872980"/>
-                  </a:lnTo>
-                  <a:lnTo>
-                    <a:pt x="1808167" y="810625"/>
-                  </a:lnTo>
-                  <a:lnTo>
-                    <a:pt x="1808167" y="748269"/>
-                  </a:lnTo>
-                  <a:lnTo>
-                    <a:pt x="1808167" y="685913"/>
-                  </a:lnTo>
-                  <a:lnTo>
-                    <a:pt x="1808167" y="623557"/>
-                  </a:lnTo>
-                  <a:lnTo>
-                    <a:pt x="1808167" y="561201"/>
-                  </a:lnTo>
-                  <a:lnTo>
-                    <a:pt x="1808167" y="498846"/>
-                  </a:lnTo>
-                  <a:lnTo>
-                    <a:pt x="1808167" y="436490"/>
-                  </a:lnTo>
-                  <a:lnTo>
-                    <a:pt x="1808167" y="374134"/>
-                  </a:lnTo>
-                  <a:lnTo>
-                    <a:pt x="1808167" y="311778"/>
-                  </a:lnTo>
-                  <a:lnTo>
-                    <a:pt x="1808167" y="249423"/>
-                  </a:lnTo>
-                  <a:lnTo>
-                    <a:pt x="1808167" y="187067"/>
-                  </a:lnTo>
-                  <a:lnTo>
-                    <a:pt x="1808167" y="124711"/>
-                  </a:lnTo>
-                  <a:lnTo>
-                    <a:pt x="1808167" y="62355"/>
-                  </a:lnTo>
-                  <a:lnTo>
-                    <a:pt x="1808167" y="0"/>
-                  </a:lnTo>
-                  <a:lnTo>
-                    <a:pt x="1746935" y="1036"/>
-                  </a:lnTo>
-                  <a:lnTo>
-                    <a:pt x="1685773" y="4146"/>
-                  </a:lnTo>
-                  <a:lnTo>
-                    <a:pt x="1624752" y="9325"/>
-                  </a:lnTo>
-                  <a:lnTo>
-                    <a:pt x="1563941" y="16568"/>
-                  </a:lnTo>
-                  <a:lnTo>
-                    <a:pt x="1503411" y="25865"/>
-                  </a:lnTo>
-                  <a:lnTo>
-                    <a:pt x="1443229" y="37206"/>
-                  </a:lnTo>
-                  <a:lnTo>
-                    <a:pt x="1383467" y="50579"/>
-                  </a:lnTo>
-                  <a:lnTo>
-                    <a:pt x="1324191" y="65968"/>
-                  </a:lnTo>
-                  <a:lnTo>
-                    <a:pt x="1265470" y="83355"/>
-                  </a:lnTo>
-                  <a:lnTo>
-                    <a:pt x="1207372" y="102721"/>
-                  </a:lnTo>
-                  <a:lnTo>
-                    <a:pt x="1149963" y="124043"/>
-                  </a:lnTo>
-                  <a:lnTo>
-                    <a:pt x="1093309" y="147296"/>
-                  </a:lnTo>
-                  <a:lnTo>
-                    <a:pt x="1037475" y="172455"/>
-                  </a:lnTo>
-                  <a:lnTo>
-                    <a:pt x="982525" y="199489"/>
-                  </a:lnTo>
-                  <a:lnTo>
-                    <a:pt x="928521" y="228369"/>
-                  </a:lnTo>
-                  <a:lnTo>
-                    <a:pt x="875527" y="259061"/>
-                  </a:lnTo>
-                  <a:lnTo>
-                    <a:pt x="823602" y="291530"/>
-                  </a:lnTo>
-                  <a:lnTo>
-                    <a:pt x="772806" y="325738"/>
-                  </a:lnTo>
-                  <a:lnTo>
-                    <a:pt x="723198" y="361647"/>
-                  </a:lnTo>
-                  <a:lnTo>
-                    <a:pt x="674834" y="399215"/>
-                  </a:lnTo>
-                  <a:lnTo>
-                    <a:pt x="627770" y="438399"/>
-                  </a:lnTo>
-                  <a:lnTo>
-                    <a:pt x="582060" y="479154"/>
-                  </a:lnTo>
-                  <a:lnTo>
-                    <a:pt x="537756" y="521434"/>
-                  </a:lnTo>
-                  <a:lnTo>
-                    <a:pt x="494909" y="565190"/>
-                  </a:lnTo>
-                  <a:lnTo>
-                    <a:pt x="453568" y="610371"/>
-                  </a:lnTo>
-                  <a:lnTo>
-                    <a:pt x="413781" y="656926"/>
-                  </a:lnTo>
-                  <a:lnTo>
-                    <a:pt x="375593" y="704802"/>
-                  </a:lnTo>
-                  <a:lnTo>
-                    <a:pt x="339048" y="753944"/>
-                  </a:lnTo>
-                  <a:lnTo>
-                    <a:pt x="304189" y="804294"/>
-                  </a:lnTo>
-                  <a:lnTo>
-                    <a:pt x="271054" y="855797"/>
-                  </a:lnTo>
-                  <a:lnTo>
-                    <a:pt x="239682" y="908392"/>
-                  </a:lnTo>
-                  <a:lnTo>
-                    <a:pt x="210108" y="962018"/>
-                  </a:lnTo>
-                  <a:lnTo>
-                    <a:pt x="182368" y="1016616"/>
-                  </a:lnTo>
-                  <a:lnTo>
-                    <a:pt x="156492" y="1072122"/>
-                  </a:lnTo>
-                  <a:lnTo>
-                    <a:pt x="132511" y="1128471"/>
-                  </a:lnTo>
-                  <a:lnTo>
-                    <a:pt x="110452" y="1185601"/>
-                  </a:lnTo>
-                  <a:lnTo>
-                    <a:pt x="90339" y="1243445"/>
-                  </a:lnTo>
-                  <a:lnTo>
-                    <a:pt x="72197" y="1301937"/>
-                  </a:lnTo>
-                  <a:lnTo>
-                    <a:pt x="56046" y="1361009"/>
-                  </a:lnTo>
-                  <a:lnTo>
-                    <a:pt x="41904" y="1420594"/>
-                  </a:lnTo>
-                  <a:lnTo>
-                    <a:pt x="29789" y="1480625"/>
-                  </a:lnTo>
-                  <a:lnTo>
-                    <a:pt x="19712" y="1541031"/>
-                  </a:lnTo>
-                  <a:lnTo>
-                    <a:pt x="11687" y="1601743"/>
-                  </a:lnTo>
-                  <a:lnTo>
-                    <a:pt x="5723" y="1662693"/>
-                  </a:lnTo>
-                  <a:lnTo>
-                    <a:pt x="1825" y="1723809"/>
-                  </a:lnTo>
-                  <a:lnTo>
-                    <a:pt x="0" y="1785022"/>
-                  </a:lnTo>
-                  <a:lnTo>
-                    <a:pt x="248" y="1846263"/>
-                  </a:lnTo>
-                  <a:lnTo>
-                    <a:pt x="2569" y="1907459"/>
-                  </a:lnTo>
-                  <a:lnTo>
-                    <a:pt x="6962" y="1968542"/>
-                  </a:lnTo>
-                  <a:lnTo>
-                    <a:pt x="13420" y="2029441"/>
-                  </a:lnTo>
-                  <a:lnTo>
-                    <a:pt x="21937" y="2090087"/>
-                  </a:lnTo>
-                  <a:lnTo>
-                    <a:pt x="32502" y="2150409"/>
-                  </a:lnTo>
-                  <a:lnTo>
-                    <a:pt x="45104" y="2210339"/>
-                  </a:lnTo>
-                  <a:lnTo>
-                    <a:pt x="59728" y="2269808"/>
-                  </a:lnTo>
-                  <a:lnTo>
-                    <a:pt x="76357" y="2328748"/>
-                  </a:lnTo>
-                  <a:lnTo>
-                    <a:pt x="94973" y="2387090"/>
-                  </a:lnTo>
-                  <a:lnTo>
-                    <a:pt x="115553" y="2444769"/>
-                  </a:lnTo>
-                  <a:lnTo>
-                    <a:pt x="138075" y="2501718"/>
-                  </a:lnTo>
-                  <a:lnTo>
-                    <a:pt x="162512" y="2557872"/>
-                  </a:lnTo>
-                  <a:lnTo>
-                    <a:pt x="188837" y="2613166"/>
-                  </a:lnTo>
-                  <a:lnTo>
-                    <a:pt x="217019" y="2667537"/>
-                  </a:lnTo>
-                  <a:lnTo>
-                    <a:pt x="247025" y="2720923"/>
-                  </a:lnTo>
-                  <a:lnTo>
-                    <a:pt x="278823" y="2773261"/>
-                  </a:lnTo>
-                  <a:lnTo>
-                    <a:pt x="312374" y="2824493"/>
-                  </a:lnTo>
-                  <a:lnTo>
-                    <a:pt x="347640" y="2874560"/>
-                  </a:lnTo>
-                  <a:lnTo>
-                    <a:pt x="384582" y="2923404"/>
-                  </a:lnTo>
-                  <a:lnTo>
-                    <a:pt x="423157" y="2970969"/>
-                  </a:lnTo>
-                  <a:lnTo>
-                    <a:pt x="463320" y="3017200"/>
-                  </a:lnTo>
-                  <a:lnTo>
-                    <a:pt x="505025" y="3062045"/>
-                  </a:lnTo>
-                  <a:lnTo>
-                    <a:pt x="548226" y="3105452"/>
-                  </a:lnTo>
-                  <a:lnTo>
-                    <a:pt x="592871" y="3147371"/>
-                  </a:lnTo>
-                  <a:lnTo>
-                    <a:pt x="638910" y="3187755"/>
-                  </a:lnTo>
-                  <a:lnTo>
-                    <a:pt x="686290" y="3226556"/>
-                  </a:lnTo>
-                  <a:lnTo>
-                    <a:pt x="734956" y="3263731"/>
-                  </a:lnTo>
-                  <a:lnTo>
-                    <a:pt x="784854" y="3299237"/>
-                  </a:lnTo>
-                  <a:lnTo>
-                    <a:pt x="835925" y="3333033"/>
-                  </a:lnTo>
-                  <a:lnTo>
-                    <a:pt x="888111" y="3365079"/>
-                  </a:lnTo>
-                  <a:lnTo>
-                    <a:pt x="941353" y="3395341"/>
-                  </a:lnTo>
-                  <a:lnTo>
-                    <a:pt x="995588" y="3423782"/>
-                  </a:lnTo>
-                  <a:lnTo>
-                    <a:pt x="1050756" y="3450371"/>
-                  </a:lnTo>
-                  <a:lnTo>
-                    <a:pt x="1106792" y="3475076"/>
-                  </a:lnTo>
-                  <a:lnTo>
-                    <a:pt x="1163633" y="3497870"/>
-                  </a:lnTo>
-                  <a:lnTo>
-                    <a:pt x="1221213" y="3518725"/>
-                  </a:lnTo>
-                  <a:lnTo>
-                    <a:pt x="1279466" y="3537620"/>
-                  </a:lnTo>
-                  <a:lnTo>
-                    <a:pt x="1338326" y="3554530"/>
-                  </a:lnTo>
-                  <a:lnTo>
-                    <a:pt x="1397724" y="3569438"/>
-                  </a:lnTo>
-                  <a:lnTo>
-                    <a:pt x="1457593" y="3582326"/>
-                  </a:lnTo>
-                  <a:lnTo>
-                    <a:pt x="1517864" y="3593180"/>
-                  </a:lnTo>
-                  <a:lnTo>
-                    <a:pt x="1578468" y="3601987"/>
-                  </a:lnTo>
-                  <a:lnTo>
-                    <a:pt x="1639336" y="3608736"/>
-                  </a:lnTo>
-                  <a:lnTo>
-                    <a:pt x="1700397" y="3613420"/>
-                  </a:lnTo>
-                  <a:lnTo>
-                    <a:pt x="1761582" y="3616034"/>
-                  </a:lnTo>
-                  <a:lnTo>
-                    <a:pt x="1822820" y="3616575"/>
-                  </a:lnTo>
-                  <a:lnTo>
-                    <a:pt x="1884042" y="3615042"/>
-                  </a:lnTo>
-                  <a:lnTo>
-                    <a:pt x="1945176" y="3611437"/>
-                  </a:lnTo>
-                  <a:lnTo>
-                    <a:pt x="2006153" y="3605763"/>
-                  </a:lnTo>
-                  <a:lnTo>
-                    <a:pt x="1999326" y="3543782"/>
-                  </a:lnTo>
-                  <a:lnTo>
-                    <a:pt x="1992499" y="3481801"/>
-                  </a:lnTo>
-                  <a:lnTo>
-                    <a:pt x="1985672" y="3419821"/>
-                  </a:lnTo>
-                  <a:lnTo>
-                    <a:pt x="1978845" y="3357840"/>
-                  </a:lnTo>
-                  <a:lnTo>
-                    <a:pt x="1972018" y="3295859"/>
-                  </a:lnTo>
-                  <a:lnTo>
-                    <a:pt x="1965191" y="3233878"/>
-                  </a:lnTo>
-                  <a:lnTo>
-                    <a:pt x="1958363" y="3171897"/>
-                  </a:lnTo>
-                  <a:lnTo>
-                    <a:pt x="1951536" y="3109916"/>
-                  </a:lnTo>
-                  <a:lnTo>
-                    <a:pt x="1944709" y="3047935"/>
-                  </a:lnTo>
-                  <a:lnTo>
-                    <a:pt x="1937882" y="2985954"/>
-                  </a:lnTo>
-                  <a:lnTo>
-                    <a:pt x="1931055" y="2923973"/>
-                  </a:lnTo>
-                  <a:lnTo>
-                    <a:pt x="1924228" y="2861992"/>
-                  </a:lnTo>
-                  <a:lnTo>
-                    <a:pt x="1917401" y="2800011"/>
-                  </a:lnTo>
-                  <a:lnTo>
-                    <a:pt x="1910574" y="2738031"/>
-                  </a:lnTo>
-                  <a:lnTo>
-                    <a:pt x="1903746" y="2676050"/>
-                  </a:lnTo>
-                  <a:lnTo>
-                    <a:pt x="1896919" y="2614069"/>
-                  </a:lnTo>
-                  <a:lnTo>
-                    <a:pt x="1890092" y="2552088"/>
-                  </a:lnTo>
-                  <a:lnTo>
-                    <a:pt x="1883265" y="2490107"/>
-                  </a:lnTo>
-                  <a:lnTo>
-                    <a:pt x="1876438" y="2428126"/>
-                  </a:lnTo>
-                  <a:lnTo>
-                    <a:pt x="1869611" y="2366145"/>
-                  </a:lnTo>
-                  <a:lnTo>
-                    <a:pt x="1862784" y="2304164"/>
-                  </a:lnTo>
-                  <a:lnTo>
-                    <a:pt x="1855957" y="2242183"/>
-                  </a:lnTo>
-                  <a:lnTo>
-                    <a:pt x="1849130" y="2180202"/>
-                  </a:lnTo>
-                  <a:lnTo>
-                    <a:pt x="1842302" y="2118221"/>
-                  </a:lnTo>
-                  <a:lnTo>
-                    <a:pt x="1835475" y="2056241"/>
-                  </a:lnTo>
-                  <a:lnTo>
-                    <a:pt x="1828648" y="1994260"/>
-                  </a:lnTo>
-                  <a:lnTo>
-                    <a:pt x="1821821" y="1932279"/>
-                  </a:lnTo>
-                  <a:lnTo>
-                    <a:pt x="1814994" y="1870298"/>
-                  </a:lnTo>
-                  <a:close/>
+                    <a:pt x="2193323" y="0"/>
+                  </a:lnTo>
+                  <a:lnTo>
+                    <a:pt x="2193323" y="0"/>
+                  </a:lnTo>
                 </a:path>
               </a:pathLst>
             </a:custGeom>
-            <a:solidFill>
-              <a:srgbClr val="F8766D">
-                <a:alpha val="100000"/>
-              </a:srgbClr>
-            </a:solidFill>
-            <a:ln w="13550" cap="rnd">
+            <a:ln w="6775" cap="flat">
               <a:solidFill>
-                <a:srgbClr val="FFFFFF">
+                <a:srgbClr val="EBEBEB">
                   <a:alpha val="100000"/>
                 </a:srgbClr>
               </a:solidFill>
@@ -4348,14 +3298,2457 @@
         </p:sp>
         <p:sp>
           <p:nvSpPr>
-            <p:cNvPr id="7" name="tx7"/>
-            <p:cNvSpPr/>
-            <p:nvPr/>
-          </p:nvSpPr>
-          <p:spPr>
-            <a:xfrm>
-              <a:off x="5397619" y="2971615"/>
-              <a:ext cx="289291" cy="109040"/>
+            <p:cNvPr id="8" name="pl8"/>
+            <p:cNvSpPr/>
+            <p:nvPr/>
+          </p:nvSpPr>
+          <p:spPr>
+            <a:xfrm>
+              <a:off x="2217943" y="2558822"/>
+              <a:ext cx="2193323" cy="0"/>
+            </a:xfrm>
+            <a:custGeom>
+              <a:avLst/>
+              <a:pathLst>
+                <a:path w="2193323" h="0">
+                  <a:moveTo>
+                    <a:pt x="0" y="0"/>
+                  </a:moveTo>
+                  <a:lnTo>
+                    <a:pt x="2193323" y="0"/>
+                  </a:lnTo>
+                  <a:lnTo>
+                    <a:pt x="2193323" y="0"/>
+                  </a:lnTo>
+                </a:path>
+              </a:pathLst>
+            </a:custGeom>
+            <a:ln w="6775" cap="flat">
+              <a:solidFill>
+                <a:srgbClr val="EBEBEB">
+                  <a:alpha val="100000"/>
+                </a:srgbClr>
+              </a:solidFill>
+              <a:prstDash val="solid"/>
+              <a:round/>
+            </a:ln>
+          </p:spPr>
+          <p:txBody>
+            <a:bodyPr/>
+            <a:lstStyle/>
+            <a:p/>
+          </p:txBody>
+        </p:sp>
+        <p:sp>
+          <p:nvSpPr>
+            <p:cNvPr id="9" name="pl9"/>
+            <p:cNvSpPr/>
+            <p:nvPr/>
+          </p:nvSpPr>
+          <p:spPr>
+            <a:xfrm>
+              <a:off x="2217943" y="4907120"/>
+              <a:ext cx="2193323" cy="0"/>
+            </a:xfrm>
+            <a:custGeom>
+              <a:avLst/>
+              <a:pathLst>
+                <a:path w="2193323" h="0">
+                  <a:moveTo>
+                    <a:pt x="0" y="0"/>
+                  </a:moveTo>
+                  <a:lnTo>
+                    <a:pt x="2193323" y="0"/>
+                  </a:lnTo>
+                  <a:lnTo>
+                    <a:pt x="2193323" y="0"/>
+                  </a:lnTo>
+                </a:path>
+              </a:pathLst>
+            </a:custGeom>
+            <a:ln w="13550" cap="flat">
+              <a:solidFill>
+                <a:srgbClr val="EBEBEB">
+                  <a:alpha val="100000"/>
+                </a:srgbClr>
+              </a:solidFill>
+              <a:prstDash val="solid"/>
+              <a:round/>
+            </a:ln>
+          </p:spPr>
+          <p:txBody>
+            <a:bodyPr/>
+            <a:lstStyle/>
+            <a:p/>
+          </p:txBody>
+        </p:sp>
+        <p:sp>
+          <p:nvSpPr>
+            <p:cNvPr id="10" name="pl10"/>
+            <p:cNvSpPr/>
+            <p:nvPr/>
+          </p:nvSpPr>
+          <p:spPr>
+            <a:xfrm>
+              <a:off x="2217943" y="3967800"/>
+              <a:ext cx="2193323" cy="0"/>
+            </a:xfrm>
+            <a:custGeom>
+              <a:avLst/>
+              <a:pathLst>
+                <a:path w="2193323" h="0">
+                  <a:moveTo>
+                    <a:pt x="0" y="0"/>
+                  </a:moveTo>
+                  <a:lnTo>
+                    <a:pt x="2193323" y="0"/>
+                  </a:lnTo>
+                  <a:lnTo>
+                    <a:pt x="2193323" y="0"/>
+                  </a:lnTo>
+                </a:path>
+              </a:pathLst>
+            </a:custGeom>
+            <a:ln w="13550" cap="flat">
+              <a:solidFill>
+                <a:srgbClr val="EBEBEB">
+                  <a:alpha val="100000"/>
+                </a:srgbClr>
+              </a:solidFill>
+              <a:prstDash val="solid"/>
+              <a:round/>
+            </a:ln>
+          </p:spPr>
+          <p:txBody>
+            <a:bodyPr/>
+            <a:lstStyle/>
+            <a:p/>
+          </p:txBody>
+        </p:sp>
+        <p:sp>
+          <p:nvSpPr>
+            <p:cNvPr id="11" name="pl11"/>
+            <p:cNvSpPr/>
+            <p:nvPr/>
+          </p:nvSpPr>
+          <p:spPr>
+            <a:xfrm>
+              <a:off x="2217943" y="3028481"/>
+              <a:ext cx="2193323" cy="0"/>
+            </a:xfrm>
+            <a:custGeom>
+              <a:avLst/>
+              <a:pathLst>
+                <a:path w="2193323" h="0">
+                  <a:moveTo>
+                    <a:pt x="0" y="0"/>
+                  </a:moveTo>
+                  <a:lnTo>
+                    <a:pt x="2193323" y="0"/>
+                  </a:lnTo>
+                  <a:lnTo>
+                    <a:pt x="2193323" y="0"/>
+                  </a:lnTo>
+                </a:path>
+              </a:pathLst>
+            </a:custGeom>
+            <a:ln w="13550" cap="flat">
+              <a:solidFill>
+                <a:srgbClr val="EBEBEB">
+                  <a:alpha val="100000"/>
+                </a:srgbClr>
+              </a:solidFill>
+              <a:prstDash val="solid"/>
+              <a:round/>
+            </a:ln>
+          </p:spPr>
+          <p:txBody>
+            <a:bodyPr/>
+            <a:lstStyle/>
+            <a:p/>
+          </p:txBody>
+        </p:sp>
+        <p:sp>
+          <p:nvSpPr>
+            <p:cNvPr id="12" name="pl12"/>
+            <p:cNvSpPr/>
+            <p:nvPr/>
+          </p:nvSpPr>
+          <p:spPr>
+            <a:xfrm>
+              <a:off x="2217943" y="2089162"/>
+              <a:ext cx="2193323" cy="0"/>
+            </a:xfrm>
+            <a:custGeom>
+              <a:avLst/>
+              <a:pathLst>
+                <a:path w="2193323" h="0">
+                  <a:moveTo>
+                    <a:pt x="0" y="0"/>
+                  </a:moveTo>
+                  <a:lnTo>
+                    <a:pt x="2193323" y="0"/>
+                  </a:lnTo>
+                  <a:lnTo>
+                    <a:pt x="2193323" y="0"/>
+                  </a:lnTo>
+                </a:path>
+              </a:pathLst>
+            </a:custGeom>
+            <a:ln w="13550" cap="flat">
+              <a:solidFill>
+                <a:srgbClr val="EBEBEB">
+                  <a:alpha val="100000"/>
+                </a:srgbClr>
+              </a:solidFill>
+              <a:prstDash val="solid"/>
+              <a:round/>
+            </a:ln>
+          </p:spPr>
+          <p:txBody>
+            <a:bodyPr/>
+            <a:lstStyle/>
+            <a:p/>
+          </p:txBody>
+        </p:sp>
+        <p:sp>
+          <p:nvSpPr>
+            <p:cNvPr id="13" name="pl13"/>
+            <p:cNvSpPr/>
+            <p:nvPr/>
+          </p:nvSpPr>
+          <p:spPr>
+            <a:xfrm>
+              <a:off x="2400720" y="1809173"/>
+              <a:ext cx="0" cy="3245468"/>
+            </a:xfrm>
+            <a:custGeom>
+              <a:avLst/>
+              <a:pathLst>
+                <a:path w="0" h="3245468">
+                  <a:moveTo>
+                    <a:pt x="0" y="3245468"/>
+                  </a:moveTo>
+                  <a:lnTo>
+                    <a:pt x="0" y="0"/>
+                  </a:lnTo>
+                  <a:lnTo>
+                    <a:pt x="0" y="0"/>
+                  </a:lnTo>
+                </a:path>
+              </a:pathLst>
+            </a:custGeom>
+            <a:ln w="13550" cap="flat">
+              <a:solidFill>
+                <a:srgbClr val="EBEBEB">
+                  <a:alpha val="100000"/>
+                </a:srgbClr>
+              </a:solidFill>
+              <a:prstDash val="solid"/>
+              <a:round/>
+            </a:ln>
+          </p:spPr>
+          <p:txBody>
+            <a:bodyPr/>
+            <a:lstStyle/>
+            <a:p/>
+          </p:txBody>
+        </p:sp>
+        <p:sp>
+          <p:nvSpPr>
+            <p:cNvPr id="14" name="pl14"/>
+            <p:cNvSpPr/>
+            <p:nvPr/>
+          </p:nvSpPr>
+          <p:spPr>
+            <a:xfrm>
+              <a:off x="2705348" y="1809173"/>
+              <a:ext cx="0" cy="3245468"/>
+            </a:xfrm>
+            <a:custGeom>
+              <a:avLst/>
+              <a:pathLst>
+                <a:path w="0" h="3245468">
+                  <a:moveTo>
+                    <a:pt x="0" y="3245468"/>
+                  </a:moveTo>
+                  <a:lnTo>
+                    <a:pt x="0" y="0"/>
+                  </a:lnTo>
+                  <a:lnTo>
+                    <a:pt x="0" y="0"/>
+                  </a:lnTo>
+                </a:path>
+              </a:pathLst>
+            </a:custGeom>
+            <a:ln w="13550" cap="flat">
+              <a:solidFill>
+                <a:srgbClr val="EBEBEB">
+                  <a:alpha val="100000"/>
+                </a:srgbClr>
+              </a:solidFill>
+              <a:prstDash val="solid"/>
+              <a:round/>
+            </a:ln>
+          </p:spPr>
+          <p:txBody>
+            <a:bodyPr/>
+            <a:lstStyle/>
+            <a:p/>
+          </p:txBody>
+        </p:sp>
+        <p:sp>
+          <p:nvSpPr>
+            <p:cNvPr id="15" name="pl15"/>
+            <p:cNvSpPr/>
+            <p:nvPr/>
+          </p:nvSpPr>
+          <p:spPr>
+            <a:xfrm>
+              <a:off x="3009977" y="1809173"/>
+              <a:ext cx="0" cy="3245468"/>
+            </a:xfrm>
+            <a:custGeom>
+              <a:avLst/>
+              <a:pathLst>
+                <a:path w="0" h="3245468">
+                  <a:moveTo>
+                    <a:pt x="0" y="3245468"/>
+                  </a:moveTo>
+                  <a:lnTo>
+                    <a:pt x="0" y="0"/>
+                  </a:lnTo>
+                  <a:lnTo>
+                    <a:pt x="0" y="0"/>
+                  </a:lnTo>
+                </a:path>
+              </a:pathLst>
+            </a:custGeom>
+            <a:ln w="13550" cap="flat">
+              <a:solidFill>
+                <a:srgbClr val="EBEBEB">
+                  <a:alpha val="100000"/>
+                </a:srgbClr>
+              </a:solidFill>
+              <a:prstDash val="solid"/>
+              <a:round/>
+            </a:ln>
+          </p:spPr>
+          <p:txBody>
+            <a:bodyPr/>
+            <a:lstStyle/>
+            <a:p/>
+          </p:txBody>
+        </p:sp>
+        <p:sp>
+          <p:nvSpPr>
+            <p:cNvPr id="16" name="pl16"/>
+            <p:cNvSpPr/>
+            <p:nvPr/>
+          </p:nvSpPr>
+          <p:spPr>
+            <a:xfrm>
+              <a:off x="3314605" y="1809173"/>
+              <a:ext cx="0" cy="3245468"/>
+            </a:xfrm>
+            <a:custGeom>
+              <a:avLst/>
+              <a:pathLst>
+                <a:path w="0" h="3245468">
+                  <a:moveTo>
+                    <a:pt x="0" y="3245468"/>
+                  </a:moveTo>
+                  <a:lnTo>
+                    <a:pt x="0" y="0"/>
+                  </a:lnTo>
+                  <a:lnTo>
+                    <a:pt x="0" y="0"/>
+                  </a:lnTo>
+                </a:path>
+              </a:pathLst>
+            </a:custGeom>
+            <a:ln w="13550" cap="flat">
+              <a:solidFill>
+                <a:srgbClr val="EBEBEB">
+                  <a:alpha val="100000"/>
+                </a:srgbClr>
+              </a:solidFill>
+              <a:prstDash val="solid"/>
+              <a:round/>
+            </a:ln>
+          </p:spPr>
+          <p:txBody>
+            <a:bodyPr/>
+            <a:lstStyle/>
+            <a:p/>
+          </p:txBody>
+        </p:sp>
+        <p:sp>
+          <p:nvSpPr>
+            <p:cNvPr id="17" name="pl17"/>
+            <p:cNvSpPr/>
+            <p:nvPr/>
+          </p:nvSpPr>
+          <p:spPr>
+            <a:xfrm>
+              <a:off x="3619233" y="1809173"/>
+              <a:ext cx="0" cy="3245468"/>
+            </a:xfrm>
+            <a:custGeom>
+              <a:avLst/>
+              <a:pathLst>
+                <a:path w="0" h="3245468">
+                  <a:moveTo>
+                    <a:pt x="0" y="3245468"/>
+                  </a:moveTo>
+                  <a:lnTo>
+                    <a:pt x="0" y="0"/>
+                  </a:lnTo>
+                  <a:lnTo>
+                    <a:pt x="0" y="0"/>
+                  </a:lnTo>
+                </a:path>
+              </a:pathLst>
+            </a:custGeom>
+            <a:ln w="13550" cap="flat">
+              <a:solidFill>
+                <a:srgbClr val="EBEBEB">
+                  <a:alpha val="100000"/>
+                </a:srgbClr>
+              </a:solidFill>
+              <a:prstDash val="solid"/>
+              <a:round/>
+            </a:ln>
+          </p:spPr>
+          <p:txBody>
+            <a:bodyPr/>
+            <a:lstStyle/>
+            <a:p/>
+          </p:txBody>
+        </p:sp>
+        <p:sp>
+          <p:nvSpPr>
+            <p:cNvPr id="18" name="pl18"/>
+            <p:cNvSpPr/>
+            <p:nvPr/>
+          </p:nvSpPr>
+          <p:spPr>
+            <a:xfrm>
+              <a:off x="3923861" y="1809173"/>
+              <a:ext cx="0" cy="3245468"/>
+            </a:xfrm>
+            <a:custGeom>
+              <a:avLst/>
+              <a:pathLst>
+                <a:path w="0" h="3245468">
+                  <a:moveTo>
+                    <a:pt x="0" y="3245468"/>
+                  </a:moveTo>
+                  <a:lnTo>
+                    <a:pt x="0" y="0"/>
+                  </a:lnTo>
+                  <a:lnTo>
+                    <a:pt x="0" y="0"/>
+                  </a:lnTo>
+                </a:path>
+              </a:pathLst>
+            </a:custGeom>
+            <a:ln w="13550" cap="flat">
+              <a:solidFill>
+                <a:srgbClr val="EBEBEB">
+                  <a:alpha val="100000"/>
+                </a:srgbClr>
+              </a:solidFill>
+              <a:prstDash val="solid"/>
+              <a:round/>
+            </a:ln>
+          </p:spPr>
+          <p:txBody>
+            <a:bodyPr/>
+            <a:lstStyle/>
+            <a:p/>
+          </p:txBody>
+        </p:sp>
+        <p:sp>
+          <p:nvSpPr>
+            <p:cNvPr id="19" name="pl19"/>
+            <p:cNvSpPr/>
+            <p:nvPr/>
+          </p:nvSpPr>
+          <p:spPr>
+            <a:xfrm>
+              <a:off x="4228490" y="1809173"/>
+              <a:ext cx="0" cy="3245468"/>
+            </a:xfrm>
+            <a:custGeom>
+              <a:avLst/>
+              <a:pathLst>
+                <a:path w="0" h="3245468">
+                  <a:moveTo>
+                    <a:pt x="0" y="3245468"/>
+                  </a:moveTo>
+                  <a:lnTo>
+                    <a:pt x="0" y="0"/>
+                  </a:lnTo>
+                  <a:lnTo>
+                    <a:pt x="0" y="0"/>
+                  </a:lnTo>
+                </a:path>
+              </a:pathLst>
+            </a:custGeom>
+            <a:ln w="13550" cap="flat">
+              <a:solidFill>
+                <a:srgbClr val="EBEBEB">
+                  <a:alpha val="100000"/>
+                </a:srgbClr>
+              </a:solidFill>
+              <a:prstDash val="solid"/>
+              <a:round/>
+            </a:ln>
+          </p:spPr>
+          <p:txBody>
+            <a:bodyPr/>
+            <a:lstStyle/>
+            <a:p/>
+          </p:txBody>
+        </p:sp>
+        <p:sp>
+          <p:nvSpPr>
+            <p:cNvPr id="20" name="rc20"/>
+            <p:cNvSpPr/>
+            <p:nvPr/>
+          </p:nvSpPr>
+          <p:spPr>
+            <a:xfrm>
+              <a:off x="2263637" y="3348704"/>
+              <a:ext cx="274165" cy="1558415"/>
+            </a:xfrm>
+            <a:prstGeom prst="rect">
+              <a:avLst/>
+            </a:prstGeom>
+            <a:solidFill>
+              <a:srgbClr val="FEE5D9">
+                <a:alpha val="100000"/>
+              </a:srgbClr>
+            </a:solidFill>
+          </p:spPr>
+          <p:txBody>
+            <a:bodyPr/>
+            <a:lstStyle/>
+            <a:p/>
+          </p:txBody>
+        </p:sp>
+        <p:sp>
+          <p:nvSpPr>
+            <p:cNvPr id="21" name="rc21"/>
+            <p:cNvSpPr/>
+            <p:nvPr/>
+          </p:nvSpPr>
+          <p:spPr>
+            <a:xfrm>
+              <a:off x="2568266" y="4458808"/>
+              <a:ext cx="274165" cy="448311"/>
+            </a:xfrm>
+            <a:prstGeom prst="rect">
+              <a:avLst/>
+            </a:prstGeom>
+            <a:solidFill>
+              <a:srgbClr val="FCBBA1">
+                <a:alpha val="100000"/>
+              </a:srgbClr>
+            </a:solidFill>
+          </p:spPr>
+          <p:txBody>
+            <a:bodyPr/>
+            <a:lstStyle/>
+            <a:p/>
+          </p:txBody>
+        </p:sp>
+        <p:sp>
+          <p:nvSpPr>
+            <p:cNvPr id="22" name="rc22"/>
+            <p:cNvSpPr/>
+            <p:nvPr/>
+          </p:nvSpPr>
+          <p:spPr>
+            <a:xfrm>
+              <a:off x="2872894" y="2857696"/>
+              <a:ext cx="274165" cy="2049423"/>
+            </a:xfrm>
+            <a:prstGeom prst="rect">
+              <a:avLst/>
+            </a:prstGeom>
+            <a:solidFill>
+              <a:srgbClr val="FC9272">
+                <a:alpha val="100000"/>
+              </a:srgbClr>
+            </a:solidFill>
+          </p:spPr>
+          <p:txBody>
+            <a:bodyPr/>
+            <a:lstStyle/>
+            <a:p/>
+          </p:txBody>
+        </p:sp>
+        <p:sp>
+          <p:nvSpPr>
+            <p:cNvPr id="23" name="rc23"/>
+            <p:cNvSpPr/>
+            <p:nvPr/>
+          </p:nvSpPr>
+          <p:spPr>
+            <a:xfrm>
+              <a:off x="3177522" y="3241963"/>
+              <a:ext cx="274165" cy="1665156"/>
+            </a:xfrm>
+            <a:prstGeom prst="rect">
+              <a:avLst/>
+            </a:prstGeom>
+            <a:solidFill>
+              <a:srgbClr val="FB6A4A">
+                <a:alpha val="100000"/>
+              </a:srgbClr>
+            </a:solidFill>
+          </p:spPr>
+          <p:txBody>
+            <a:bodyPr/>
+            <a:lstStyle/>
+            <a:p/>
+          </p:txBody>
+        </p:sp>
+        <p:sp>
+          <p:nvSpPr>
+            <p:cNvPr id="24" name="rc24"/>
+            <p:cNvSpPr/>
+            <p:nvPr/>
+          </p:nvSpPr>
+          <p:spPr>
+            <a:xfrm>
+              <a:off x="3482150" y="4202630"/>
+              <a:ext cx="274165" cy="704489"/>
+            </a:xfrm>
+            <a:prstGeom prst="rect">
+              <a:avLst/>
+            </a:prstGeom>
+            <a:solidFill>
+              <a:srgbClr val="EF3B2C">
+                <a:alpha val="100000"/>
+              </a:srgbClr>
+            </a:solidFill>
+          </p:spPr>
+          <p:txBody>
+            <a:bodyPr/>
+            <a:lstStyle/>
+            <a:p/>
+          </p:txBody>
+        </p:sp>
+        <p:sp>
+          <p:nvSpPr>
+            <p:cNvPr id="25" name="rc25"/>
+            <p:cNvSpPr/>
+            <p:nvPr/>
+          </p:nvSpPr>
+          <p:spPr>
+            <a:xfrm>
+              <a:off x="3786779" y="2494777"/>
+              <a:ext cx="274165" cy="2412342"/>
+            </a:xfrm>
+            <a:prstGeom prst="rect">
+              <a:avLst/>
+            </a:prstGeom>
+            <a:solidFill>
+              <a:srgbClr val="CB181D">
+                <a:alpha val="100000"/>
+              </a:srgbClr>
+            </a:solidFill>
+          </p:spPr>
+          <p:txBody>
+            <a:bodyPr/>
+            <a:lstStyle/>
+            <a:p/>
+          </p:txBody>
+        </p:sp>
+        <p:sp>
+          <p:nvSpPr>
+            <p:cNvPr id="26" name="rc26"/>
+            <p:cNvSpPr/>
+            <p:nvPr/>
+          </p:nvSpPr>
+          <p:spPr>
+            <a:xfrm>
+              <a:off x="4091407" y="4352067"/>
+              <a:ext cx="274165" cy="555052"/>
+            </a:xfrm>
+            <a:prstGeom prst="rect">
+              <a:avLst/>
+            </a:prstGeom>
+            <a:solidFill>
+              <a:srgbClr val="99000D">
+                <a:alpha val="100000"/>
+              </a:srgbClr>
+            </a:solidFill>
+          </p:spPr>
+          <p:txBody>
+            <a:bodyPr/>
+            <a:lstStyle/>
+            <a:p/>
+          </p:txBody>
+        </p:sp>
+        <p:sp>
+          <p:nvSpPr>
+            <p:cNvPr id="27" name="rc27"/>
+            <p:cNvSpPr/>
+            <p:nvPr/>
+          </p:nvSpPr>
+          <p:spPr>
+            <a:xfrm>
+              <a:off x="2217943" y="1809173"/>
+              <a:ext cx="2193323" cy="3245468"/>
+            </a:xfrm>
+            <a:prstGeom prst="rect">
+              <a:avLst/>
+            </a:prstGeom>
+            <a:ln w="13550" cap="rnd">
+              <a:solidFill>
+                <a:srgbClr val="333333">
+                  <a:alpha val="100000"/>
+                </a:srgbClr>
+              </a:solidFill>
+              <a:prstDash val="solid"/>
+              <a:round/>
+            </a:ln>
+          </p:spPr>
+          <p:txBody>
+            <a:bodyPr/>
+            <a:lstStyle/>
+            <a:p/>
+          </p:txBody>
+        </p:sp>
+        <p:sp>
+          <p:nvSpPr>
+            <p:cNvPr id="28" name="rc28"/>
+            <p:cNvSpPr/>
+            <p:nvPr/>
+          </p:nvSpPr>
+          <p:spPr>
+            <a:xfrm>
+              <a:off x="4480856" y="1809173"/>
+              <a:ext cx="2193323" cy="3245468"/>
+            </a:xfrm>
+            <a:prstGeom prst="rect">
+              <a:avLst/>
+            </a:prstGeom>
+            <a:solidFill>
+              <a:srgbClr val="FFFFFF">
+                <a:alpha val="100000"/>
+              </a:srgbClr>
+            </a:solidFill>
+          </p:spPr>
+          <p:txBody>
+            <a:bodyPr/>
+            <a:lstStyle/>
+            <a:p/>
+          </p:txBody>
+        </p:sp>
+        <p:sp>
+          <p:nvSpPr>
+            <p:cNvPr id="29" name="pl29"/>
+            <p:cNvSpPr/>
+            <p:nvPr/>
+          </p:nvSpPr>
+          <p:spPr>
+            <a:xfrm>
+              <a:off x="4480856" y="4437460"/>
+              <a:ext cx="2193323" cy="0"/>
+            </a:xfrm>
+            <a:custGeom>
+              <a:avLst/>
+              <a:pathLst>
+                <a:path w="2193323" h="0">
+                  <a:moveTo>
+                    <a:pt x="0" y="0"/>
+                  </a:moveTo>
+                  <a:lnTo>
+                    <a:pt x="2193323" y="0"/>
+                  </a:lnTo>
+                  <a:lnTo>
+                    <a:pt x="2193323" y="0"/>
+                  </a:lnTo>
+                </a:path>
+              </a:pathLst>
+            </a:custGeom>
+            <a:ln w="6775" cap="flat">
+              <a:solidFill>
+                <a:srgbClr val="EBEBEB">
+                  <a:alpha val="100000"/>
+                </a:srgbClr>
+              </a:solidFill>
+              <a:prstDash val="solid"/>
+              <a:round/>
+            </a:ln>
+          </p:spPr>
+          <p:txBody>
+            <a:bodyPr/>
+            <a:lstStyle/>
+            <a:p/>
+          </p:txBody>
+        </p:sp>
+        <p:sp>
+          <p:nvSpPr>
+            <p:cNvPr id="30" name="pl30"/>
+            <p:cNvSpPr/>
+            <p:nvPr/>
+          </p:nvSpPr>
+          <p:spPr>
+            <a:xfrm>
+              <a:off x="4480856" y="3498141"/>
+              <a:ext cx="2193323" cy="0"/>
+            </a:xfrm>
+            <a:custGeom>
+              <a:avLst/>
+              <a:pathLst>
+                <a:path w="2193323" h="0">
+                  <a:moveTo>
+                    <a:pt x="0" y="0"/>
+                  </a:moveTo>
+                  <a:lnTo>
+                    <a:pt x="2193323" y="0"/>
+                  </a:lnTo>
+                  <a:lnTo>
+                    <a:pt x="2193323" y="0"/>
+                  </a:lnTo>
+                </a:path>
+              </a:pathLst>
+            </a:custGeom>
+            <a:ln w="6775" cap="flat">
+              <a:solidFill>
+                <a:srgbClr val="EBEBEB">
+                  <a:alpha val="100000"/>
+                </a:srgbClr>
+              </a:solidFill>
+              <a:prstDash val="solid"/>
+              <a:round/>
+            </a:ln>
+          </p:spPr>
+          <p:txBody>
+            <a:bodyPr/>
+            <a:lstStyle/>
+            <a:p/>
+          </p:txBody>
+        </p:sp>
+        <p:sp>
+          <p:nvSpPr>
+            <p:cNvPr id="31" name="pl31"/>
+            <p:cNvSpPr/>
+            <p:nvPr/>
+          </p:nvSpPr>
+          <p:spPr>
+            <a:xfrm>
+              <a:off x="4480856" y="2558822"/>
+              <a:ext cx="2193323" cy="0"/>
+            </a:xfrm>
+            <a:custGeom>
+              <a:avLst/>
+              <a:pathLst>
+                <a:path w="2193323" h="0">
+                  <a:moveTo>
+                    <a:pt x="0" y="0"/>
+                  </a:moveTo>
+                  <a:lnTo>
+                    <a:pt x="2193323" y="0"/>
+                  </a:lnTo>
+                  <a:lnTo>
+                    <a:pt x="2193323" y="0"/>
+                  </a:lnTo>
+                </a:path>
+              </a:pathLst>
+            </a:custGeom>
+            <a:ln w="6775" cap="flat">
+              <a:solidFill>
+                <a:srgbClr val="EBEBEB">
+                  <a:alpha val="100000"/>
+                </a:srgbClr>
+              </a:solidFill>
+              <a:prstDash val="solid"/>
+              <a:round/>
+            </a:ln>
+          </p:spPr>
+          <p:txBody>
+            <a:bodyPr/>
+            <a:lstStyle/>
+            <a:p/>
+          </p:txBody>
+        </p:sp>
+        <p:sp>
+          <p:nvSpPr>
+            <p:cNvPr id="32" name="pl32"/>
+            <p:cNvSpPr/>
+            <p:nvPr/>
+          </p:nvSpPr>
+          <p:spPr>
+            <a:xfrm>
+              <a:off x="4480856" y="4907120"/>
+              <a:ext cx="2193323" cy="0"/>
+            </a:xfrm>
+            <a:custGeom>
+              <a:avLst/>
+              <a:pathLst>
+                <a:path w="2193323" h="0">
+                  <a:moveTo>
+                    <a:pt x="0" y="0"/>
+                  </a:moveTo>
+                  <a:lnTo>
+                    <a:pt x="2193323" y="0"/>
+                  </a:lnTo>
+                  <a:lnTo>
+                    <a:pt x="2193323" y="0"/>
+                  </a:lnTo>
+                </a:path>
+              </a:pathLst>
+            </a:custGeom>
+            <a:ln w="13550" cap="flat">
+              <a:solidFill>
+                <a:srgbClr val="EBEBEB">
+                  <a:alpha val="100000"/>
+                </a:srgbClr>
+              </a:solidFill>
+              <a:prstDash val="solid"/>
+              <a:round/>
+            </a:ln>
+          </p:spPr>
+          <p:txBody>
+            <a:bodyPr/>
+            <a:lstStyle/>
+            <a:p/>
+          </p:txBody>
+        </p:sp>
+        <p:sp>
+          <p:nvSpPr>
+            <p:cNvPr id="33" name="pl33"/>
+            <p:cNvSpPr/>
+            <p:nvPr/>
+          </p:nvSpPr>
+          <p:spPr>
+            <a:xfrm>
+              <a:off x="4480856" y="3967800"/>
+              <a:ext cx="2193323" cy="0"/>
+            </a:xfrm>
+            <a:custGeom>
+              <a:avLst/>
+              <a:pathLst>
+                <a:path w="2193323" h="0">
+                  <a:moveTo>
+                    <a:pt x="0" y="0"/>
+                  </a:moveTo>
+                  <a:lnTo>
+                    <a:pt x="2193323" y="0"/>
+                  </a:lnTo>
+                  <a:lnTo>
+                    <a:pt x="2193323" y="0"/>
+                  </a:lnTo>
+                </a:path>
+              </a:pathLst>
+            </a:custGeom>
+            <a:ln w="13550" cap="flat">
+              <a:solidFill>
+                <a:srgbClr val="EBEBEB">
+                  <a:alpha val="100000"/>
+                </a:srgbClr>
+              </a:solidFill>
+              <a:prstDash val="solid"/>
+              <a:round/>
+            </a:ln>
+          </p:spPr>
+          <p:txBody>
+            <a:bodyPr/>
+            <a:lstStyle/>
+            <a:p/>
+          </p:txBody>
+        </p:sp>
+        <p:sp>
+          <p:nvSpPr>
+            <p:cNvPr id="34" name="pl34"/>
+            <p:cNvSpPr/>
+            <p:nvPr/>
+          </p:nvSpPr>
+          <p:spPr>
+            <a:xfrm>
+              <a:off x="4480856" y="3028481"/>
+              <a:ext cx="2193323" cy="0"/>
+            </a:xfrm>
+            <a:custGeom>
+              <a:avLst/>
+              <a:pathLst>
+                <a:path w="2193323" h="0">
+                  <a:moveTo>
+                    <a:pt x="0" y="0"/>
+                  </a:moveTo>
+                  <a:lnTo>
+                    <a:pt x="2193323" y="0"/>
+                  </a:lnTo>
+                  <a:lnTo>
+                    <a:pt x="2193323" y="0"/>
+                  </a:lnTo>
+                </a:path>
+              </a:pathLst>
+            </a:custGeom>
+            <a:ln w="13550" cap="flat">
+              <a:solidFill>
+                <a:srgbClr val="EBEBEB">
+                  <a:alpha val="100000"/>
+                </a:srgbClr>
+              </a:solidFill>
+              <a:prstDash val="solid"/>
+              <a:round/>
+            </a:ln>
+          </p:spPr>
+          <p:txBody>
+            <a:bodyPr/>
+            <a:lstStyle/>
+            <a:p/>
+          </p:txBody>
+        </p:sp>
+        <p:sp>
+          <p:nvSpPr>
+            <p:cNvPr id="35" name="pl35"/>
+            <p:cNvSpPr/>
+            <p:nvPr/>
+          </p:nvSpPr>
+          <p:spPr>
+            <a:xfrm>
+              <a:off x="4480856" y="2089162"/>
+              <a:ext cx="2193323" cy="0"/>
+            </a:xfrm>
+            <a:custGeom>
+              <a:avLst/>
+              <a:pathLst>
+                <a:path w="2193323" h="0">
+                  <a:moveTo>
+                    <a:pt x="0" y="0"/>
+                  </a:moveTo>
+                  <a:lnTo>
+                    <a:pt x="2193323" y="0"/>
+                  </a:lnTo>
+                  <a:lnTo>
+                    <a:pt x="2193323" y="0"/>
+                  </a:lnTo>
+                </a:path>
+              </a:pathLst>
+            </a:custGeom>
+            <a:ln w="13550" cap="flat">
+              <a:solidFill>
+                <a:srgbClr val="EBEBEB">
+                  <a:alpha val="100000"/>
+                </a:srgbClr>
+              </a:solidFill>
+              <a:prstDash val="solid"/>
+              <a:round/>
+            </a:ln>
+          </p:spPr>
+          <p:txBody>
+            <a:bodyPr/>
+            <a:lstStyle/>
+            <a:p/>
+          </p:txBody>
+        </p:sp>
+        <p:sp>
+          <p:nvSpPr>
+            <p:cNvPr id="36" name="pl36"/>
+            <p:cNvSpPr/>
+            <p:nvPr/>
+          </p:nvSpPr>
+          <p:spPr>
+            <a:xfrm>
+              <a:off x="4663633" y="1809173"/>
+              <a:ext cx="0" cy="3245468"/>
+            </a:xfrm>
+            <a:custGeom>
+              <a:avLst/>
+              <a:pathLst>
+                <a:path w="0" h="3245468">
+                  <a:moveTo>
+                    <a:pt x="0" y="3245468"/>
+                  </a:moveTo>
+                  <a:lnTo>
+                    <a:pt x="0" y="0"/>
+                  </a:lnTo>
+                  <a:lnTo>
+                    <a:pt x="0" y="0"/>
+                  </a:lnTo>
+                </a:path>
+              </a:pathLst>
+            </a:custGeom>
+            <a:ln w="13550" cap="flat">
+              <a:solidFill>
+                <a:srgbClr val="EBEBEB">
+                  <a:alpha val="100000"/>
+                </a:srgbClr>
+              </a:solidFill>
+              <a:prstDash val="solid"/>
+              <a:round/>
+            </a:ln>
+          </p:spPr>
+          <p:txBody>
+            <a:bodyPr/>
+            <a:lstStyle/>
+            <a:p/>
+          </p:txBody>
+        </p:sp>
+        <p:sp>
+          <p:nvSpPr>
+            <p:cNvPr id="37" name="pl37"/>
+            <p:cNvSpPr/>
+            <p:nvPr/>
+          </p:nvSpPr>
+          <p:spPr>
+            <a:xfrm>
+              <a:off x="4968261" y="1809173"/>
+              <a:ext cx="0" cy="3245468"/>
+            </a:xfrm>
+            <a:custGeom>
+              <a:avLst/>
+              <a:pathLst>
+                <a:path w="0" h="3245468">
+                  <a:moveTo>
+                    <a:pt x="0" y="3245468"/>
+                  </a:moveTo>
+                  <a:lnTo>
+                    <a:pt x="0" y="0"/>
+                  </a:lnTo>
+                  <a:lnTo>
+                    <a:pt x="0" y="0"/>
+                  </a:lnTo>
+                </a:path>
+              </a:pathLst>
+            </a:custGeom>
+            <a:ln w="13550" cap="flat">
+              <a:solidFill>
+                <a:srgbClr val="EBEBEB">
+                  <a:alpha val="100000"/>
+                </a:srgbClr>
+              </a:solidFill>
+              <a:prstDash val="solid"/>
+              <a:round/>
+            </a:ln>
+          </p:spPr>
+          <p:txBody>
+            <a:bodyPr/>
+            <a:lstStyle/>
+            <a:p/>
+          </p:txBody>
+        </p:sp>
+        <p:sp>
+          <p:nvSpPr>
+            <p:cNvPr id="38" name="pl38"/>
+            <p:cNvSpPr/>
+            <p:nvPr/>
+          </p:nvSpPr>
+          <p:spPr>
+            <a:xfrm>
+              <a:off x="5272889" y="1809173"/>
+              <a:ext cx="0" cy="3245468"/>
+            </a:xfrm>
+            <a:custGeom>
+              <a:avLst/>
+              <a:pathLst>
+                <a:path w="0" h="3245468">
+                  <a:moveTo>
+                    <a:pt x="0" y="3245468"/>
+                  </a:moveTo>
+                  <a:lnTo>
+                    <a:pt x="0" y="0"/>
+                  </a:lnTo>
+                  <a:lnTo>
+                    <a:pt x="0" y="0"/>
+                  </a:lnTo>
+                </a:path>
+              </a:pathLst>
+            </a:custGeom>
+            <a:ln w="13550" cap="flat">
+              <a:solidFill>
+                <a:srgbClr val="EBEBEB">
+                  <a:alpha val="100000"/>
+                </a:srgbClr>
+              </a:solidFill>
+              <a:prstDash val="solid"/>
+              <a:round/>
+            </a:ln>
+          </p:spPr>
+          <p:txBody>
+            <a:bodyPr/>
+            <a:lstStyle/>
+            <a:p/>
+          </p:txBody>
+        </p:sp>
+        <p:sp>
+          <p:nvSpPr>
+            <p:cNvPr id="39" name="pl39"/>
+            <p:cNvSpPr/>
+            <p:nvPr/>
+          </p:nvSpPr>
+          <p:spPr>
+            <a:xfrm>
+              <a:off x="5577518" y="1809173"/>
+              <a:ext cx="0" cy="3245468"/>
+            </a:xfrm>
+            <a:custGeom>
+              <a:avLst/>
+              <a:pathLst>
+                <a:path w="0" h="3245468">
+                  <a:moveTo>
+                    <a:pt x="0" y="3245468"/>
+                  </a:moveTo>
+                  <a:lnTo>
+                    <a:pt x="0" y="0"/>
+                  </a:lnTo>
+                  <a:lnTo>
+                    <a:pt x="0" y="0"/>
+                  </a:lnTo>
+                </a:path>
+              </a:pathLst>
+            </a:custGeom>
+            <a:ln w="13550" cap="flat">
+              <a:solidFill>
+                <a:srgbClr val="EBEBEB">
+                  <a:alpha val="100000"/>
+                </a:srgbClr>
+              </a:solidFill>
+              <a:prstDash val="solid"/>
+              <a:round/>
+            </a:ln>
+          </p:spPr>
+          <p:txBody>
+            <a:bodyPr/>
+            <a:lstStyle/>
+            <a:p/>
+          </p:txBody>
+        </p:sp>
+        <p:sp>
+          <p:nvSpPr>
+            <p:cNvPr id="40" name="pl40"/>
+            <p:cNvSpPr/>
+            <p:nvPr/>
+          </p:nvSpPr>
+          <p:spPr>
+            <a:xfrm>
+              <a:off x="5882146" y="1809173"/>
+              <a:ext cx="0" cy="3245468"/>
+            </a:xfrm>
+            <a:custGeom>
+              <a:avLst/>
+              <a:pathLst>
+                <a:path w="0" h="3245468">
+                  <a:moveTo>
+                    <a:pt x="0" y="3245468"/>
+                  </a:moveTo>
+                  <a:lnTo>
+                    <a:pt x="0" y="0"/>
+                  </a:lnTo>
+                  <a:lnTo>
+                    <a:pt x="0" y="0"/>
+                  </a:lnTo>
+                </a:path>
+              </a:pathLst>
+            </a:custGeom>
+            <a:ln w="13550" cap="flat">
+              <a:solidFill>
+                <a:srgbClr val="EBEBEB">
+                  <a:alpha val="100000"/>
+                </a:srgbClr>
+              </a:solidFill>
+              <a:prstDash val="solid"/>
+              <a:round/>
+            </a:ln>
+          </p:spPr>
+          <p:txBody>
+            <a:bodyPr/>
+            <a:lstStyle/>
+            <a:p/>
+          </p:txBody>
+        </p:sp>
+        <p:sp>
+          <p:nvSpPr>
+            <p:cNvPr id="41" name="pl41"/>
+            <p:cNvSpPr/>
+            <p:nvPr/>
+          </p:nvSpPr>
+          <p:spPr>
+            <a:xfrm>
+              <a:off x="6186774" y="1809173"/>
+              <a:ext cx="0" cy="3245468"/>
+            </a:xfrm>
+            <a:custGeom>
+              <a:avLst/>
+              <a:pathLst>
+                <a:path w="0" h="3245468">
+                  <a:moveTo>
+                    <a:pt x="0" y="3245468"/>
+                  </a:moveTo>
+                  <a:lnTo>
+                    <a:pt x="0" y="0"/>
+                  </a:lnTo>
+                  <a:lnTo>
+                    <a:pt x="0" y="0"/>
+                  </a:lnTo>
+                </a:path>
+              </a:pathLst>
+            </a:custGeom>
+            <a:ln w="13550" cap="flat">
+              <a:solidFill>
+                <a:srgbClr val="EBEBEB">
+                  <a:alpha val="100000"/>
+                </a:srgbClr>
+              </a:solidFill>
+              <a:prstDash val="solid"/>
+              <a:round/>
+            </a:ln>
+          </p:spPr>
+          <p:txBody>
+            <a:bodyPr/>
+            <a:lstStyle/>
+            <a:p/>
+          </p:txBody>
+        </p:sp>
+        <p:sp>
+          <p:nvSpPr>
+            <p:cNvPr id="42" name="pl42"/>
+            <p:cNvSpPr/>
+            <p:nvPr/>
+          </p:nvSpPr>
+          <p:spPr>
+            <a:xfrm>
+              <a:off x="6491402" y="1809173"/>
+              <a:ext cx="0" cy="3245468"/>
+            </a:xfrm>
+            <a:custGeom>
+              <a:avLst/>
+              <a:pathLst>
+                <a:path w="0" h="3245468">
+                  <a:moveTo>
+                    <a:pt x="0" y="3245468"/>
+                  </a:moveTo>
+                  <a:lnTo>
+                    <a:pt x="0" y="0"/>
+                  </a:lnTo>
+                  <a:lnTo>
+                    <a:pt x="0" y="0"/>
+                  </a:lnTo>
+                </a:path>
+              </a:pathLst>
+            </a:custGeom>
+            <a:ln w="13550" cap="flat">
+              <a:solidFill>
+                <a:srgbClr val="EBEBEB">
+                  <a:alpha val="100000"/>
+                </a:srgbClr>
+              </a:solidFill>
+              <a:prstDash val="solid"/>
+              <a:round/>
+            </a:ln>
+          </p:spPr>
+          <p:txBody>
+            <a:bodyPr/>
+            <a:lstStyle/>
+            <a:p/>
+          </p:txBody>
+        </p:sp>
+        <p:sp>
+          <p:nvSpPr>
+            <p:cNvPr id="43" name="rc43"/>
+            <p:cNvSpPr/>
+            <p:nvPr/>
+          </p:nvSpPr>
+          <p:spPr>
+            <a:xfrm>
+              <a:off x="4526550" y="3746571"/>
+              <a:ext cx="274165" cy="1160548"/>
+            </a:xfrm>
+            <a:prstGeom prst="rect">
+              <a:avLst/>
+            </a:prstGeom>
+            <a:solidFill>
+              <a:srgbClr val="FEE5D9">
+                <a:alpha val="100000"/>
+              </a:srgbClr>
+            </a:solidFill>
+          </p:spPr>
+          <p:txBody>
+            <a:bodyPr/>
+            <a:lstStyle/>
+            <a:p/>
+          </p:txBody>
+        </p:sp>
+        <p:sp>
+          <p:nvSpPr>
+            <p:cNvPr id="44" name="rc44"/>
+            <p:cNvSpPr/>
+            <p:nvPr/>
+          </p:nvSpPr>
+          <p:spPr>
+            <a:xfrm>
+              <a:off x="4831178" y="4290578"/>
+              <a:ext cx="274165" cy="616541"/>
+            </a:xfrm>
+            <a:prstGeom prst="rect">
+              <a:avLst/>
+            </a:prstGeom>
+            <a:solidFill>
+              <a:srgbClr val="FCBBA1">
+                <a:alpha val="100000"/>
+              </a:srgbClr>
+            </a:solidFill>
+          </p:spPr>
+          <p:txBody>
+            <a:bodyPr/>
+            <a:lstStyle/>
+            <a:p/>
+          </p:txBody>
+        </p:sp>
+        <p:sp>
+          <p:nvSpPr>
+            <p:cNvPr id="45" name="rc45"/>
+            <p:cNvSpPr/>
+            <p:nvPr/>
+          </p:nvSpPr>
+          <p:spPr>
+            <a:xfrm>
+              <a:off x="5135807" y="3130029"/>
+              <a:ext cx="274165" cy="1777090"/>
+            </a:xfrm>
+            <a:prstGeom prst="rect">
+              <a:avLst/>
+            </a:prstGeom>
+            <a:solidFill>
+              <a:srgbClr val="FC9272">
+                <a:alpha val="100000"/>
+              </a:srgbClr>
+            </a:solidFill>
+          </p:spPr>
+          <p:txBody>
+            <a:bodyPr/>
+            <a:lstStyle/>
+            <a:p/>
+          </p:txBody>
+        </p:sp>
+        <p:sp>
+          <p:nvSpPr>
+            <p:cNvPr id="46" name="rc46"/>
+            <p:cNvSpPr/>
+            <p:nvPr/>
+          </p:nvSpPr>
+          <p:spPr>
+            <a:xfrm>
+              <a:off x="5440435" y="2767358"/>
+              <a:ext cx="274165" cy="2139761"/>
+            </a:xfrm>
+            <a:prstGeom prst="rect">
+              <a:avLst/>
+            </a:prstGeom>
+            <a:solidFill>
+              <a:srgbClr val="FB6A4A">
+                <a:alpha val="100000"/>
+              </a:srgbClr>
+            </a:solidFill>
+          </p:spPr>
+          <p:txBody>
+            <a:bodyPr/>
+            <a:lstStyle/>
+            <a:p/>
+          </p:txBody>
+        </p:sp>
+        <p:sp>
+          <p:nvSpPr>
+            <p:cNvPr id="47" name="rc47"/>
+            <p:cNvSpPr/>
+            <p:nvPr/>
+          </p:nvSpPr>
+          <p:spPr>
+            <a:xfrm>
+              <a:off x="5745063" y="4109242"/>
+              <a:ext cx="274165" cy="797877"/>
+            </a:xfrm>
+            <a:prstGeom prst="rect">
+              <a:avLst/>
+            </a:prstGeom>
+            <a:solidFill>
+              <a:srgbClr val="EF3B2C">
+                <a:alpha val="100000"/>
+              </a:srgbClr>
+            </a:solidFill>
+          </p:spPr>
+          <p:txBody>
+            <a:bodyPr/>
+            <a:lstStyle/>
+            <a:p/>
+          </p:txBody>
+        </p:sp>
+        <p:sp>
+          <p:nvSpPr>
+            <p:cNvPr id="48" name="rc48"/>
+            <p:cNvSpPr/>
+            <p:nvPr/>
+          </p:nvSpPr>
+          <p:spPr>
+            <a:xfrm>
+              <a:off x="6049691" y="2586022"/>
+              <a:ext cx="274165" cy="2321097"/>
+            </a:xfrm>
+            <a:prstGeom prst="rect">
+              <a:avLst/>
+            </a:prstGeom>
+            <a:solidFill>
+              <a:srgbClr val="CB181D">
+                <a:alpha val="100000"/>
+              </a:srgbClr>
+            </a:solidFill>
+          </p:spPr>
+          <p:txBody>
+            <a:bodyPr/>
+            <a:lstStyle/>
+            <a:p/>
+          </p:txBody>
+        </p:sp>
+        <p:sp>
+          <p:nvSpPr>
+            <p:cNvPr id="49" name="rc49"/>
+            <p:cNvSpPr/>
+            <p:nvPr/>
+          </p:nvSpPr>
+          <p:spPr>
+            <a:xfrm>
+              <a:off x="6354320" y="4326845"/>
+              <a:ext cx="274165" cy="580274"/>
+            </a:xfrm>
+            <a:prstGeom prst="rect">
+              <a:avLst/>
+            </a:prstGeom>
+            <a:solidFill>
+              <a:srgbClr val="99000D">
+                <a:alpha val="100000"/>
+              </a:srgbClr>
+            </a:solidFill>
+          </p:spPr>
+          <p:txBody>
+            <a:bodyPr/>
+            <a:lstStyle/>
+            <a:p/>
+          </p:txBody>
+        </p:sp>
+        <p:sp>
+          <p:nvSpPr>
+            <p:cNvPr id="50" name="rc50"/>
+            <p:cNvSpPr/>
+            <p:nvPr/>
+          </p:nvSpPr>
+          <p:spPr>
+            <a:xfrm>
+              <a:off x="4480856" y="1809173"/>
+              <a:ext cx="2193323" cy="3245468"/>
+            </a:xfrm>
+            <a:prstGeom prst="rect">
+              <a:avLst/>
+            </a:prstGeom>
+            <a:ln w="13550" cap="rnd">
+              <a:solidFill>
+                <a:srgbClr val="333333">
+                  <a:alpha val="100000"/>
+                </a:srgbClr>
+              </a:solidFill>
+              <a:prstDash val="solid"/>
+              <a:round/>
+            </a:ln>
+          </p:spPr>
+          <p:txBody>
+            <a:bodyPr/>
+            <a:lstStyle/>
+            <a:p/>
+          </p:txBody>
+        </p:sp>
+        <p:sp>
+          <p:nvSpPr>
+            <p:cNvPr id="51" name="rc51"/>
+            <p:cNvSpPr/>
+            <p:nvPr/>
+          </p:nvSpPr>
+          <p:spPr>
+            <a:xfrm>
+              <a:off x="6743768" y="1809173"/>
+              <a:ext cx="2193323" cy="3245468"/>
+            </a:xfrm>
+            <a:prstGeom prst="rect">
+              <a:avLst/>
+            </a:prstGeom>
+            <a:solidFill>
+              <a:srgbClr val="FFFFFF">
+                <a:alpha val="100000"/>
+              </a:srgbClr>
+            </a:solidFill>
+          </p:spPr>
+          <p:txBody>
+            <a:bodyPr/>
+            <a:lstStyle/>
+            <a:p/>
+          </p:txBody>
+        </p:sp>
+        <p:sp>
+          <p:nvSpPr>
+            <p:cNvPr id="52" name="pl52"/>
+            <p:cNvSpPr/>
+            <p:nvPr/>
+          </p:nvSpPr>
+          <p:spPr>
+            <a:xfrm>
+              <a:off x="6743768" y="4437460"/>
+              <a:ext cx="2193323" cy="0"/>
+            </a:xfrm>
+            <a:custGeom>
+              <a:avLst/>
+              <a:pathLst>
+                <a:path w="2193323" h="0">
+                  <a:moveTo>
+                    <a:pt x="0" y="0"/>
+                  </a:moveTo>
+                  <a:lnTo>
+                    <a:pt x="2193323" y="0"/>
+                  </a:lnTo>
+                  <a:lnTo>
+                    <a:pt x="2193323" y="0"/>
+                  </a:lnTo>
+                </a:path>
+              </a:pathLst>
+            </a:custGeom>
+            <a:ln w="6775" cap="flat">
+              <a:solidFill>
+                <a:srgbClr val="EBEBEB">
+                  <a:alpha val="100000"/>
+                </a:srgbClr>
+              </a:solidFill>
+              <a:prstDash val="solid"/>
+              <a:round/>
+            </a:ln>
+          </p:spPr>
+          <p:txBody>
+            <a:bodyPr/>
+            <a:lstStyle/>
+            <a:p/>
+          </p:txBody>
+        </p:sp>
+        <p:sp>
+          <p:nvSpPr>
+            <p:cNvPr id="53" name="pl53"/>
+            <p:cNvSpPr/>
+            <p:nvPr/>
+          </p:nvSpPr>
+          <p:spPr>
+            <a:xfrm>
+              <a:off x="6743768" y="3498141"/>
+              <a:ext cx="2193323" cy="0"/>
+            </a:xfrm>
+            <a:custGeom>
+              <a:avLst/>
+              <a:pathLst>
+                <a:path w="2193323" h="0">
+                  <a:moveTo>
+                    <a:pt x="0" y="0"/>
+                  </a:moveTo>
+                  <a:lnTo>
+                    <a:pt x="2193323" y="0"/>
+                  </a:lnTo>
+                  <a:lnTo>
+                    <a:pt x="2193323" y="0"/>
+                  </a:lnTo>
+                </a:path>
+              </a:pathLst>
+            </a:custGeom>
+            <a:ln w="6775" cap="flat">
+              <a:solidFill>
+                <a:srgbClr val="EBEBEB">
+                  <a:alpha val="100000"/>
+                </a:srgbClr>
+              </a:solidFill>
+              <a:prstDash val="solid"/>
+              <a:round/>
+            </a:ln>
+          </p:spPr>
+          <p:txBody>
+            <a:bodyPr/>
+            <a:lstStyle/>
+            <a:p/>
+          </p:txBody>
+        </p:sp>
+        <p:sp>
+          <p:nvSpPr>
+            <p:cNvPr id="54" name="pl54"/>
+            <p:cNvSpPr/>
+            <p:nvPr/>
+          </p:nvSpPr>
+          <p:spPr>
+            <a:xfrm>
+              <a:off x="6743768" y="2558822"/>
+              <a:ext cx="2193323" cy="0"/>
+            </a:xfrm>
+            <a:custGeom>
+              <a:avLst/>
+              <a:pathLst>
+                <a:path w="2193323" h="0">
+                  <a:moveTo>
+                    <a:pt x="0" y="0"/>
+                  </a:moveTo>
+                  <a:lnTo>
+                    <a:pt x="2193323" y="0"/>
+                  </a:lnTo>
+                  <a:lnTo>
+                    <a:pt x="2193323" y="0"/>
+                  </a:lnTo>
+                </a:path>
+              </a:pathLst>
+            </a:custGeom>
+            <a:ln w="6775" cap="flat">
+              <a:solidFill>
+                <a:srgbClr val="EBEBEB">
+                  <a:alpha val="100000"/>
+                </a:srgbClr>
+              </a:solidFill>
+              <a:prstDash val="solid"/>
+              <a:round/>
+            </a:ln>
+          </p:spPr>
+          <p:txBody>
+            <a:bodyPr/>
+            <a:lstStyle/>
+            <a:p/>
+          </p:txBody>
+        </p:sp>
+        <p:sp>
+          <p:nvSpPr>
+            <p:cNvPr id="55" name="pl55"/>
+            <p:cNvSpPr/>
+            <p:nvPr/>
+          </p:nvSpPr>
+          <p:spPr>
+            <a:xfrm>
+              <a:off x="6743768" y="4907120"/>
+              <a:ext cx="2193323" cy="0"/>
+            </a:xfrm>
+            <a:custGeom>
+              <a:avLst/>
+              <a:pathLst>
+                <a:path w="2193323" h="0">
+                  <a:moveTo>
+                    <a:pt x="0" y="0"/>
+                  </a:moveTo>
+                  <a:lnTo>
+                    <a:pt x="2193323" y="0"/>
+                  </a:lnTo>
+                  <a:lnTo>
+                    <a:pt x="2193323" y="0"/>
+                  </a:lnTo>
+                </a:path>
+              </a:pathLst>
+            </a:custGeom>
+            <a:ln w="13550" cap="flat">
+              <a:solidFill>
+                <a:srgbClr val="EBEBEB">
+                  <a:alpha val="100000"/>
+                </a:srgbClr>
+              </a:solidFill>
+              <a:prstDash val="solid"/>
+              <a:round/>
+            </a:ln>
+          </p:spPr>
+          <p:txBody>
+            <a:bodyPr/>
+            <a:lstStyle/>
+            <a:p/>
+          </p:txBody>
+        </p:sp>
+        <p:sp>
+          <p:nvSpPr>
+            <p:cNvPr id="56" name="pl56"/>
+            <p:cNvSpPr/>
+            <p:nvPr/>
+          </p:nvSpPr>
+          <p:spPr>
+            <a:xfrm>
+              <a:off x="6743768" y="3967800"/>
+              <a:ext cx="2193323" cy="0"/>
+            </a:xfrm>
+            <a:custGeom>
+              <a:avLst/>
+              <a:pathLst>
+                <a:path w="2193323" h="0">
+                  <a:moveTo>
+                    <a:pt x="0" y="0"/>
+                  </a:moveTo>
+                  <a:lnTo>
+                    <a:pt x="2193323" y="0"/>
+                  </a:lnTo>
+                  <a:lnTo>
+                    <a:pt x="2193323" y="0"/>
+                  </a:lnTo>
+                </a:path>
+              </a:pathLst>
+            </a:custGeom>
+            <a:ln w="13550" cap="flat">
+              <a:solidFill>
+                <a:srgbClr val="EBEBEB">
+                  <a:alpha val="100000"/>
+                </a:srgbClr>
+              </a:solidFill>
+              <a:prstDash val="solid"/>
+              <a:round/>
+            </a:ln>
+          </p:spPr>
+          <p:txBody>
+            <a:bodyPr/>
+            <a:lstStyle/>
+            <a:p/>
+          </p:txBody>
+        </p:sp>
+        <p:sp>
+          <p:nvSpPr>
+            <p:cNvPr id="57" name="pl57"/>
+            <p:cNvSpPr/>
+            <p:nvPr/>
+          </p:nvSpPr>
+          <p:spPr>
+            <a:xfrm>
+              <a:off x="6743768" y="3028481"/>
+              <a:ext cx="2193323" cy="0"/>
+            </a:xfrm>
+            <a:custGeom>
+              <a:avLst/>
+              <a:pathLst>
+                <a:path w="2193323" h="0">
+                  <a:moveTo>
+                    <a:pt x="0" y="0"/>
+                  </a:moveTo>
+                  <a:lnTo>
+                    <a:pt x="2193323" y="0"/>
+                  </a:lnTo>
+                  <a:lnTo>
+                    <a:pt x="2193323" y="0"/>
+                  </a:lnTo>
+                </a:path>
+              </a:pathLst>
+            </a:custGeom>
+            <a:ln w="13550" cap="flat">
+              <a:solidFill>
+                <a:srgbClr val="EBEBEB">
+                  <a:alpha val="100000"/>
+                </a:srgbClr>
+              </a:solidFill>
+              <a:prstDash val="solid"/>
+              <a:round/>
+            </a:ln>
+          </p:spPr>
+          <p:txBody>
+            <a:bodyPr/>
+            <a:lstStyle/>
+            <a:p/>
+          </p:txBody>
+        </p:sp>
+        <p:sp>
+          <p:nvSpPr>
+            <p:cNvPr id="58" name="pl58"/>
+            <p:cNvSpPr/>
+            <p:nvPr/>
+          </p:nvSpPr>
+          <p:spPr>
+            <a:xfrm>
+              <a:off x="6743768" y="2089162"/>
+              <a:ext cx="2193323" cy="0"/>
+            </a:xfrm>
+            <a:custGeom>
+              <a:avLst/>
+              <a:pathLst>
+                <a:path w="2193323" h="0">
+                  <a:moveTo>
+                    <a:pt x="0" y="0"/>
+                  </a:moveTo>
+                  <a:lnTo>
+                    <a:pt x="2193323" y="0"/>
+                  </a:lnTo>
+                  <a:lnTo>
+                    <a:pt x="2193323" y="0"/>
+                  </a:lnTo>
+                </a:path>
+              </a:pathLst>
+            </a:custGeom>
+            <a:ln w="13550" cap="flat">
+              <a:solidFill>
+                <a:srgbClr val="EBEBEB">
+                  <a:alpha val="100000"/>
+                </a:srgbClr>
+              </a:solidFill>
+              <a:prstDash val="solid"/>
+              <a:round/>
+            </a:ln>
+          </p:spPr>
+          <p:txBody>
+            <a:bodyPr/>
+            <a:lstStyle/>
+            <a:p/>
+          </p:txBody>
+        </p:sp>
+        <p:sp>
+          <p:nvSpPr>
+            <p:cNvPr id="59" name="pl59"/>
+            <p:cNvSpPr/>
+            <p:nvPr/>
+          </p:nvSpPr>
+          <p:spPr>
+            <a:xfrm>
+              <a:off x="6926545" y="1809173"/>
+              <a:ext cx="0" cy="3245468"/>
+            </a:xfrm>
+            <a:custGeom>
+              <a:avLst/>
+              <a:pathLst>
+                <a:path w="0" h="3245468">
+                  <a:moveTo>
+                    <a:pt x="0" y="3245468"/>
+                  </a:moveTo>
+                  <a:lnTo>
+                    <a:pt x="0" y="0"/>
+                  </a:lnTo>
+                  <a:lnTo>
+                    <a:pt x="0" y="0"/>
+                  </a:lnTo>
+                </a:path>
+              </a:pathLst>
+            </a:custGeom>
+            <a:ln w="13550" cap="flat">
+              <a:solidFill>
+                <a:srgbClr val="EBEBEB">
+                  <a:alpha val="100000"/>
+                </a:srgbClr>
+              </a:solidFill>
+              <a:prstDash val="solid"/>
+              <a:round/>
+            </a:ln>
+          </p:spPr>
+          <p:txBody>
+            <a:bodyPr/>
+            <a:lstStyle/>
+            <a:p/>
+          </p:txBody>
+        </p:sp>
+        <p:sp>
+          <p:nvSpPr>
+            <p:cNvPr id="60" name="pl60"/>
+            <p:cNvSpPr/>
+            <p:nvPr/>
+          </p:nvSpPr>
+          <p:spPr>
+            <a:xfrm>
+              <a:off x="7231174" y="1809173"/>
+              <a:ext cx="0" cy="3245468"/>
+            </a:xfrm>
+            <a:custGeom>
+              <a:avLst/>
+              <a:pathLst>
+                <a:path w="0" h="3245468">
+                  <a:moveTo>
+                    <a:pt x="0" y="3245468"/>
+                  </a:moveTo>
+                  <a:lnTo>
+                    <a:pt x="0" y="0"/>
+                  </a:lnTo>
+                  <a:lnTo>
+                    <a:pt x="0" y="0"/>
+                  </a:lnTo>
+                </a:path>
+              </a:pathLst>
+            </a:custGeom>
+            <a:ln w="13550" cap="flat">
+              <a:solidFill>
+                <a:srgbClr val="EBEBEB">
+                  <a:alpha val="100000"/>
+                </a:srgbClr>
+              </a:solidFill>
+              <a:prstDash val="solid"/>
+              <a:round/>
+            </a:ln>
+          </p:spPr>
+          <p:txBody>
+            <a:bodyPr/>
+            <a:lstStyle/>
+            <a:p/>
+          </p:txBody>
+        </p:sp>
+        <p:sp>
+          <p:nvSpPr>
+            <p:cNvPr id="61" name="pl61"/>
+            <p:cNvSpPr/>
+            <p:nvPr/>
+          </p:nvSpPr>
+          <p:spPr>
+            <a:xfrm>
+              <a:off x="7535802" y="1809173"/>
+              <a:ext cx="0" cy="3245468"/>
+            </a:xfrm>
+            <a:custGeom>
+              <a:avLst/>
+              <a:pathLst>
+                <a:path w="0" h="3245468">
+                  <a:moveTo>
+                    <a:pt x="0" y="3245468"/>
+                  </a:moveTo>
+                  <a:lnTo>
+                    <a:pt x="0" y="0"/>
+                  </a:lnTo>
+                  <a:lnTo>
+                    <a:pt x="0" y="0"/>
+                  </a:lnTo>
+                </a:path>
+              </a:pathLst>
+            </a:custGeom>
+            <a:ln w="13550" cap="flat">
+              <a:solidFill>
+                <a:srgbClr val="EBEBEB">
+                  <a:alpha val="100000"/>
+                </a:srgbClr>
+              </a:solidFill>
+              <a:prstDash val="solid"/>
+              <a:round/>
+            </a:ln>
+          </p:spPr>
+          <p:txBody>
+            <a:bodyPr/>
+            <a:lstStyle/>
+            <a:p/>
+          </p:txBody>
+        </p:sp>
+        <p:sp>
+          <p:nvSpPr>
+            <p:cNvPr id="62" name="pl62"/>
+            <p:cNvSpPr/>
+            <p:nvPr/>
+          </p:nvSpPr>
+          <p:spPr>
+            <a:xfrm>
+              <a:off x="7840430" y="1809173"/>
+              <a:ext cx="0" cy="3245468"/>
+            </a:xfrm>
+            <a:custGeom>
+              <a:avLst/>
+              <a:pathLst>
+                <a:path w="0" h="3245468">
+                  <a:moveTo>
+                    <a:pt x="0" y="3245468"/>
+                  </a:moveTo>
+                  <a:lnTo>
+                    <a:pt x="0" y="0"/>
+                  </a:lnTo>
+                  <a:lnTo>
+                    <a:pt x="0" y="0"/>
+                  </a:lnTo>
+                </a:path>
+              </a:pathLst>
+            </a:custGeom>
+            <a:ln w="13550" cap="flat">
+              <a:solidFill>
+                <a:srgbClr val="EBEBEB">
+                  <a:alpha val="100000"/>
+                </a:srgbClr>
+              </a:solidFill>
+              <a:prstDash val="solid"/>
+              <a:round/>
+            </a:ln>
+          </p:spPr>
+          <p:txBody>
+            <a:bodyPr/>
+            <a:lstStyle/>
+            <a:p/>
+          </p:txBody>
+        </p:sp>
+        <p:sp>
+          <p:nvSpPr>
+            <p:cNvPr id="63" name="pl63"/>
+            <p:cNvSpPr/>
+            <p:nvPr/>
+          </p:nvSpPr>
+          <p:spPr>
+            <a:xfrm>
+              <a:off x="8145058" y="1809173"/>
+              <a:ext cx="0" cy="3245468"/>
+            </a:xfrm>
+            <a:custGeom>
+              <a:avLst/>
+              <a:pathLst>
+                <a:path w="0" h="3245468">
+                  <a:moveTo>
+                    <a:pt x="0" y="3245468"/>
+                  </a:moveTo>
+                  <a:lnTo>
+                    <a:pt x="0" y="0"/>
+                  </a:lnTo>
+                  <a:lnTo>
+                    <a:pt x="0" y="0"/>
+                  </a:lnTo>
+                </a:path>
+              </a:pathLst>
+            </a:custGeom>
+            <a:ln w="13550" cap="flat">
+              <a:solidFill>
+                <a:srgbClr val="EBEBEB">
+                  <a:alpha val="100000"/>
+                </a:srgbClr>
+              </a:solidFill>
+              <a:prstDash val="solid"/>
+              <a:round/>
+            </a:ln>
+          </p:spPr>
+          <p:txBody>
+            <a:bodyPr/>
+            <a:lstStyle/>
+            <a:p/>
+          </p:txBody>
+        </p:sp>
+        <p:sp>
+          <p:nvSpPr>
+            <p:cNvPr id="64" name="pl64"/>
+            <p:cNvSpPr/>
+            <p:nvPr/>
+          </p:nvSpPr>
+          <p:spPr>
+            <a:xfrm>
+              <a:off x="8449687" y="1809173"/>
+              <a:ext cx="0" cy="3245468"/>
+            </a:xfrm>
+            <a:custGeom>
+              <a:avLst/>
+              <a:pathLst>
+                <a:path w="0" h="3245468">
+                  <a:moveTo>
+                    <a:pt x="0" y="3245468"/>
+                  </a:moveTo>
+                  <a:lnTo>
+                    <a:pt x="0" y="0"/>
+                  </a:lnTo>
+                  <a:lnTo>
+                    <a:pt x="0" y="0"/>
+                  </a:lnTo>
+                </a:path>
+              </a:pathLst>
+            </a:custGeom>
+            <a:ln w="13550" cap="flat">
+              <a:solidFill>
+                <a:srgbClr val="EBEBEB">
+                  <a:alpha val="100000"/>
+                </a:srgbClr>
+              </a:solidFill>
+              <a:prstDash val="solid"/>
+              <a:round/>
+            </a:ln>
+          </p:spPr>
+          <p:txBody>
+            <a:bodyPr/>
+            <a:lstStyle/>
+            <a:p/>
+          </p:txBody>
+        </p:sp>
+        <p:sp>
+          <p:nvSpPr>
+            <p:cNvPr id="65" name="pl65"/>
+            <p:cNvSpPr/>
+            <p:nvPr/>
+          </p:nvSpPr>
+          <p:spPr>
+            <a:xfrm>
+              <a:off x="8754315" y="1809173"/>
+              <a:ext cx="0" cy="3245468"/>
+            </a:xfrm>
+            <a:custGeom>
+              <a:avLst/>
+              <a:pathLst>
+                <a:path w="0" h="3245468">
+                  <a:moveTo>
+                    <a:pt x="0" y="3245468"/>
+                  </a:moveTo>
+                  <a:lnTo>
+                    <a:pt x="0" y="0"/>
+                  </a:lnTo>
+                  <a:lnTo>
+                    <a:pt x="0" y="0"/>
+                  </a:lnTo>
+                </a:path>
+              </a:pathLst>
+            </a:custGeom>
+            <a:ln w="13550" cap="flat">
+              <a:solidFill>
+                <a:srgbClr val="EBEBEB">
+                  <a:alpha val="100000"/>
+                </a:srgbClr>
+              </a:solidFill>
+              <a:prstDash val="solid"/>
+              <a:round/>
+            </a:ln>
+          </p:spPr>
+          <p:txBody>
+            <a:bodyPr/>
+            <a:lstStyle/>
+            <a:p/>
+          </p:txBody>
+        </p:sp>
+        <p:sp>
+          <p:nvSpPr>
+            <p:cNvPr id="66" name="rc66"/>
+            <p:cNvSpPr/>
+            <p:nvPr/>
+          </p:nvSpPr>
+          <p:spPr>
+            <a:xfrm>
+              <a:off x="6789463" y="4184566"/>
+              <a:ext cx="274165" cy="722553"/>
+            </a:xfrm>
+            <a:prstGeom prst="rect">
+              <a:avLst/>
+            </a:prstGeom>
+            <a:solidFill>
+              <a:srgbClr val="FEE5D9">
+                <a:alpha val="100000"/>
+              </a:srgbClr>
+            </a:solidFill>
+          </p:spPr>
+          <p:txBody>
+            <a:bodyPr/>
+            <a:lstStyle/>
+            <a:p/>
+          </p:txBody>
+        </p:sp>
+        <p:sp>
+          <p:nvSpPr>
+            <p:cNvPr id="67" name="rc67"/>
+            <p:cNvSpPr/>
+            <p:nvPr/>
+          </p:nvSpPr>
+          <p:spPr>
+            <a:xfrm>
+              <a:off x="7094091" y="4244779"/>
+              <a:ext cx="274165" cy="662340"/>
+            </a:xfrm>
+            <a:prstGeom prst="rect">
+              <a:avLst/>
+            </a:prstGeom>
+            <a:solidFill>
+              <a:srgbClr val="FCBBA1">
+                <a:alpha val="100000"/>
+              </a:srgbClr>
+            </a:solidFill>
+          </p:spPr>
+          <p:txBody>
+            <a:bodyPr/>
+            <a:lstStyle/>
+            <a:p/>
+          </p:txBody>
+        </p:sp>
+        <p:sp>
+          <p:nvSpPr>
+            <p:cNvPr id="68" name="rc68"/>
+            <p:cNvSpPr/>
+            <p:nvPr/>
+          </p:nvSpPr>
+          <p:spPr>
+            <a:xfrm>
+              <a:off x="7398719" y="3522226"/>
+              <a:ext cx="274165" cy="1384893"/>
+            </a:xfrm>
+            <a:prstGeom prst="rect">
+              <a:avLst/>
+            </a:prstGeom>
+            <a:solidFill>
+              <a:srgbClr val="FC9272">
+                <a:alpha val="100000"/>
+              </a:srgbClr>
+            </a:solidFill>
+          </p:spPr>
+          <p:txBody>
+            <a:bodyPr/>
+            <a:lstStyle/>
+            <a:p/>
+          </p:txBody>
+        </p:sp>
+        <p:sp>
+          <p:nvSpPr>
+            <p:cNvPr id="69" name="rc69"/>
+            <p:cNvSpPr/>
+            <p:nvPr/>
+          </p:nvSpPr>
+          <p:spPr>
+            <a:xfrm>
+              <a:off x="7703347" y="1956694"/>
+              <a:ext cx="274165" cy="2950425"/>
+            </a:xfrm>
+            <a:prstGeom prst="rect">
+              <a:avLst/>
+            </a:prstGeom>
+            <a:solidFill>
+              <a:srgbClr val="FB6A4A">
+                <a:alpha val="100000"/>
+              </a:srgbClr>
+            </a:solidFill>
+          </p:spPr>
+          <p:txBody>
+            <a:bodyPr/>
+            <a:lstStyle/>
+            <a:p/>
+          </p:txBody>
+        </p:sp>
+        <p:sp>
+          <p:nvSpPr>
+            <p:cNvPr id="70" name="rc70"/>
+            <p:cNvSpPr/>
+            <p:nvPr/>
+          </p:nvSpPr>
+          <p:spPr>
+            <a:xfrm>
+              <a:off x="8007976" y="3702864"/>
+              <a:ext cx="274165" cy="1204255"/>
+            </a:xfrm>
+            <a:prstGeom prst="rect">
+              <a:avLst/>
+            </a:prstGeom>
+            <a:solidFill>
+              <a:srgbClr val="EF3B2C">
+                <a:alpha val="100000"/>
+              </a:srgbClr>
+            </a:solidFill>
+          </p:spPr>
+          <p:txBody>
+            <a:bodyPr/>
+            <a:lstStyle/>
+            <a:p/>
+          </p:txBody>
+        </p:sp>
+        <p:sp>
+          <p:nvSpPr>
+            <p:cNvPr id="71" name="rc71"/>
+            <p:cNvSpPr/>
+            <p:nvPr/>
+          </p:nvSpPr>
+          <p:spPr>
+            <a:xfrm>
+              <a:off x="8312604" y="3040524"/>
+              <a:ext cx="274165" cy="1866595"/>
+            </a:xfrm>
+            <a:prstGeom prst="rect">
+              <a:avLst/>
+            </a:prstGeom>
+            <a:solidFill>
+              <a:srgbClr val="CB181D">
+                <a:alpha val="100000"/>
+              </a:srgbClr>
+            </a:solidFill>
+          </p:spPr>
+          <p:txBody>
+            <a:bodyPr/>
+            <a:lstStyle/>
+            <a:p/>
+          </p:txBody>
+        </p:sp>
+        <p:sp>
+          <p:nvSpPr>
+            <p:cNvPr id="72" name="rc72"/>
+            <p:cNvSpPr/>
+            <p:nvPr/>
+          </p:nvSpPr>
+          <p:spPr>
+            <a:xfrm>
+              <a:off x="8617232" y="4304992"/>
+              <a:ext cx="274165" cy="602127"/>
+            </a:xfrm>
+            <a:prstGeom prst="rect">
+              <a:avLst/>
+            </a:prstGeom>
+            <a:solidFill>
+              <a:srgbClr val="99000D">
+                <a:alpha val="100000"/>
+              </a:srgbClr>
+            </a:solidFill>
+          </p:spPr>
+          <p:txBody>
+            <a:bodyPr/>
+            <a:lstStyle/>
+            <a:p/>
+          </p:txBody>
+        </p:sp>
+        <p:sp>
+          <p:nvSpPr>
+            <p:cNvPr id="73" name="rc73"/>
+            <p:cNvSpPr/>
+            <p:nvPr/>
+          </p:nvSpPr>
+          <p:spPr>
+            <a:xfrm>
+              <a:off x="6743768" y="1809173"/>
+              <a:ext cx="2193323" cy="3245468"/>
+            </a:xfrm>
+            <a:prstGeom prst="rect">
+              <a:avLst/>
+            </a:prstGeom>
+            <a:ln w="13550" cap="rnd">
+              <a:solidFill>
+                <a:srgbClr val="333333">
+                  <a:alpha val="100000"/>
+                </a:srgbClr>
+              </a:solidFill>
+              <a:prstDash val="solid"/>
+              <a:round/>
+            </a:ln>
+          </p:spPr>
+          <p:txBody>
+            <a:bodyPr/>
+            <a:lstStyle/>
+            <a:p/>
+          </p:txBody>
+        </p:sp>
+        <p:sp>
+          <p:nvSpPr>
+            <p:cNvPr id="74" name="rc74"/>
+            <p:cNvSpPr/>
+            <p:nvPr/>
+          </p:nvSpPr>
+          <p:spPr>
+            <a:xfrm>
+              <a:off x="2217943" y="1590617"/>
+              <a:ext cx="2193323" cy="218555"/>
+            </a:xfrm>
+            <a:prstGeom prst="rect">
+              <a:avLst/>
+            </a:prstGeom>
+            <a:solidFill>
+              <a:srgbClr val="D9D9D9">
+                <a:alpha val="100000"/>
+              </a:srgbClr>
+            </a:solidFill>
+            <a:ln w="13550" cap="rnd">
+              <a:solidFill>
+                <a:srgbClr val="333333">
+                  <a:alpha val="100000"/>
+                </a:srgbClr>
+              </a:solidFill>
+              <a:prstDash val="solid"/>
+              <a:round/>
+            </a:ln>
+          </p:spPr>
+          <p:txBody>
+            <a:bodyPr/>
+            <a:lstStyle/>
+            <a:p/>
+          </p:txBody>
+        </p:sp>
+        <p:sp>
+          <p:nvSpPr>
+            <p:cNvPr id="75" name="tx75"/>
+            <p:cNvSpPr/>
+            <p:nvPr/>
+          </p:nvSpPr>
+          <p:spPr>
+            <a:xfrm>
+              <a:off x="3105055" y="1670045"/>
+              <a:ext cx="419100" cy="69850"/>
             </a:xfrm>
             <a:prstGeom prst="rect">
               <a:avLst/>
@@ -4368,7 +5761,7 @@
             <a:p>
               <a:pPr algn="l" marL="0" marR="0" indent="0">
                 <a:lnSpc>
-                  <a:spcPts val="1138"/>
+                  <a:spcPts val="880"/>
                 </a:lnSpc>
                 <a:spcBef>
                   <a:spcPts val="0"/>
@@ -4378,30 +5771,65 @@
                 </a:spcAft>
               </a:pPr>
               <a:r>
-                <a:rPr sz="1138">
+                <a:rPr sz="880">
                   <a:solidFill>
-                    <a:srgbClr val="FFFFFF">
+                    <a:srgbClr val="1A1A1A">
                       <a:alpha val="100000"/>
                     </a:srgbClr>
                   </a:solidFill>
                   <a:latin typeface="Arial"/>
                   <a:cs typeface="Arial"/>
                 </a:rPr>
-                <a:t>19%</a:t>
+                <a:t>基础研究者</a:t>
               </a:r>
             </a:p>
           </p:txBody>
         </p:sp>
         <p:sp>
           <p:nvSpPr>
-            <p:cNvPr id="8" name="tx8"/>
-            <p:cNvSpPr/>
-            <p:nvPr/>
-          </p:nvSpPr>
-          <p:spPr>
-            <a:xfrm>
-              <a:off x="5605430" y="4185492"/>
-              <a:ext cx="409835" cy="109040"/>
+            <p:cNvPr id="76" name="rc76"/>
+            <p:cNvSpPr/>
+            <p:nvPr/>
+          </p:nvSpPr>
+          <p:spPr>
+            <a:xfrm>
+              <a:off x="4480856" y="1590617"/>
+              <a:ext cx="2193323" cy="218555"/>
+            </a:xfrm>
+            <a:prstGeom prst="rect">
+              <a:avLst/>
+            </a:prstGeom>
+            <a:solidFill>
+              <a:srgbClr val="D9D9D9">
+                <a:alpha val="100000"/>
+              </a:srgbClr>
+            </a:solidFill>
+            <a:ln w="13550" cap="rnd">
+              <a:solidFill>
+                <a:srgbClr val="333333">
+                  <a:alpha val="100000"/>
+                </a:srgbClr>
+              </a:solidFill>
+              <a:prstDash val="solid"/>
+              <a:round/>
+            </a:ln>
+          </p:spPr>
+          <p:txBody>
+            <a:bodyPr/>
+            <a:lstStyle/>
+            <a:p/>
+          </p:txBody>
+        </p:sp>
+        <p:sp>
+          <p:nvSpPr>
+            <p:cNvPr id="77" name="tx77"/>
+            <p:cNvSpPr/>
+            <p:nvPr/>
+          </p:nvSpPr>
+          <p:spPr>
+            <a:xfrm>
+              <a:off x="5409878" y="1670045"/>
+              <a:ext cx="335280" cy="69850"/>
             </a:xfrm>
             <a:prstGeom prst="rect">
               <a:avLst/>
@@ -4414,7 +5842,7 @@
             <a:p>
               <a:pPr algn="l" marL="0" marR="0" indent="0">
                 <a:lnSpc>
-                  <a:spcPts val="1138"/>
+                  <a:spcPts val="880"/>
                 </a:lnSpc>
                 <a:spcBef>
                   <a:spcPts val="0"/>
@@ -4424,30 +5852,65 @@
                 </a:spcAft>
               </a:pPr>
               <a:r>
-                <a:rPr sz="1138">
+                <a:rPr sz="880">
                   <a:solidFill>
-                    <a:srgbClr val="FFFFFF">
+                    <a:srgbClr val="1A1A1A">
                       <a:alpha val="100000"/>
                     </a:srgbClr>
                   </a:solidFill>
                   <a:latin typeface="Arial"/>
                   <a:cs typeface="Arial"/>
                 </a:rPr>
-                <a:t>29.3%</a:t>
+                <a:t>临床医生</a:t>
               </a:r>
             </a:p>
           </p:txBody>
         </p:sp>
         <p:sp>
           <p:nvSpPr>
-            <p:cNvPr id="9" name="tx9"/>
-            <p:cNvSpPr/>
-            <p:nvPr/>
-          </p:nvSpPr>
-          <p:spPr>
-            <a:xfrm>
-              <a:off x="3927411" y="3769728"/>
-              <a:ext cx="409835" cy="109040"/>
+            <p:cNvPr id="78" name="rc78"/>
+            <p:cNvSpPr/>
+            <p:nvPr/>
+          </p:nvSpPr>
+          <p:spPr>
+            <a:xfrm>
+              <a:off x="6743768" y="1590617"/>
+              <a:ext cx="2193323" cy="218555"/>
+            </a:xfrm>
+            <a:prstGeom prst="rect">
+              <a:avLst/>
+            </a:prstGeom>
+            <a:solidFill>
+              <a:srgbClr val="D9D9D9">
+                <a:alpha val="100000"/>
+              </a:srgbClr>
+            </a:solidFill>
+            <a:ln w="13550" cap="rnd">
+              <a:solidFill>
+                <a:srgbClr val="333333">
+                  <a:alpha val="100000"/>
+                </a:srgbClr>
+              </a:solidFill>
+              <a:prstDash val="solid"/>
+              <a:round/>
+            </a:ln>
+          </p:spPr>
+          <p:txBody>
+            <a:bodyPr/>
+            <a:lstStyle/>
+            <a:p/>
+          </p:txBody>
+        </p:sp>
+        <p:sp>
+          <p:nvSpPr>
+            <p:cNvPr id="79" name="tx79"/>
+            <p:cNvSpPr/>
+            <p:nvPr/>
+          </p:nvSpPr>
+          <p:spPr>
+            <a:xfrm>
+              <a:off x="7672790" y="1670045"/>
+              <a:ext cx="335280" cy="69850"/>
             </a:xfrm>
             <a:prstGeom prst="rect">
               <a:avLst/>
@@ -4460,7 +5923,7 @@
             <a:p>
               <a:pPr algn="l" marL="0" marR="0" indent="0">
                 <a:lnSpc>
-                  <a:spcPts val="1138"/>
+                  <a:spcPts val="880"/>
                 </a:lnSpc>
                 <a:spcBef>
                   <a:spcPts val="0"/>
@@ -4470,30 +5933,870 @@
                 </a:spcAft>
               </a:pPr>
               <a:r>
-                <a:rPr sz="1138">
+                <a:rPr sz="880">
                   <a:solidFill>
-                    <a:srgbClr val="FFFFFF">
+                    <a:srgbClr val="1A1A1A">
                       <a:alpha val="100000"/>
                     </a:srgbClr>
                   </a:solidFill>
                   <a:latin typeface="Arial"/>
                   <a:cs typeface="Arial"/>
                 </a:rPr>
-                <a:t>51.7%</a:t>
+                <a:t>企业人员</a:t>
               </a:r>
             </a:p>
           </p:txBody>
         </p:sp>
         <p:sp>
           <p:nvSpPr>
-            <p:cNvPr id="10" name="tx10"/>
-            <p:cNvSpPr/>
-            <p:nvPr/>
-          </p:nvSpPr>
-          <p:spPr>
-            <a:xfrm>
-              <a:off x="5395377" y="2968259"/>
-              <a:ext cx="289291" cy="109040"/>
+            <p:cNvPr id="80" name="pl80"/>
+            <p:cNvSpPr/>
+            <p:nvPr/>
+          </p:nvSpPr>
+          <p:spPr>
+            <a:xfrm>
+              <a:off x="2400720" y="5054641"/>
+              <a:ext cx="0" cy="34794"/>
+            </a:xfrm>
+            <a:custGeom>
+              <a:avLst/>
+              <a:pathLst>
+                <a:path w="0" h="34794">
+                  <a:moveTo>
+                    <a:pt x="0" y="34794"/>
+                  </a:moveTo>
+                  <a:lnTo>
+                    <a:pt x="0" y="0"/>
+                  </a:lnTo>
+                </a:path>
+              </a:pathLst>
+            </a:custGeom>
+            <a:ln w="13550" cap="flat">
+              <a:solidFill>
+                <a:srgbClr val="333333">
+                  <a:alpha val="100000"/>
+                </a:srgbClr>
+              </a:solidFill>
+              <a:prstDash val="solid"/>
+              <a:round/>
+            </a:ln>
+          </p:spPr>
+          <p:txBody>
+            <a:bodyPr/>
+            <a:lstStyle/>
+            <a:p/>
+          </p:txBody>
+        </p:sp>
+        <p:sp>
+          <p:nvSpPr>
+            <p:cNvPr id="81" name="pl81"/>
+            <p:cNvSpPr/>
+            <p:nvPr/>
+          </p:nvSpPr>
+          <p:spPr>
+            <a:xfrm>
+              <a:off x="2705348" y="5054641"/>
+              <a:ext cx="0" cy="34794"/>
+            </a:xfrm>
+            <a:custGeom>
+              <a:avLst/>
+              <a:pathLst>
+                <a:path w="0" h="34794">
+                  <a:moveTo>
+                    <a:pt x="0" y="34794"/>
+                  </a:moveTo>
+                  <a:lnTo>
+                    <a:pt x="0" y="0"/>
+                  </a:lnTo>
+                </a:path>
+              </a:pathLst>
+            </a:custGeom>
+            <a:ln w="13550" cap="flat">
+              <a:solidFill>
+                <a:srgbClr val="333333">
+                  <a:alpha val="100000"/>
+                </a:srgbClr>
+              </a:solidFill>
+              <a:prstDash val="solid"/>
+              <a:round/>
+            </a:ln>
+          </p:spPr>
+          <p:txBody>
+            <a:bodyPr/>
+            <a:lstStyle/>
+            <a:p/>
+          </p:txBody>
+        </p:sp>
+        <p:sp>
+          <p:nvSpPr>
+            <p:cNvPr id="82" name="pl82"/>
+            <p:cNvSpPr/>
+            <p:nvPr/>
+          </p:nvSpPr>
+          <p:spPr>
+            <a:xfrm>
+              <a:off x="3009977" y="5054641"/>
+              <a:ext cx="0" cy="34794"/>
+            </a:xfrm>
+            <a:custGeom>
+              <a:avLst/>
+              <a:pathLst>
+                <a:path w="0" h="34794">
+                  <a:moveTo>
+                    <a:pt x="0" y="34794"/>
+                  </a:moveTo>
+                  <a:lnTo>
+                    <a:pt x="0" y="0"/>
+                  </a:lnTo>
+                </a:path>
+              </a:pathLst>
+            </a:custGeom>
+            <a:ln w="13550" cap="flat">
+              <a:solidFill>
+                <a:srgbClr val="333333">
+                  <a:alpha val="100000"/>
+                </a:srgbClr>
+              </a:solidFill>
+              <a:prstDash val="solid"/>
+              <a:round/>
+            </a:ln>
+          </p:spPr>
+          <p:txBody>
+            <a:bodyPr/>
+            <a:lstStyle/>
+            <a:p/>
+          </p:txBody>
+        </p:sp>
+        <p:sp>
+          <p:nvSpPr>
+            <p:cNvPr id="83" name="pl83"/>
+            <p:cNvSpPr/>
+            <p:nvPr/>
+          </p:nvSpPr>
+          <p:spPr>
+            <a:xfrm>
+              <a:off x="3314605" y="5054641"/>
+              <a:ext cx="0" cy="34794"/>
+            </a:xfrm>
+            <a:custGeom>
+              <a:avLst/>
+              <a:pathLst>
+                <a:path w="0" h="34794">
+                  <a:moveTo>
+                    <a:pt x="0" y="34794"/>
+                  </a:moveTo>
+                  <a:lnTo>
+                    <a:pt x="0" y="0"/>
+                  </a:lnTo>
+                </a:path>
+              </a:pathLst>
+            </a:custGeom>
+            <a:ln w="13550" cap="flat">
+              <a:solidFill>
+                <a:srgbClr val="333333">
+                  <a:alpha val="100000"/>
+                </a:srgbClr>
+              </a:solidFill>
+              <a:prstDash val="solid"/>
+              <a:round/>
+            </a:ln>
+          </p:spPr>
+          <p:txBody>
+            <a:bodyPr/>
+            <a:lstStyle/>
+            <a:p/>
+          </p:txBody>
+        </p:sp>
+        <p:sp>
+          <p:nvSpPr>
+            <p:cNvPr id="84" name="pl84"/>
+            <p:cNvSpPr/>
+            <p:nvPr/>
+          </p:nvSpPr>
+          <p:spPr>
+            <a:xfrm>
+              <a:off x="3619233" y="5054641"/>
+              <a:ext cx="0" cy="34794"/>
+            </a:xfrm>
+            <a:custGeom>
+              <a:avLst/>
+              <a:pathLst>
+                <a:path w="0" h="34794">
+                  <a:moveTo>
+                    <a:pt x="0" y="34794"/>
+                  </a:moveTo>
+                  <a:lnTo>
+                    <a:pt x="0" y="0"/>
+                  </a:lnTo>
+                </a:path>
+              </a:pathLst>
+            </a:custGeom>
+            <a:ln w="13550" cap="flat">
+              <a:solidFill>
+                <a:srgbClr val="333333">
+                  <a:alpha val="100000"/>
+                </a:srgbClr>
+              </a:solidFill>
+              <a:prstDash val="solid"/>
+              <a:round/>
+            </a:ln>
+          </p:spPr>
+          <p:txBody>
+            <a:bodyPr/>
+            <a:lstStyle/>
+            <a:p/>
+          </p:txBody>
+        </p:sp>
+        <p:sp>
+          <p:nvSpPr>
+            <p:cNvPr id="85" name="pl85"/>
+            <p:cNvSpPr/>
+            <p:nvPr/>
+          </p:nvSpPr>
+          <p:spPr>
+            <a:xfrm>
+              <a:off x="3923861" y="5054641"/>
+              <a:ext cx="0" cy="34794"/>
+            </a:xfrm>
+            <a:custGeom>
+              <a:avLst/>
+              <a:pathLst>
+                <a:path w="0" h="34794">
+                  <a:moveTo>
+                    <a:pt x="0" y="34794"/>
+                  </a:moveTo>
+                  <a:lnTo>
+                    <a:pt x="0" y="0"/>
+                  </a:lnTo>
+                </a:path>
+              </a:pathLst>
+            </a:custGeom>
+            <a:ln w="13550" cap="flat">
+              <a:solidFill>
+                <a:srgbClr val="333333">
+                  <a:alpha val="100000"/>
+                </a:srgbClr>
+              </a:solidFill>
+              <a:prstDash val="solid"/>
+              <a:round/>
+            </a:ln>
+          </p:spPr>
+          <p:txBody>
+            <a:bodyPr/>
+            <a:lstStyle/>
+            <a:p/>
+          </p:txBody>
+        </p:sp>
+        <p:sp>
+          <p:nvSpPr>
+            <p:cNvPr id="86" name="pl86"/>
+            <p:cNvSpPr/>
+            <p:nvPr/>
+          </p:nvSpPr>
+          <p:spPr>
+            <a:xfrm>
+              <a:off x="4228490" y="5054641"/>
+              <a:ext cx="0" cy="34794"/>
+            </a:xfrm>
+            <a:custGeom>
+              <a:avLst/>
+              <a:pathLst>
+                <a:path w="0" h="34794">
+                  <a:moveTo>
+                    <a:pt x="0" y="34794"/>
+                  </a:moveTo>
+                  <a:lnTo>
+                    <a:pt x="0" y="0"/>
+                  </a:lnTo>
+                </a:path>
+              </a:pathLst>
+            </a:custGeom>
+            <a:ln w="13550" cap="flat">
+              <a:solidFill>
+                <a:srgbClr val="333333">
+                  <a:alpha val="100000"/>
+                </a:srgbClr>
+              </a:solidFill>
+              <a:prstDash val="solid"/>
+              <a:round/>
+            </a:ln>
+          </p:spPr>
+          <p:txBody>
+            <a:bodyPr/>
+            <a:lstStyle/>
+            <a:p/>
+          </p:txBody>
+        </p:sp>
+        <p:sp>
+          <p:nvSpPr>
+            <p:cNvPr id="87" name="pl87"/>
+            <p:cNvSpPr/>
+            <p:nvPr/>
+          </p:nvSpPr>
+          <p:spPr>
+            <a:xfrm>
+              <a:off x="4663633" y="5054641"/>
+              <a:ext cx="0" cy="34794"/>
+            </a:xfrm>
+            <a:custGeom>
+              <a:avLst/>
+              <a:pathLst>
+                <a:path w="0" h="34794">
+                  <a:moveTo>
+                    <a:pt x="0" y="34794"/>
+                  </a:moveTo>
+                  <a:lnTo>
+                    <a:pt x="0" y="0"/>
+                  </a:lnTo>
+                </a:path>
+              </a:pathLst>
+            </a:custGeom>
+            <a:ln w="13550" cap="flat">
+              <a:solidFill>
+                <a:srgbClr val="333333">
+                  <a:alpha val="100000"/>
+                </a:srgbClr>
+              </a:solidFill>
+              <a:prstDash val="solid"/>
+              <a:round/>
+            </a:ln>
+          </p:spPr>
+          <p:txBody>
+            <a:bodyPr/>
+            <a:lstStyle/>
+            <a:p/>
+          </p:txBody>
+        </p:sp>
+        <p:sp>
+          <p:nvSpPr>
+            <p:cNvPr id="88" name="pl88"/>
+            <p:cNvSpPr/>
+            <p:nvPr/>
+          </p:nvSpPr>
+          <p:spPr>
+            <a:xfrm>
+              <a:off x="4968261" y="5054641"/>
+              <a:ext cx="0" cy="34794"/>
+            </a:xfrm>
+            <a:custGeom>
+              <a:avLst/>
+              <a:pathLst>
+                <a:path w="0" h="34794">
+                  <a:moveTo>
+                    <a:pt x="0" y="34794"/>
+                  </a:moveTo>
+                  <a:lnTo>
+                    <a:pt x="0" y="0"/>
+                  </a:lnTo>
+                </a:path>
+              </a:pathLst>
+            </a:custGeom>
+            <a:ln w="13550" cap="flat">
+              <a:solidFill>
+                <a:srgbClr val="333333">
+                  <a:alpha val="100000"/>
+                </a:srgbClr>
+              </a:solidFill>
+              <a:prstDash val="solid"/>
+              <a:round/>
+            </a:ln>
+          </p:spPr>
+          <p:txBody>
+            <a:bodyPr/>
+            <a:lstStyle/>
+            <a:p/>
+          </p:txBody>
+        </p:sp>
+        <p:sp>
+          <p:nvSpPr>
+            <p:cNvPr id="89" name="pl89"/>
+            <p:cNvSpPr/>
+            <p:nvPr/>
+          </p:nvSpPr>
+          <p:spPr>
+            <a:xfrm>
+              <a:off x="5272889" y="5054641"/>
+              <a:ext cx="0" cy="34794"/>
+            </a:xfrm>
+            <a:custGeom>
+              <a:avLst/>
+              <a:pathLst>
+                <a:path w="0" h="34794">
+                  <a:moveTo>
+                    <a:pt x="0" y="34794"/>
+                  </a:moveTo>
+                  <a:lnTo>
+                    <a:pt x="0" y="0"/>
+                  </a:lnTo>
+                </a:path>
+              </a:pathLst>
+            </a:custGeom>
+            <a:ln w="13550" cap="flat">
+              <a:solidFill>
+                <a:srgbClr val="333333">
+                  <a:alpha val="100000"/>
+                </a:srgbClr>
+              </a:solidFill>
+              <a:prstDash val="solid"/>
+              <a:round/>
+            </a:ln>
+          </p:spPr>
+          <p:txBody>
+            <a:bodyPr/>
+            <a:lstStyle/>
+            <a:p/>
+          </p:txBody>
+        </p:sp>
+        <p:sp>
+          <p:nvSpPr>
+            <p:cNvPr id="90" name="pl90"/>
+            <p:cNvSpPr/>
+            <p:nvPr/>
+          </p:nvSpPr>
+          <p:spPr>
+            <a:xfrm>
+              <a:off x="5577518" y="5054641"/>
+              <a:ext cx="0" cy="34794"/>
+            </a:xfrm>
+            <a:custGeom>
+              <a:avLst/>
+              <a:pathLst>
+                <a:path w="0" h="34794">
+                  <a:moveTo>
+                    <a:pt x="0" y="34794"/>
+                  </a:moveTo>
+                  <a:lnTo>
+                    <a:pt x="0" y="0"/>
+                  </a:lnTo>
+                </a:path>
+              </a:pathLst>
+            </a:custGeom>
+            <a:ln w="13550" cap="flat">
+              <a:solidFill>
+                <a:srgbClr val="333333">
+                  <a:alpha val="100000"/>
+                </a:srgbClr>
+              </a:solidFill>
+              <a:prstDash val="solid"/>
+              <a:round/>
+            </a:ln>
+          </p:spPr>
+          <p:txBody>
+            <a:bodyPr/>
+            <a:lstStyle/>
+            <a:p/>
+          </p:txBody>
+        </p:sp>
+        <p:sp>
+          <p:nvSpPr>
+            <p:cNvPr id="91" name="pl91"/>
+            <p:cNvSpPr/>
+            <p:nvPr/>
+          </p:nvSpPr>
+          <p:spPr>
+            <a:xfrm>
+              <a:off x="5882146" y="5054641"/>
+              <a:ext cx="0" cy="34794"/>
+            </a:xfrm>
+            <a:custGeom>
+              <a:avLst/>
+              <a:pathLst>
+                <a:path w="0" h="34794">
+                  <a:moveTo>
+                    <a:pt x="0" y="34794"/>
+                  </a:moveTo>
+                  <a:lnTo>
+                    <a:pt x="0" y="0"/>
+                  </a:lnTo>
+                </a:path>
+              </a:pathLst>
+            </a:custGeom>
+            <a:ln w="13550" cap="flat">
+              <a:solidFill>
+                <a:srgbClr val="333333">
+                  <a:alpha val="100000"/>
+                </a:srgbClr>
+              </a:solidFill>
+              <a:prstDash val="solid"/>
+              <a:round/>
+            </a:ln>
+          </p:spPr>
+          <p:txBody>
+            <a:bodyPr/>
+            <a:lstStyle/>
+            <a:p/>
+          </p:txBody>
+        </p:sp>
+        <p:sp>
+          <p:nvSpPr>
+            <p:cNvPr id="92" name="pl92"/>
+            <p:cNvSpPr/>
+            <p:nvPr/>
+          </p:nvSpPr>
+          <p:spPr>
+            <a:xfrm>
+              <a:off x="6186774" y="5054641"/>
+              <a:ext cx="0" cy="34794"/>
+            </a:xfrm>
+            <a:custGeom>
+              <a:avLst/>
+              <a:pathLst>
+                <a:path w="0" h="34794">
+                  <a:moveTo>
+                    <a:pt x="0" y="34794"/>
+                  </a:moveTo>
+                  <a:lnTo>
+                    <a:pt x="0" y="0"/>
+                  </a:lnTo>
+                </a:path>
+              </a:pathLst>
+            </a:custGeom>
+            <a:ln w="13550" cap="flat">
+              <a:solidFill>
+                <a:srgbClr val="333333">
+                  <a:alpha val="100000"/>
+                </a:srgbClr>
+              </a:solidFill>
+              <a:prstDash val="solid"/>
+              <a:round/>
+            </a:ln>
+          </p:spPr>
+          <p:txBody>
+            <a:bodyPr/>
+            <a:lstStyle/>
+            <a:p/>
+          </p:txBody>
+        </p:sp>
+        <p:sp>
+          <p:nvSpPr>
+            <p:cNvPr id="93" name="pl93"/>
+            <p:cNvSpPr/>
+            <p:nvPr/>
+          </p:nvSpPr>
+          <p:spPr>
+            <a:xfrm>
+              <a:off x="6491402" y="5054641"/>
+              <a:ext cx="0" cy="34794"/>
+            </a:xfrm>
+            <a:custGeom>
+              <a:avLst/>
+              <a:pathLst>
+                <a:path w="0" h="34794">
+                  <a:moveTo>
+                    <a:pt x="0" y="34794"/>
+                  </a:moveTo>
+                  <a:lnTo>
+                    <a:pt x="0" y="0"/>
+                  </a:lnTo>
+                </a:path>
+              </a:pathLst>
+            </a:custGeom>
+            <a:ln w="13550" cap="flat">
+              <a:solidFill>
+                <a:srgbClr val="333333">
+                  <a:alpha val="100000"/>
+                </a:srgbClr>
+              </a:solidFill>
+              <a:prstDash val="solid"/>
+              <a:round/>
+            </a:ln>
+          </p:spPr>
+          <p:txBody>
+            <a:bodyPr/>
+            <a:lstStyle/>
+            <a:p/>
+          </p:txBody>
+        </p:sp>
+        <p:sp>
+          <p:nvSpPr>
+            <p:cNvPr id="94" name="pl94"/>
+            <p:cNvSpPr/>
+            <p:nvPr/>
+          </p:nvSpPr>
+          <p:spPr>
+            <a:xfrm>
+              <a:off x="6926545" y="5054641"/>
+              <a:ext cx="0" cy="34794"/>
+            </a:xfrm>
+            <a:custGeom>
+              <a:avLst/>
+              <a:pathLst>
+                <a:path w="0" h="34794">
+                  <a:moveTo>
+                    <a:pt x="0" y="34794"/>
+                  </a:moveTo>
+                  <a:lnTo>
+                    <a:pt x="0" y="0"/>
+                  </a:lnTo>
+                </a:path>
+              </a:pathLst>
+            </a:custGeom>
+            <a:ln w="13550" cap="flat">
+              <a:solidFill>
+                <a:srgbClr val="333333">
+                  <a:alpha val="100000"/>
+                </a:srgbClr>
+              </a:solidFill>
+              <a:prstDash val="solid"/>
+              <a:round/>
+            </a:ln>
+          </p:spPr>
+          <p:txBody>
+            <a:bodyPr/>
+            <a:lstStyle/>
+            <a:p/>
+          </p:txBody>
+        </p:sp>
+        <p:sp>
+          <p:nvSpPr>
+            <p:cNvPr id="95" name="pl95"/>
+            <p:cNvSpPr/>
+            <p:nvPr/>
+          </p:nvSpPr>
+          <p:spPr>
+            <a:xfrm>
+              <a:off x="7231174" y="5054641"/>
+              <a:ext cx="0" cy="34794"/>
+            </a:xfrm>
+            <a:custGeom>
+              <a:avLst/>
+              <a:pathLst>
+                <a:path w="0" h="34794">
+                  <a:moveTo>
+                    <a:pt x="0" y="34794"/>
+                  </a:moveTo>
+                  <a:lnTo>
+                    <a:pt x="0" y="0"/>
+                  </a:lnTo>
+                </a:path>
+              </a:pathLst>
+            </a:custGeom>
+            <a:ln w="13550" cap="flat">
+              <a:solidFill>
+                <a:srgbClr val="333333">
+                  <a:alpha val="100000"/>
+                </a:srgbClr>
+              </a:solidFill>
+              <a:prstDash val="solid"/>
+              <a:round/>
+            </a:ln>
+          </p:spPr>
+          <p:txBody>
+            <a:bodyPr/>
+            <a:lstStyle/>
+            <a:p/>
+          </p:txBody>
+        </p:sp>
+        <p:sp>
+          <p:nvSpPr>
+            <p:cNvPr id="96" name="pl96"/>
+            <p:cNvSpPr/>
+            <p:nvPr/>
+          </p:nvSpPr>
+          <p:spPr>
+            <a:xfrm>
+              <a:off x="7535802" y="5054641"/>
+              <a:ext cx="0" cy="34794"/>
+            </a:xfrm>
+            <a:custGeom>
+              <a:avLst/>
+              <a:pathLst>
+                <a:path w="0" h="34794">
+                  <a:moveTo>
+                    <a:pt x="0" y="34794"/>
+                  </a:moveTo>
+                  <a:lnTo>
+                    <a:pt x="0" y="0"/>
+                  </a:lnTo>
+                </a:path>
+              </a:pathLst>
+            </a:custGeom>
+            <a:ln w="13550" cap="flat">
+              <a:solidFill>
+                <a:srgbClr val="333333">
+                  <a:alpha val="100000"/>
+                </a:srgbClr>
+              </a:solidFill>
+              <a:prstDash val="solid"/>
+              <a:round/>
+            </a:ln>
+          </p:spPr>
+          <p:txBody>
+            <a:bodyPr/>
+            <a:lstStyle/>
+            <a:p/>
+          </p:txBody>
+        </p:sp>
+        <p:sp>
+          <p:nvSpPr>
+            <p:cNvPr id="97" name="pl97"/>
+            <p:cNvSpPr/>
+            <p:nvPr/>
+          </p:nvSpPr>
+          <p:spPr>
+            <a:xfrm>
+              <a:off x="7840430" y="5054641"/>
+              <a:ext cx="0" cy="34794"/>
+            </a:xfrm>
+            <a:custGeom>
+              <a:avLst/>
+              <a:pathLst>
+                <a:path w="0" h="34794">
+                  <a:moveTo>
+                    <a:pt x="0" y="34794"/>
+                  </a:moveTo>
+                  <a:lnTo>
+                    <a:pt x="0" y="0"/>
+                  </a:lnTo>
+                </a:path>
+              </a:pathLst>
+            </a:custGeom>
+            <a:ln w="13550" cap="flat">
+              <a:solidFill>
+                <a:srgbClr val="333333">
+                  <a:alpha val="100000"/>
+                </a:srgbClr>
+              </a:solidFill>
+              <a:prstDash val="solid"/>
+              <a:round/>
+            </a:ln>
+          </p:spPr>
+          <p:txBody>
+            <a:bodyPr/>
+            <a:lstStyle/>
+            <a:p/>
+          </p:txBody>
+        </p:sp>
+        <p:sp>
+          <p:nvSpPr>
+            <p:cNvPr id="98" name="pl98"/>
+            <p:cNvSpPr/>
+            <p:nvPr/>
+          </p:nvSpPr>
+          <p:spPr>
+            <a:xfrm>
+              <a:off x="8145058" y="5054641"/>
+              <a:ext cx="0" cy="34794"/>
+            </a:xfrm>
+            <a:custGeom>
+              <a:avLst/>
+              <a:pathLst>
+                <a:path w="0" h="34794">
+                  <a:moveTo>
+                    <a:pt x="0" y="34794"/>
+                  </a:moveTo>
+                  <a:lnTo>
+                    <a:pt x="0" y="0"/>
+                  </a:lnTo>
+                </a:path>
+              </a:pathLst>
+            </a:custGeom>
+            <a:ln w="13550" cap="flat">
+              <a:solidFill>
+                <a:srgbClr val="333333">
+                  <a:alpha val="100000"/>
+                </a:srgbClr>
+              </a:solidFill>
+              <a:prstDash val="solid"/>
+              <a:round/>
+            </a:ln>
+          </p:spPr>
+          <p:txBody>
+            <a:bodyPr/>
+            <a:lstStyle/>
+            <a:p/>
+          </p:txBody>
+        </p:sp>
+        <p:sp>
+          <p:nvSpPr>
+            <p:cNvPr id="99" name="pl99"/>
+            <p:cNvSpPr/>
+            <p:nvPr/>
+          </p:nvSpPr>
+          <p:spPr>
+            <a:xfrm>
+              <a:off x="8449687" y="5054641"/>
+              <a:ext cx="0" cy="34794"/>
+            </a:xfrm>
+            <a:custGeom>
+              <a:avLst/>
+              <a:pathLst>
+                <a:path w="0" h="34794">
+                  <a:moveTo>
+                    <a:pt x="0" y="34794"/>
+                  </a:moveTo>
+                  <a:lnTo>
+                    <a:pt x="0" y="0"/>
+                  </a:lnTo>
+                </a:path>
+              </a:pathLst>
+            </a:custGeom>
+            <a:ln w="13550" cap="flat">
+              <a:solidFill>
+                <a:srgbClr val="333333">
+                  <a:alpha val="100000"/>
+                </a:srgbClr>
+              </a:solidFill>
+              <a:prstDash val="solid"/>
+              <a:round/>
+            </a:ln>
+          </p:spPr>
+          <p:txBody>
+            <a:bodyPr/>
+            <a:lstStyle/>
+            <a:p/>
+          </p:txBody>
+        </p:sp>
+        <p:sp>
+          <p:nvSpPr>
+            <p:cNvPr id="100" name="pl100"/>
+            <p:cNvSpPr/>
+            <p:nvPr/>
+          </p:nvSpPr>
+          <p:spPr>
+            <a:xfrm>
+              <a:off x="8754315" y="5054641"/>
+              <a:ext cx="0" cy="34794"/>
+            </a:xfrm>
+            <a:custGeom>
+              <a:avLst/>
+              <a:pathLst>
+                <a:path w="0" h="34794">
+                  <a:moveTo>
+                    <a:pt x="0" y="34794"/>
+                  </a:moveTo>
+                  <a:lnTo>
+                    <a:pt x="0" y="0"/>
+                  </a:lnTo>
+                </a:path>
+              </a:pathLst>
+            </a:custGeom>
+            <a:ln w="13550" cap="flat">
+              <a:solidFill>
+                <a:srgbClr val="333333">
+                  <a:alpha val="100000"/>
+                </a:srgbClr>
+              </a:solidFill>
+              <a:prstDash val="solid"/>
+              <a:round/>
+            </a:ln>
+          </p:spPr>
+          <p:txBody>
+            <a:bodyPr/>
+            <a:lstStyle/>
+            <a:p/>
+          </p:txBody>
+        </p:sp>
+        <p:sp>
+          <p:nvSpPr>
+            <p:cNvPr id="101" name="tx101"/>
+            <p:cNvSpPr/>
+            <p:nvPr/>
+          </p:nvSpPr>
+          <p:spPr>
+            <a:xfrm>
+              <a:off x="1993785" y="4862809"/>
+              <a:ext cx="161528" cy="84311"/>
             </a:xfrm>
             <a:prstGeom prst="rect">
               <a:avLst/>
@@ -4506,7 +6809,7 @@
             <a:p>
               <a:pPr algn="l" marL="0" marR="0" indent="0">
                 <a:lnSpc>
-                  <a:spcPts val="1138"/>
+                  <a:spcPts val="880"/>
                 </a:lnSpc>
                 <a:spcBef>
                   <a:spcPts val="0"/>
@@ -4516,30 +6819,30 @@
                 </a:spcAft>
               </a:pPr>
               <a:r>
-                <a:rPr sz="1138">
+                <a:rPr sz="880">
                   <a:solidFill>
-                    <a:srgbClr val="FFFFFF">
+                    <a:srgbClr val="4D4D4D">
                       <a:alpha val="100000"/>
                     </a:srgbClr>
                   </a:solidFill>
                   <a:latin typeface="Arial"/>
                   <a:cs typeface="Arial"/>
                 </a:rPr>
-                <a:t>19%</a:t>
+                <a:t>0%</a:t>
               </a:r>
             </a:p>
           </p:txBody>
         </p:sp>
         <p:sp>
           <p:nvSpPr>
-            <p:cNvPr id="11" name="tx11"/>
-            <p:cNvSpPr/>
-            <p:nvPr/>
-          </p:nvSpPr>
-          <p:spPr>
-            <a:xfrm>
-              <a:off x="5603187" y="4182136"/>
-              <a:ext cx="409835" cy="109040"/>
+            <p:cNvPr id="102" name="tx102"/>
+            <p:cNvSpPr/>
+            <p:nvPr/>
+          </p:nvSpPr>
+          <p:spPr>
+            <a:xfrm>
+              <a:off x="1931629" y="3923489"/>
+              <a:ext cx="223683" cy="84311"/>
             </a:xfrm>
             <a:prstGeom prst="rect">
               <a:avLst/>
@@ -4552,7 +6855,7 @@
             <a:p>
               <a:pPr algn="l" marL="0" marR="0" indent="0">
                 <a:lnSpc>
-                  <a:spcPts val="1138"/>
+                  <a:spcPts val="880"/>
                 </a:lnSpc>
                 <a:spcBef>
                   <a:spcPts val="0"/>
@@ -4562,30 +6865,30 @@
                 </a:spcAft>
               </a:pPr>
               <a:r>
-                <a:rPr sz="1138">
+                <a:rPr sz="880">
                   <a:solidFill>
-                    <a:srgbClr val="FFFFFF">
+                    <a:srgbClr val="4D4D4D">
                       <a:alpha val="100000"/>
                     </a:srgbClr>
                   </a:solidFill>
                   <a:latin typeface="Arial"/>
                   <a:cs typeface="Arial"/>
                 </a:rPr>
-                <a:t>29.3%</a:t>
+                <a:t>10%</a:t>
               </a:r>
             </a:p>
           </p:txBody>
         </p:sp>
         <p:sp>
           <p:nvSpPr>
-            <p:cNvPr id="12" name="tx12"/>
-            <p:cNvSpPr/>
-            <p:nvPr/>
-          </p:nvSpPr>
-          <p:spPr>
-            <a:xfrm>
-              <a:off x="3925169" y="3766372"/>
-              <a:ext cx="409835" cy="109040"/>
+            <p:cNvPr id="103" name="tx103"/>
+            <p:cNvSpPr/>
+            <p:nvPr/>
+          </p:nvSpPr>
+          <p:spPr>
+            <a:xfrm>
+              <a:off x="1931629" y="2984170"/>
+              <a:ext cx="223683" cy="84311"/>
             </a:xfrm>
             <a:prstGeom prst="rect">
               <a:avLst/>
@@ -4598,7 +6901,7 @@
             <a:p>
               <a:pPr algn="l" marL="0" marR="0" indent="0">
                 <a:lnSpc>
-                  <a:spcPts val="1138"/>
+                  <a:spcPts val="880"/>
                 </a:lnSpc>
                 <a:spcBef>
                   <a:spcPts val="0"/>
@@ -4608,30 +6911,30 @@
                 </a:spcAft>
               </a:pPr>
               <a:r>
-                <a:rPr sz="1138">
+                <a:rPr sz="880">
                   <a:solidFill>
-                    <a:srgbClr val="FFFFFF">
+                    <a:srgbClr val="4D4D4D">
                       <a:alpha val="100000"/>
                     </a:srgbClr>
                   </a:solidFill>
                   <a:latin typeface="Arial"/>
                   <a:cs typeface="Arial"/>
                 </a:rPr>
-                <a:t>51.7%</a:t>
+                <a:t>20%</a:t>
               </a:r>
             </a:p>
           </p:txBody>
         </p:sp>
         <p:sp>
           <p:nvSpPr>
-            <p:cNvPr id="13" name="tx13"/>
-            <p:cNvSpPr/>
-            <p:nvPr/>
-          </p:nvSpPr>
-          <p:spPr>
-            <a:xfrm>
-              <a:off x="5392020" y="2966016"/>
-              <a:ext cx="289291" cy="109040"/>
+            <p:cNvPr id="104" name="tx104"/>
+            <p:cNvSpPr/>
+            <p:nvPr/>
+          </p:nvSpPr>
+          <p:spPr>
+            <a:xfrm>
+              <a:off x="1931629" y="2044851"/>
+              <a:ext cx="223683" cy="84311"/>
             </a:xfrm>
             <a:prstGeom prst="rect">
               <a:avLst/>
@@ -4644,7 +6947,7 @@
             <a:p>
               <a:pPr algn="l" marL="0" marR="0" indent="0">
                 <a:lnSpc>
-                  <a:spcPts val="1138"/>
+                  <a:spcPts val="880"/>
                 </a:lnSpc>
                 <a:spcBef>
                   <a:spcPts val="0"/>
@@ -4654,2071 +6957,52 @@
                 </a:spcAft>
               </a:pPr>
               <a:r>
-                <a:rPr sz="1138">
+                <a:rPr sz="880">
                   <a:solidFill>
-                    <a:srgbClr val="FFFFFF">
+                    <a:srgbClr val="4D4D4D">
                       <a:alpha val="100000"/>
                     </a:srgbClr>
                   </a:solidFill>
                   <a:latin typeface="Arial"/>
                   <a:cs typeface="Arial"/>
                 </a:rPr>
-                <a:t>19%</a:t>
+                <a:t>30%</a:t>
               </a:r>
             </a:p>
           </p:txBody>
         </p:sp>
         <p:sp>
           <p:nvSpPr>
-            <p:cNvPr id="14" name="tx14"/>
-            <p:cNvSpPr/>
-            <p:nvPr/>
-          </p:nvSpPr>
-          <p:spPr>
-            <a:xfrm>
-              <a:off x="5599831" y="4179893"/>
-              <a:ext cx="409835" cy="109040"/>
-            </a:xfrm>
-            <a:prstGeom prst="rect">
-              <a:avLst/>
-            </a:prstGeom>
-            <a:noFill/>
-          </p:spPr>
-          <p:txBody>
-            <a:bodyPr lIns="0" rIns="0" tIns="0" bIns="0" anchorCtr="1" anchor="ctr" wrap="none"/>
-            <a:lstStyle/>
-            <a:p>
-              <a:pPr algn="l" marL="0" marR="0" indent="0">
-                <a:lnSpc>
-                  <a:spcPts val="1138"/>
-                </a:lnSpc>
-                <a:spcBef>
-                  <a:spcPts val="0"/>
-                </a:spcBef>
-                <a:spcAft>
-                  <a:spcPts val="0"/>
-                </a:spcAft>
-              </a:pPr>
-              <a:r>
-                <a:rPr sz="1138">
-                  <a:solidFill>
-                    <a:srgbClr val="FFFFFF">
-                      <a:alpha val="100000"/>
-                    </a:srgbClr>
-                  </a:solidFill>
-                  <a:latin typeface="Arial"/>
-                  <a:cs typeface="Arial"/>
-                </a:rPr>
-                <a:t>29.3%</a:t>
-              </a:r>
-            </a:p>
-          </p:txBody>
-        </p:sp>
-        <p:sp>
-          <p:nvSpPr>
-            <p:cNvPr id="15" name="tx15"/>
-            <p:cNvSpPr/>
-            <p:nvPr/>
-          </p:nvSpPr>
-          <p:spPr>
-            <a:xfrm>
-              <a:off x="3921812" y="3764129"/>
-              <a:ext cx="409835" cy="109040"/>
-            </a:xfrm>
-            <a:prstGeom prst="rect">
-              <a:avLst/>
-            </a:prstGeom>
-            <a:noFill/>
-          </p:spPr>
-          <p:txBody>
-            <a:bodyPr lIns="0" rIns="0" tIns="0" bIns="0" anchorCtr="1" anchor="ctr" wrap="none"/>
-            <a:lstStyle/>
-            <a:p>
-              <a:pPr algn="l" marL="0" marR="0" indent="0">
-                <a:lnSpc>
-                  <a:spcPts val="1138"/>
-                </a:lnSpc>
-                <a:spcBef>
-                  <a:spcPts val="0"/>
-                </a:spcBef>
-                <a:spcAft>
-                  <a:spcPts val="0"/>
-                </a:spcAft>
-              </a:pPr>
-              <a:r>
-                <a:rPr sz="1138">
-                  <a:solidFill>
-                    <a:srgbClr val="FFFFFF">
-                      <a:alpha val="100000"/>
-                    </a:srgbClr>
-                  </a:solidFill>
-                  <a:latin typeface="Arial"/>
-                  <a:cs typeface="Arial"/>
-                </a:rPr>
-                <a:t>51.7%</a:t>
-              </a:r>
-            </a:p>
-          </p:txBody>
-        </p:sp>
-        <p:sp>
-          <p:nvSpPr>
-            <p:cNvPr id="16" name="tx16"/>
-            <p:cNvSpPr/>
-            <p:nvPr/>
-          </p:nvSpPr>
-          <p:spPr>
-            <a:xfrm>
-              <a:off x="5388061" y="2965228"/>
-              <a:ext cx="289291" cy="109040"/>
-            </a:xfrm>
-            <a:prstGeom prst="rect">
-              <a:avLst/>
-            </a:prstGeom>
-            <a:noFill/>
-          </p:spPr>
-          <p:txBody>
-            <a:bodyPr lIns="0" rIns="0" tIns="0" bIns="0" anchorCtr="1" anchor="ctr" wrap="none"/>
-            <a:lstStyle/>
-            <a:p>
-              <a:pPr algn="l" marL="0" marR="0" indent="0">
-                <a:lnSpc>
-                  <a:spcPts val="1138"/>
-                </a:lnSpc>
-                <a:spcBef>
-                  <a:spcPts val="0"/>
-                </a:spcBef>
-                <a:spcAft>
-                  <a:spcPts val="0"/>
-                </a:spcAft>
-              </a:pPr>
-              <a:r>
-                <a:rPr sz="1138">
-                  <a:solidFill>
-                    <a:srgbClr val="FFFFFF">
-                      <a:alpha val="100000"/>
-                    </a:srgbClr>
-                  </a:solidFill>
-                  <a:latin typeface="Arial"/>
-                  <a:cs typeface="Arial"/>
-                </a:rPr>
-                <a:t>19%</a:t>
-              </a:r>
-            </a:p>
-          </p:txBody>
-        </p:sp>
-        <p:sp>
-          <p:nvSpPr>
-            <p:cNvPr id="17" name="tx17"/>
-            <p:cNvSpPr/>
-            <p:nvPr/>
-          </p:nvSpPr>
-          <p:spPr>
-            <a:xfrm>
-              <a:off x="5595871" y="4179105"/>
-              <a:ext cx="409835" cy="109040"/>
-            </a:xfrm>
-            <a:prstGeom prst="rect">
-              <a:avLst/>
-            </a:prstGeom>
-            <a:noFill/>
-          </p:spPr>
-          <p:txBody>
-            <a:bodyPr lIns="0" rIns="0" tIns="0" bIns="0" anchorCtr="1" anchor="ctr" wrap="none"/>
-            <a:lstStyle/>
-            <a:p>
-              <a:pPr algn="l" marL="0" marR="0" indent="0">
-                <a:lnSpc>
-                  <a:spcPts val="1138"/>
-                </a:lnSpc>
-                <a:spcBef>
-                  <a:spcPts val="0"/>
-                </a:spcBef>
-                <a:spcAft>
-                  <a:spcPts val="0"/>
-                </a:spcAft>
-              </a:pPr>
-              <a:r>
-                <a:rPr sz="1138">
-                  <a:solidFill>
-                    <a:srgbClr val="FFFFFF">
-                      <a:alpha val="100000"/>
-                    </a:srgbClr>
-                  </a:solidFill>
-                  <a:latin typeface="Arial"/>
-                  <a:cs typeface="Arial"/>
-                </a:rPr>
-                <a:t>29.3%</a:t>
-              </a:r>
-            </a:p>
-          </p:txBody>
-        </p:sp>
-        <p:sp>
-          <p:nvSpPr>
-            <p:cNvPr id="18" name="tx18"/>
-            <p:cNvSpPr/>
-            <p:nvPr/>
-          </p:nvSpPr>
-          <p:spPr>
-            <a:xfrm>
-              <a:off x="3917852" y="3763341"/>
-              <a:ext cx="409835" cy="109040"/>
-            </a:xfrm>
-            <a:prstGeom prst="rect">
-              <a:avLst/>
-            </a:prstGeom>
-            <a:noFill/>
-          </p:spPr>
-          <p:txBody>
-            <a:bodyPr lIns="0" rIns="0" tIns="0" bIns="0" anchorCtr="1" anchor="ctr" wrap="none"/>
-            <a:lstStyle/>
-            <a:p>
-              <a:pPr algn="l" marL="0" marR="0" indent="0">
-                <a:lnSpc>
-                  <a:spcPts val="1138"/>
-                </a:lnSpc>
-                <a:spcBef>
-                  <a:spcPts val="0"/>
-                </a:spcBef>
-                <a:spcAft>
-                  <a:spcPts val="0"/>
-                </a:spcAft>
-              </a:pPr>
-              <a:r>
-                <a:rPr sz="1138">
-                  <a:solidFill>
-                    <a:srgbClr val="FFFFFF">
-                      <a:alpha val="100000"/>
-                    </a:srgbClr>
-                  </a:solidFill>
-                  <a:latin typeface="Arial"/>
-                  <a:cs typeface="Arial"/>
-                </a:rPr>
-                <a:t>51.7%</a:t>
-              </a:r>
-            </a:p>
-          </p:txBody>
-        </p:sp>
-        <p:sp>
-          <p:nvSpPr>
-            <p:cNvPr id="19" name="tx19"/>
-            <p:cNvSpPr/>
-            <p:nvPr/>
-          </p:nvSpPr>
-          <p:spPr>
-            <a:xfrm>
-              <a:off x="5384101" y="2966016"/>
-              <a:ext cx="289291" cy="109040"/>
-            </a:xfrm>
-            <a:prstGeom prst="rect">
-              <a:avLst/>
-            </a:prstGeom>
-            <a:noFill/>
-          </p:spPr>
-          <p:txBody>
-            <a:bodyPr lIns="0" rIns="0" tIns="0" bIns="0" anchorCtr="1" anchor="ctr" wrap="none"/>
-            <a:lstStyle/>
-            <a:p>
-              <a:pPr algn="l" marL="0" marR="0" indent="0">
-                <a:lnSpc>
-                  <a:spcPts val="1138"/>
-                </a:lnSpc>
-                <a:spcBef>
-                  <a:spcPts val="0"/>
-                </a:spcBef>
-                <a:spcAft>
-                  <a:spcPts val="0"/>
-                </a:spcAft>
-              </a:pPr>
-              <a:r>
-                <a:rPr sz="1138">
-                  <a:solidFill>
-                    <a:srgbClr val="FFFFFF">
-                      <a:alpha val="100000"/>
-                    </a:srgbClr>
-                  </a:solidFill>
-                  <a:latin typeface="Arial"/>
-                  <a:cs typeface="Arial"/>
-                </a:rPr>
-                <a:t>19%</a:t>
-              </a:r>
-            </a:p>
-          </p:txBody>
-        </p:sp>
-        <p:sp>
-          <p:nvSpPr>
-            <p:cNvPr id="20" name="tx20"/>
-            <p:cNvSpPr/>
-            <p:nvPr/>
-          </p:nvSpPr>
-          <p:spPr>
-            <a:xfrm>
-              <a:off x="5591912" y="4179893"/>
-              <a:ext cx="409835" cy="109040"/>
-            </a:xfrm>
-            <a:prstGeom prst="rect">
-              <a:avLst/>
-            </a:prstGeom>
-            <a:noFill/>
-          </p:spPr>
-          <p:txBody>
-            <a:bodyPr lIns="0" rIns="0" tIns="0" bIns="0" anchorCtr="1" anchor="ctr" wrap="none"/>
-            <a:lstStyle/>
-            <a:p>
-              <a:pPr algn="l" marL="0" marR="0" indent="0">
-                <a:lnSpc>
-                  <a:spcPts val="1138"/>
-                </a:lnSpc>
-                <a:spcBef>
-                  <a:spcPts val="0"/>
-                </a:spcBef>
-                <a:spcAft>
-                  <a:spcPts val="0"/>
-                </a:spcAft>
-              </a:pPr>
-              <a:r>
-                <a:rPr sz="1138">
-                  <a:solidFill>
-                    <a:srgbClr val="FFFFFF">
-                      <a:alpha val="100000"/>
-                    </a:srgbClr>
-                  </a:solidFill>
-                  <a:latin typeface="Arial"/>
-                  <a:cs typeface="Arial"/>
-                </a:rPr>
-                <a:t>29.3%</a:t>
-              </a:r>
-            </a:p>
-          </p:txBody>
-        </p:sp>
-        <p:sp>
-          <p:nvSpPr>
-            <p:cNvPr id="21" name="tx21"/>
-            <p:cNvSpPr/>
-            <p:nvPr/>
-          </p:nvSpPr>
-          <p:spPr>
-            <a:xfrm>
-              <a:off x="3913893" y="3764129"/>
-              <a:ext cx="409835" cy="109040"/>
-            </a:xfrm>
-            <a:prstGeom prst="rect">
-              <a:avLst/>
-            </a:prstGeom>
-            <a:noFill/>
-          </p:spPr>
-          <p:txBody>
-            <a:bodyPr lIns="0" rIns="0" tIns="0" bIns="0" anchorCtr="1" anchor="ctr" wrap="none"/>
-            <a:lstStyle/>
-            <a:p>
-              <a:pPr algn="l" marL="0" marR="0" indent="0">
-                <a:lnSpc>
-                  <a:spcPts val="1138"/>
-                </a:lnSpc>
-                <a:spcBef>
-                  <a:spcPts val="0"/>
-                </a:spcBef>
-                <a:spcAft>
-                  <a:spcPts val="0"/>
-                </a:spcAft>
-              </a:pPr>
-              <a:r>
-                <a:rPr sz="1138">
-                  <a:solidFill>
-                    <a:srgbClr val="FFFFFF">
-                      <a:alpha val="100000"/>
-                    </a:srgbClr>
-                  </a:solidFill>
-                  <a:latin typeface="Arial"/>
-                  <a:cs typeface="Arial"/>
-                </a:rPr>
-                <a:t>51.7%</a:t>
-              </a:r>
-            </a:p>
-          </p:txBody>
-        </p:sp>
-        <p:sp>
-          <p:nvSpPr>
-            <p:cNvPr id="22" name="tx22"/>
-            <p:cNvSpPr/>
-            <p:nvPr/>
-          </p:nvSpPr>
-          <p:spPr>
-            <a:xfrm>
-              <a:off x="5380744" y="2968259"/>
-              <a:ext cx="289291" cy="109040"/>
-            </a:xfrm>
-            <a:prstGeom prst="rect">
-              <a:avLst/>
-            </a:prstGeom>
-            <a:noFill/>
-          </p:spPr>
-          <p:txBody>
-            <a:bodyPr lIns="0" rIns="0" tIns="0" bIns="0" anchorCtr="1" anchor="ctr" wrap="none"/>
-            <a:lstStyle/>
-            <a:p>
-              <a:pPr algn="l" marL="0" marR="0" indent="0">
-                <a:lnSpc>
-                  <a:spcPts val="1138"/>
-                </a:lnSpc>
-                <a:spcBef>
-                  <a:spcPts val="0"/>
-                </a:spcBef>
-                <a:spcAft>
-                  <a:spcPts val="0"/>
-                </a:spcAft>
-              </a:pPr>
-              <a:r>
-                <a:rPr sz="1138">
-                  <a:solidFill>
-                    <a:srgbClr val="FFFFFF">
-                      <a:alpha val="100000"/>
-                    </a:srgbClr>
-                  </a:solidFill>
-                  <a:latin typeface="Arial"/>
-                  <a:cs typeface="Arial"/>
-                </a:rPr>
-                <a:t>19%</a:t>
-              </a:r>
-            </a:p>
-          </p:txBody>
-        </p:sp>
-        <p:sp>
-          <p:nvSpPr>
-            <p:cNvPr id="23" name="tx23"/>
-            <p:cNvSpPr/>
-            <p:nvPr/>
-          </p:nvSpPr>
-          <p:spPr>
-            <a:xfrm>
-              <a:off x="5588555" y="4182136"/>
-              <a:ext cx="409835" cy="109040"/>
-            </a:xfrm>
-            <a:prstGeom prst="rect">
-              <a:avLst/>
-            </a:prstGeom>
-            <a:noFill/>
-          </p:spPr>
-          <p:txBody>
-            <a:bodyPr lIns="0" rIns="0" tIns="0" bIns="0" anchorCtr="1" anchor="ctr" wrap="none"/>
-            <a:lstStyle/>
-            <a:p>
-              <a:pPr algn="l" marL="0" marR="0" indent="0">
-                <a:lnSpc>
-                  <a:spcPts val="1138"/>
-                </a:lnSpc>
-                <a:spcBef>
-                  <a:spcPts val="0"/>
-                </a:spcBef>
-                <a:spcAft>
-                  <a:spcPts val="0"/>
-                </a:spcAft>
-              </a:pPr>
-              <a:r>
-                <a:rPr sz="1138">
-                  <a:solidFill>
-                    <a:srgbClr val="FFFFFF">
-                      <a:alpha val="100000"/>
-                    </a:srgbClr>
-                  </a:solidFill>
-                  <a:latin typeface="Arial"/>
-                  <a:cs typeface="Arial"/>
-                </a:rPr>
-                <a:t>29.3%</a:t>
-              </a:r>
-            </a:p>
-          </p:txBody>
-        </p:sp>
-        <p:sp>
-          <p:nvSpPr>
-            <p:cNvPr id="24" name="tx24"/>
-            <p:cNvSpPr/>
-            <p:nvPr/>
-          </p:nvSpPr>
-          <p:spPr>
-            <a:xfrm>
-              <a:off x="3910536" y="3766372"/>
-              <a:ext cx="409835" cy="109040"/>
-            </a:xfrm>
-            <a:prstGeom prst="rect">
-              <a:avLst/>
-            </a:prstGeom>
-            <a:noFill/>
-          </p:spPr>
-          <p:txBody>
-            <a:bodyPr lIns="0" rIns="0" tIns="0" bIns="0" anchorCtr="1" anchor="ctr" wrap="none"/>
-            <a:lstStyle/>
-            <a:p>
-              <a:pPr algn="l" marL="0" marR="0" indent="0">
-                <a:lnSpc>
-                  <a:spcPts val="1138"/>
-                </a:lnSpc>
-                <a:spcBef>
-                  <a:spcPts val="0"/>
-                </a:spcBef>
-                <a:spcAft>
-                  <a:spcPts val="0"/>
-                </a:spcAft>
-              </a:pPr>
-              <a:r>
-                <a:rPr sz="1138">
-                  <a:solidFill>
-                    <a:srgbClr val="FFFFFF">
-                      <a:alpha val="100000"/>
-                    </a:srgbClr>
-                  </a:solidFill>
-                  <a:latin typeface="Arial"/>
-                  <a:cs typeface="Arial"/>
-                </a:rPr>
-                <a:t>51.7%</a:t>
-              </a:r>
-            </a:p>
-          </p:txBody>
-        </p:sp>
-        <p:sp>
-          <p:nvSpPr>
-            <p:cNvPr id="25" name="tx25"/>
-            <p:cNvSpPr/>
-            <p:nvPr/>
-          </p:nvSpPr>
-          <p:spPr>
-            <a:xfrm>
-              <a:off x="5378502" y="2971615"/>
-              <a:ext cx="289291" cy="109040"/>
-            </a:xfrm>
-            <a:prstGeom prst="rect">
-              <a:avLst/>
-            </a:prstGeom>
-            <a:noFill/>
-          </p:spPr>
-          <p:txBody>
-            <a:bodyPr lIns="0" rIns="0" tIns="0" bIns="0" anchorCtr="1" anchor="ctr" wrap="none"/>
-            <a:lstStyle/>
-            <a:p>
-              <a:pPr algn="l" marL="0" marR="0" indent="0">
-                <a:lnSpc>
-                  <a:spcPts val="1138"/>
-                </a:lnSpc>
-                <a:spcBef>
-                  <a:spcPts val="0"/>
-                </a:spcBef>
-                <a:spcAft>
-                  <a:spcPts val="0"/>
-                </a:spcAft>
-              </a:pPr>
-              <a:r>
-                <a:rPr sz="1138">
-                  <a:solidFill>
-                    <a:srgbClr val="FFFFFF">
-                      <a:alpha val="100000"/>
-                    </a:srgbClr>
-                  </a:solidFill>
-                  <a:latin typeface="Arial"/>
-                  <a:cs typeface="Arial"/>
-                </a:rPr>
-                <a:t>19%</a:t>
-              </a:r>
-            </a:p>
-          </p:txBody>
-        </p:sp>
-        <p:sp>
-          <p:nvSpPr>
-            <p:cNvPr id="26" name="tx26"/>
-            <p:cNvSpPr/>
-            <p:nvPr/>
-          </p:nvSpPr>
-          <p:spPr>
-            <a:xfrm>
-              <a:off x="5586312" y="4185492"/>
-              <a:ext cx="409835" cy="109040"/>
-            </a:xfrm>
-            <a:prstGeom prst="rect">
-              <a:avLst/>
-            </a:prstGeom>
-            <a:noFill/>
-          </p:spPr>
-          <p:txBody>
-            <a:bodyPr lIns="0" rIns="0" tIns="0" bIns="0" anchorCtr="1" anchor="ctr" wrap="none"/>
-            <a:lstStyle/>
-            <a:p>
-              <a:pPr algn="l" marL="0" marR="0" indent="0">
-                <a:lnSpc>
-                  <a:spcPts val="1138"/>
-                </a:lnSpc>
-                <a:spcBef>
-                  <a:spcPts val="0"/>
-                </a:spcBef>
-                <a:spcAft>
-                  <a:spcPts val="0"/>
-                </a:spcAft>
-              </a:pPr>
-              <a:r>
-                <a:rPr sz="1138">
-                  <a:solidFill>
-                    <a:srgbClr val="FFFFFF">
-                      <a:alpha val="100000"/>
-                    </a:srgbClr>
-                  </a:solidFill>
-                  <a:latin typeface="Arial"/>
-                  <a:cs typeface="Arial"/>
-                </a:rPr>
-                <a:t>29.3%</a:t>
-              </a:r>
-            </a:p>
-          </p:txBody>
-        </p:sp>
-        <p:sp>
-          <p:nvSpPr>
-            <p:cNvPr id="27" name="tx27"/>
-            <p:cNvSpPr/>
-            <p:nvPr/>
-          </p:nvSpPr>
-          <p:spPr>
-            <a:xfrm>
-              <a:off x="3908294" y="3769728"/>
-              <a:ext cx="409835" cy="109040"/>
-            </a:xfrm>
-            <a:prstGeom prst="rect">
-              <a:avLst/>
-            </a:prstGeom>
-            <a:noFill/>
-          </p:spPr>
-          <p:txBody>
-            <a:bodyPr lIns="0" rIns="0" tIns="0" bIns="0" anchorCtr="1" anchor="ctr" wrap="none"/>
-            <a:lstStyle/>
-            <a:p>
-              <a:pPr algn="l" marL="0" marR="0" indent="0">
-                <a:lnSpc>
-                  <a:spcPts val="1138"/>
-                </a:lnSpc>
-                <a:spcBef>
-                  <a:spcPts val="0"/>
-                </a:spcBef>
-                <a:spcAft>
-                  <a:spcPts val="0"/>
-                </a:spcAft>
-              </a:pPr>
-              <a:r>
-                <a:rPr sz="1138">
-                  <a:solidFill>
-                    <a:srgbClr val="FFFFFF">
-                      <a:alpha val="100000"/>
-                    </a:srgbClr>
-                  </a:solidFill>
-                  <a:latin typeface="Arial"/>
-                  <a:cs typeface="Arial"/>
-                </a:rPr>
-                <a:t>51.7%</a:t>
-              </a:r>
-            </a:p>
-          </p:txBody>
-        </p:sp>
-        <p:sp>
-          <p:nvSpPr>
-            <p:cNvPr id="28" name="tx28"/>
-            <p:cNvSpPr/>
-            <p:nvPr/>
-          </p:nvSpPr>
-          <p:spPr>
-            <a:xfrm>
-              <a:off x="5377714" y="2975575"/>
-              <a:ext cx="289291" cy="109040"/>
-            </a:xfrm>
-            <a:prstGeom prst="rect">
-              <a:avLst/>
-            </a:prstGeom>
-            <a:noFill/>
-          </p:spPr>
-          <p:txBody>
-            <a:bodyPr lIns="0" rIns="0" tIns="0" bIns="0" anchorCtr="1" anchor="ctr" wrap="none"/>
-            <a:lstStyle/>
-            <a:p>
-              <a:pPr algn="l" marL="0" marR="0" indent="0">
-                <a:lnSpc>
-                  <a:spcPts val="1138"/>
-                </a:lnSpc>
-                <a:spcBef>
-                  <a:spcPts val="0"/>
-                </a:spcBef>
-                <a:spcAft>
-                  <a:spcPts val="0"/>
-                </a:spcAft>
-              </a:pPr>
-              <a:r>
-                <a:rPr sz="1138">
-                  <a:solidFill>
-                    <a:srgbClr val="FFFFFF">
-                      <a:alpha val="100000"/>
-                    </a:srgbClr>
-                  </a:solidFill>
-                  <a:latin typeface="Arial"/>
-                  <a:cs typeface="Arial"/>
-                </a:rPr>
-                <a:t>19%</a:t>
-              </a:r>
-            </a:p>
-          </p:txBody>
-        </p:sp>
-        <p:sp>
-          <p:nvSpPr>
-            <p:cNvPr id="29" name="tx29"/>
-            <p:cNvSpPr/>
-            <p:nvPr/>
-          </p:nvSpPr>
-          <p:spPr>
-            <a:xfrm>
-              <a:off x="5585525" y="4189452"/>
-              <a:ext cx="409835" cy="109040"/>
-            </a:xfrm>
-            <a:prstGeom prst="rect">
-              <a:avLst/>
-            </a:prstGeom>
-            <a:noFill/>
-          </p:spPr>
-          <p:txBody>
-            <a:bodyPr lIns="0" rIns="0" tIns="0" bIns="0" anchorCtr="1" anchor="ctr" wrap="none"/>
-            <a:lstStyle/>
-            <a:p>
-              <a:pPr algn="l" marL="0" marR="0" indent="0">
-                <a:lnSpc>
-                  <a:spcPts val="1138"/>
-                </a:lnSpc>
-                <a:spcBef>
-                  <a:spcPts val="0"/>
-                </a:spcBef>
-                <a:spcAft>
-                  <a:spcPts val="0"/>
-                </a:spcAft>
-              </a:pPr>
-              <a:r>
-                <a:rPr sz="1138">
-                  <a:solidFill>
-                    <a:srgbClr val="FFFFFF">
-                      <a:alpha val="100000"/>
-                    </a:srgbClr>
-                  </a:solidFill>
-                  <a:latin typeface="Arial"/>
-                  <a:cs typeface="Arial"/>
-                </a:rPr>
-                <a:t>29.3%</a:t>
-              </a:r>
-            </a:p>
-          </p:txBody>
-        </p:sp>
-        <p:sp>
-          <p:nvSpPr>
-            <p:cNvPr id="30" name="tx30"/>
-            <p:cNvSpPr/>
-            <p:nvPr/>
-          </p:nvSpPr>
-          <p:spPr>
-            <a:xfrm>
-              <a:off x="3907506" y="3773688"/>
-              <a:ext cx="409835" cy="109040"/>
-            </a:xfrm>
-            <a:prstGeom prst="rect">
-              <a:avLst/>
-            </a:prstGeom>
-            <a:noFill/>
-          </p:spPr>
-          <p:txBody>
-            <a:bodyPr lIns="0" rIns="0" tIns="0" bIns="0" anchorCtr="1" anchor="ctr" wrap="none"/>
-            <a:lstStyle/>
-            <a:p>
-              <a:pPr algn="l" marL="0" marR="0" indent="0">
-                <a:lnSpc>
-                  <a:spcPts val="1138"/>
-                </a:lnSpc>
-                <a:spcBef>
-                  <a:spcPts val="0"/>
-                </a:spcBef>
-                <a:spcAft>
-                  <a:spcPts val="0"/>
-                </a:spcAft>
-              </a:pPr>
-              <a:r>
-                <a:rPr sz="1138">
-                  <a:solidFill>
-                    <a:srgbClr val="FFFFFF">
-                      <a:alpha val="100000"/>
-                    </a:srgbClr>
-                  </a:solidFill>
-                  <a:latin typeface="Arial"/>
-                  <a:cs typeface="Arial"/>
-                </a:rPr>
-                <a:t>51.7%</a:t>
-              </a:r>
-            </a:p>
-          </p:txBody>
-        </p:sp>
-        <p:sp>
-          <p:nvSpPr>
-            <p:cNvPr id="31" name="tx31"/>
-            <p:cNvSpPr/>
-            <p:nvPr/>
-          </p:nvSpPr>
-          <p:spPr>
-            <a:xfrm>
-              <a:off x="5378502" y="2979534"/>
-              <a:ext cx="289291" cy="109040"/>
-            </a:xfrm>
-            <a:prstGeom prst="rect">
-              <a:avLst/>
-            </a:prstGeom>
-            <a:noFill/>
-          </p:spPr>
-          <p:txBody>
-            <a:bodyPr lIns="0" rIns="0" tIns="0" bIns="0" anchorCtr="1" anchor="ctr" wrap="none"/>
-            <a:lstStyle/>
-            <a:p>
-              <a:pPr algn="l" marL="0" marR="0" indent="0">
-                <a:lnSpc>
-                  <a:spcPts val="1138"/>
-                </a:lnSpc>
-                <a:spcBef>
-                  <a:spcPts val="0"/>
-                </a:spcBef>
-                <a:spcAft>
-                  <a:spcPts val="0"/>
-                </a:spcAft>
-              </a:pPr>
-              <a:r>
-                <a:rPr sz="1138">
-                  <a:solidFill>
-                    <a:srgbClr val="FFFFFF">
-                      <a:alpha val="100000"/>
-                    </a:srgbClr>
-                  </a:solidFill>
-                  <a:latin typeface="Arial"/>
-                  <a:cs typeface="Arial"/>
-                </a:rPr>
-                <a:t>19%</a:t>
-              </a:r>
-            </a:p>
-          </p:txBody>
-        </p:sp>
-        <p:sp>
-          <p:nvSpPr>
-            <p:cNvPr id="32" name="tx32"/>
-            <p:cNvSpPr/>
-            <p:nvPr/>
-          </p:nvSpPr>
-          <p:spPr>
-            <a:xfrm>
-              <a:off x="5586312" y="4193411"/>
-              <a:ext cx="409835" cy="109040"/>
-            </a:xfrm>
-            <a:prstGeom prst="rect">
-              <a:avLst/>
-            </a:prstGeom>
-            <a:noFill/>
-          </p:spPr>
-          <p:txBody>
-            <a:bodyPr lIns="0" rIns="0" tIns="0" bIns="0" anchorCtr="1" anchor="ctr" wrap="none"/>
-            <a:lstStyle/>
-            <a:p>
-              <a:pPr algn="l" marL="0" marR="0" indent="0">
-                <a:lnSpc>
-                  <a:spcPts val="1138"/>
-                </a:lnSpc>
-                <a:spcBef>
-                  <a:spcPts val="0"/>
-                </a:spcBef>
-                <a:spcAft>
-                  <a:spcPts val="0"/>
-                </a:spcAft>
-              </a:pPr>
-              <a:r>
-                <a:rPr sz="1138">
-                  <a:solidFill>
-                    <a:srgbClr val="FFFFFF">
-                      <a:alpha val="100000"/>
-                    </a:srgbClr>
-                  </a:solidFill>
-                  <a:latin typeface="Arial"/>
-                  <a:cs typeface="Arial"/>
-                </a:rPr>
-                <a:t>29.3%</a:t>
-              </a:r>
-            </a:p>
-          </p:txBody>
-        </p:sp>
-        <p:sp>
-          <p:nvSpPr>
-            <p:cNvPr id="33" name="tx33"/>
-            <p:cNvSpPr/>
-            <p:nvPr/>
-          </p:nvSpPr>
-          <p:spPr>
-            <a:xfrm>
-              <a:off x="3908294" y="3777647"/>
-              <a:ext cx="409835" cy="109040"/>
-            </a:xfrm>
-            <a:prstGeom prst="rect">
-              <a:avLst/>
-            </a:prstGeom>
-            <a:noFill/>
-          </p:spPr>
-          <p:txBody>
-            <a:bodyPr lIns="0" rIns="0" tIns="0" bIns="0" anchorCtr="1" anchor="ctr" wrap="none"/>
-            <a:lstStyle/>
-            <a:p>
-              <a:pPr algn="l" marL="0" marR="0" indent="0">
-                <a:lnSpc>
-                  <a:spcPts val="1138"/>
-                </a:lnSpc>
-                <a:spcBef>
-                  <a:spcPts val="0"/>
-                </a:spcBef>
-                <a:spcAft>
-                  <a:spcPts val="0"/>
-                </a:spcAft>
-              </a:pPr>
-              <a:r>
-                <a:rPr sz="1138">
-                  <a:solidFill>
-                    <a:srgbClr val="FFFFFF">
-                      <a:alpha val="100000"/>
-                    </a:srgbClr>
-                  </a:solidFill>
-                  <a:latin typeface="Arial"/>
-                  <a:cs typeface="Arial"/>
-                </a:rPr>
-                <a:t>51.7%</a:t>
-              </a:r>
-            </a:p>
-          </p:txBody>
-        </p:sp>
-        <p:sp>
-          <p:nvSpPr>
-            <p:cNvPr id="34" name="tx34"/>
-            <p:cNvSpPr/>
-            <p:nvPr/>
-          </p:nvSpPr>
-          <p:spPr>
-            <a:xfrm>
-              <a:off x="5380744" y="2982891"/>
-              <a:ext cx="289291" cy="109040"/>
-            </a:xfrm>
-            <a:prstGeom prst="rect">
-              <a:avLst/>
-            </a:prstGeom>
-            <a:noFill/>
-          </p:spPr>
-          <p:txBody>
-            <a:bodyPr lIns="0" rIns="0" tIns="0" bIns="0" anchorCtr="1" anchor="ctr" wrap="none"/>
-            <a:lstStyle/>
-            <a:p>
-              <a:pPr algn="l" marL="0" marR="0" indent="0">
-                <a:lnSpc>
-                  <a:spcPts val="1138"/>
-                </a:lnSpc>
-                <a:spcBef>
-                  <a:spcPts val="0"/>
-                </a:spcBef>
-                <a:spcAft>
-                  <a:spcPts val="0"/>
-                </a:spcAft>
-              </a:pPr>
-              <a:r>
-                <a:rPr sz="1138">
-                  <a:solidFill>
-                    <a:srgbClr val="FFFFFF">
-                      <a:alpha val="100000"/>
-                    </a:srgbClr>
-                  </a:solidFill>
-                  <a:latin typeface="Arial"/>
-                  <a:cs typeface="Arial"/>
-                </a:rPr>
-                <a:t>19%</a:t>
-              </a:r>
-            </a:p>
-          </p:txBody>
-        </p:sp>
-        <p:sp>
-          <p:nvSpPr>
-            <p:cNvPr id="35" name="tx35"/>
-            <p:cNvSpPr/>
-            <p:nvPr/>
-          </p:nvSpPr>
-          <p:spPr>
-            <a:xfrm>
-              <a:off x="5588555" y="4196768"/>
-              <a:ext cx="409835" cy="109040"/>
-            </a:xfrm>
-            <a:prstGeom prst="rect">
-              <a:avLst/>
-            </a:prstGeom>
-            <a:noFill/>
-          </p:spPr>
-          <p:txBody>
-            <a:bodyPr lIns="0" rIns="0" tIns="0" bIns="0" anchorCtr="1" anchor="ctr" wrap="none"/>
-            <a:lstStyle/>
-            <a:p>
-              <a:pPr algn="l" marL="0" marR="0" indent="0">
-                <a:lnSpc>
-                  <a:spcPts val="1138"/>
-                </a:lnSpc>
-                <a:spcBef>
-                  <a:spcPts val="0"/>
-                </a:spcBef>
-                <a:spcAft>
-                  <a:spcPts val="0"/>
-                </a:spcAft>
-              </a:pPr>
-              <a:r>
-                <a:rPr sz="1138">
-                  <a:solidFill>
-                    <a:srgbClr val="FFFFFF">
-                      <a:alpha val="100000"/>
-                    </a:srgbClr>
-                  </a:solidFill>
-                  <a:latin typeface="Arial"/>
-                  <a:cs typeface="Arial"/>
-                </a:rPr>
-                <a:t>29.3%</a:t>
-              </a:r>
-            </a:p>
-          </p:txBody>
-        </p:sp>
-        <p:sp>
-          <p:nvSpPr>
-            <p:cNvPr id="36" name="tx36"/>
-            <p:cNvSpPr/>
-            <p:nvPr/>
-          </p:nvSpPr>
-          <p:spPr>
-            <a:xfrm>
-              <a:off x="3910536" y="3781004"/>
-              <a:ext cx="409835" cy="109040"/>
-            </a:xfrm>
-            <a:prstGeom prst="rect">
-              <a:avLst/>
-            </a:prstGeom>
-            <a:noFill/>
-          </p:spPr>
-          <p:txBody>
-            <a:bodyPr lIns="0" rIns="0" tIns="0" bIns="0" anchorCtr="1" anchor="ctr" wrap="none"/>
-            <a:lstStyle/>
-            <a:p>
-              <a:pPr algn="l" marL="0" marR="0" indent="0">
-                <a:lnSpc>
-                  <a:spcPts val="1138"/>
-                </a:lnSpc>
-                <a:spcBef>
-                  <a:spcPts val="0"/>
-                </a:spcBef>
-                <a:spcAft>
-                  <a:spcPts val="0"/>
-                </a:spcAft>
-              </a:pPr>
-              <a:r>
-                <a:rPr sz="1138">
-                  <a:solidFill>
-                    <a:srgbClr val="FFFFFF">
-                      <a:alpha val="100000"/>
-                    </a:srgbClr>
-                  </a:solidFill>
-                  <a:latin typeface="Arial"/>
-                  <a:cs typeface="Arial"/>
-                </a:rPr>
-                <a:t>51.7%</a:t>
-              </a:r>
-            </a:p>
-          </p:txBody>
-        </p:sp>
-        <p:sp>
-          <p:nvSpPr>
-            <p:cNvPr id="37" name="tx37"/>
-            <p:cNvSpPr/>
-            <p:nvPr/>
-          </p:nvSpPr>
-          <p:spPr>
-            <a:xfrm>
-              <a:off x="5384101" y="2985134"/>
-              <a:ext cx="289291" cy="109040"/>
-            </a:xfrm>
-            <a:prstGeom prst="rect">
-              <a:avLst/>
-            </a:prstGeom>
-            <a:noFill/>
-          </p:spPr>
-          <p:txBody>
-            <a:bodyPr lIns="0" rIns="0" tIns="0" bIns="0" anchorCtr="1" anchor="ctr" wrap="none"/>
-            <a:lstStyle/>
-            <a:p>
-              <a:pPr algn="l" marL="0" marR="0" indent="0">
-                <a:lnSpc>
-                  <a:spcPts val="1138"/>
-                </a:lnSpc>
-                <a:spcBef>
-                  <a:spcPts val="0"/>
-                </a:spcBef>
-                <a:spcAft>
-                  <a:spcPts val="0"/>
-                </a:spcAft>
-              </a:pPr>
-              <a:r>
-                <a:rPr sz="1138">
-                  <a:solidFill>
-                    <a:srgbClr val="FFFFFF">
-                      <a:alpha val="100000"/>
-                    </a:srgbClr>
-                  </a:solidFill>
-                  <a:latin typeface="Arial"/>
-                  <a:cs typeface="Arial"/>
-                </a:rPr>
-                <a:t>19%</a:t>
-              </a:r>
-            </a:p>
-          </p:txBody>
-        </p:sp>
-        <p:sp>
-          <p:nvSpPr>
-            <p:cNvPr id="38" name="tx38"/>
-            <p:cNvSpPr/>
-            <p:nvPr/>
-          </p:nvSpPr>
-          <p:spPr>
-            <a:xfrm>
-              <a:off x="5591912" y="4199011"/>
-              <a:ext cx="409835" cy="109040"/>
-            </a:xfrm>
-            <a:prstGeom prst="rect">
-              <a:avLst/>
-            </a:prstGeom>
-            <a:noFill/>
-          </p:spPr>
-          <p:txBody>
-            <a:bodyPr lIns="0" rIns="0" tIns="0" bIns="0" anchorCtr="1" anchor="ctr" wrap="none"/>
-            <a:lstStyle/>
-            <a:p>
-              <a:pPr algn="l" marL="0" marR="0" indent="0">
-                <a:lnSpc>
-                  <a:spcPts val="1138"/>
-                </a:lnSpc>
-                <a:spcBef>
-                  <a:spcPts val="0"/>
-                </a:spcBef>
-                <a:spcAft>
-                  <a:spcPts val="0"/>
-                </a:spcAft>
-              </a:pPr>
-              <a:r>
-                <a:rPr sz="1138">
-                  <a:solidFill>
-                    <a:srgbClr val="FFFFFF">
-                      <a:alpha val="100000"/>
-                    </a:srgbClr>
-                  </a:solidFill>
-                  <a:latin typeface="Arial"/>
-                  <a:cs typeface="Arial"/>
-                </a:rPr>
-                <a:t>29.3%</a:t>
-              </a:r>
-            </a:p>
-          </p:txBody>
-        </p:sp>
-        <p:sp>
-          <p:nvSpPr>
-            <p:cNvPr id="39" name="tx39"/>
-            <p:cNvSpPr/>
-            <p:nvPr/>
-          </p:nvSpPr>
-          <p:spPr>
-            <a:xfrm>
-              <a:off x="3913893" y="3783247"/>
-              <a:ext cx="409835" cy="109040"/>
-            </a:xfrm>
-            <a:prstGeom prst="rect">
-              <a:avLst/>
-            </a:prstGeom>
-            <a:noFill/>
-          </p:spPr>
-          <p:txBody>
-            <a:bodyPr lIns="0" rIns="0" tIns="0" bIns="0" anchorCtr="1" anchor="ctr" wrap="none"/>
-            <a:lstStyle/>
-            <a:p>
-              <a:pPr algn="l" marL="0" marR="0" indent="0">
-                <a:lnSpc>
-                  <a:spcPts val="1138"/>
-                </a:lnSpc>
-                <a:spcBef>
-                  <a:spcPts val="0"/>
-                </a:spcBef>
-                <a:spcAft>
-                  <a:spcPts val="0"/>
-                </a:spcAft>
-              </a:pPr>
-              <a:r>
-                <a:rPr sz="1138">
-                  <a:solidFill>
-                    <a:srgbClr val="FFFFFF">
-                      <a:alpha val="100000"/>
-                    </a:srgbClr>
-                  </a:solidFill>
-                  <a:latin typeface="Arial"/>
-                  <a:cs typeface="Arial"/>
-                </a:rPr>
-                <a:t>51.7%</a:t>
-              </a:r>
-            </a:p>
-          </p:txBody>
-        </p:sp>
-        <p:sp>
-          <p:nvSpPr>
-            <p:cNvPr id="40" name="tx40"/>
-            <p:cNvSpPr/>
-            <p:nvPr/>
-          </p:nvSpPr>
-          <p:spPr>
-            <a:xfrm>
-              <a:off x="5388061" y="2985921"/>
-              <a:ext cx="289291" cy="109040"/>
-            </a:xfrm>
-            <a:prstGeom prst="rect">
-              <a:avLst/>
-            </a:prstGeom>
-            <a:noFill/>
-          </p:spPr>
-          <p:txBody>
-            <a:bodyPr lIns="0" rIns="0" tIns="0" bIns="0" anchorCtr="1" anchor="ctr" wrap="none"/>
-            <a:lstStyle/>
-            <a:p>
-              <a:pPr algn="l" marL="0" marR="0" indent="0">
-                <a:lnSpc>
-                  <a:spcPts val="1138"/>
-                </a:lnSpc>
-                <a:spcBef>
-                  <a:spcPts val="0"/>
-                </a:spcBef>
-                <a:spcAft>
-                  <a:spcPts val="0"/>
-                </a:spcAft>
-              </a:pPr>
-              <a:r>
-                <a:rPr sz="1138">
-                  <a:solidFill>
-                    <a:srgbClr val="FFFFFF">
-                      <a:alpha val="100000"/>
-                    </a:srgbClr>
-                  </a:solidFill>
-                  <a:latin typeface="Arial"/>
-                  <a:cs typeface="Arial"/>
-                </a:rPr>
-                <a:t>19%</a:t>
-              </a:r>
-            </a:p>
-          </p:txBody>
-        </p:sp>
-        <p:sp>
-          <p:nvSpPr>
-            <p:cNvPr id="41" name="tx41"/>
-            <p:cNvSpPr/>
-            <p:nvPr/>
-          </p:nvSpPr>
-          <p:spPr>
-            <a:xfrm>
-              <a:off x="5595871" y="4199798"/>
-              <a:ext cx="409835" cy="109040"/>
-            </a:xfrm>
-            <a:prstGeom prst="rect">
-              <a:avLst/>
-            </a:prstGeom>
-            <a:noFill/>
-          </p:spPr>
-          <p:txBody>
-            <a:bodyPr lIns="0" rIns="0" tIns="0" bIns="0" anchorCtr="1" anchor="ctr" wrap="none"/>
-            <a:lstStyle/>
-            <a:p>
-              <a:pPr algn="l" marL="0" marR="0" indent="0">
-                <a:lnSpc>
-                  <a:spcPts val="1138"/>
-                </a:lnSpc>
-                <a:spcBef>
-                  <a:spcPts val="0"/>
-                </a:spcBef>
-                <a:spcAft>
-                  <a:spcPts val="0"/>
-                </a:spcAft>
-              </a:pPr>
-              <a:r>
-                <a:rPr sz="1138">
-                  <a:solidFill>
-                    <a:srgbClr val="FFFFFF">
-                      <a:alpha val="100000"/>
-                    </a:srgbClr>
-                  </a:solidFill>
-                  <a:latin typeface="Arial"/>
-                  <a:cs typeface="Arial"/>
-                </a:rPr>
-                <a:t>29.3%</a:t>
-              </a:r>
-            </a:p>
-          </p:txBody>
-        </p:sp>
-        <p:sp>
-          <p:nvSpPr>
-            <p:cNvPr id="42" name="tx42"/>
-            <p:cNvSpPr/>
-            <p:nvPr/>
-          </p:nvSpPr>
-          <p:spPr>
-            <a:xfrm>
-              <a:off x="3917852" y="3784034"/>
-              <a:ext cx="409835" cy="109040"/>
-            </a:xfrm>
-            <a:prstGeom prst="rect">
-              <a:avLst/>
-            </a:prstGeom>
-            <a:noFill/>
-          </p:spPr>
-          <p:txBody>
-            <a:bodyPr lIns="0" rIns="0" tIns="0" bIns="0" anchorCtr="1" anchor="ctr" wrap="none"/>
-            <a:lstStyle/>
-            <a:p>
-              <a:pPr algn="l" marL="0" marR="0" indent="0">
-                <a:lnSpc>
-                  <a:spcPts val="1138"/>
-                </a:lnSpc>
-                <a:spcBef>
-                  <a:spcPts val="0"/>
-                </a:spcBef>
-                <a:spcAft>
-                  <a:spcPts val="0"/>
-                </a:spcAft>
-              </a:pPr>
-              <a:r>
-                <a:rPr sz="1138">
-                  <a:solidFill>
-                    <a:srgbClr val="FFFFFF">
-                      <a:alpha val="100000"/>
-                    </a:srgbClr>
-                  </a:solidFill>
-                  <a:latin typeface="Arial"/>
-                  <a:cs typeface="Arial"/>
-                </a:rPr>
-                <a:t>51.7%</a:t>
-              </a:r>
-            </a:p>
-          </p:txBody>
-        </p:sp>
-        <p:sp>
-          <p:nvSpPr>
-            <p:cNvPr id="43" name="tx43"/>
-            <p:cNvSpPr/>
-            <p:nvPr/>
-          </p:nvSpPr>
-          <p:spPr>
-            <a:xfrm>
-              <a:off x="5392020" y="2985134"/>
-              <a:ext cx="289291" cy="109040"/>
-            </a:xfrm>
-            <a:prstGeom prst="rect">
-              <a:avLst/>
-            </a:prstGeom>
-            <a:noFill/>
-          </p:spPr>
-          <p:txBody>
-            <a:bodyPr lIns="0" rIns="0" tIns="0" bIns="0" anchorCtr="1" anchor="ctr" wrap="none"/>
-            <a:lstStyle/>
-            <a:p>
-              <a:pPr algn="l" marL="0" marR="0" indent="0">
-                <a:lnSpc>
-                  <a:spcPts val="1138"/>
-                </a:lnSpc>
-                <a:spcBef>
-                  <a:spcPts val="0"/>
-                </a:spcBef>
-                <a:spcAft>
-                  <a:spcPts val="0"/>
-                </a:spcAft>
-              </a:pPr>
-              <a:r>
-                <a:rPr sz="1138">
-                  <a:solidFill>
-                    <a:srgbClr val="FFFFFF">
-                      <a:alpha val="100000"/>
-                    </a:srgbClr>
-                  </a:solidFill>
-                  <a:latin typeface="Arial"/>
-                  <a:cs typeface="Arial"/>
-                </a:rPr>
-                <a:t>19%</a:t>
-              </a:r>
-            </a:p>
-          </p:txBody>
-        </p:sp>
-        <p:sp>
-          <p:nvSpPr>
-            <p:cNvPr id="44" name="tx44"/>
-            <p:cNvSpPr/>
-            <p:nvPr/>
-          </p:nvSpPr>
-          <p:spPr>
-            <a:xfrm>
-              <a:off x="5599831" y="4199011"/>
-              <a:ext cx="409835" cy="109040"/>
-            </a:xfrm>
-            <a:prstGeom prst="rect">
-              <a:avLst/>
-            </a:prstGeom>
-            <a:noFill/>
-          </p:spPr>
-          <p:txBody>
-            <a:bodyPr lIns="0" rIns="0" tIns="0" bIns="0" anchorCtr="1" anchor="ctr" wrap="none"/>
-            <a:lstStyle/>
-            <a:p>
-              <a:pPr algn="l" marL="0" marR="0" indent="0">
-                <a:lnSpc>
-                  <a:spcPts val="1138"/>
-                </a:lnSpc>
-                <a:spcBef>
-                  <a:spcPts val="0"/>
-                </a:spcBef>
-                <a:spcAft>
-                  <a:spcPts val="0"/>
-                </a:spcAft>
-              </a:pPr>
-              <a:r>
-                <a:rPr sz="1138">
-                  <a:solidFill>
-                    <a:srgbClr val="FFFFFF">
-                      <a:alpha val="100000"/>
-                    </a:srgbClr>
-                  </a:solidFill>
-                  <a:latin typeface="Arial"/>
-                  <a:cs typeface="Arial"/>
-                </a:rPr>
-                <a:t>29.3%</a:t>
-              </a:r>
-            </a:p>
-          </p:txBody>
-        </p:sp>
-        <p:sp>
-          <p:nvSpPr>
-            <p:cNvPr id="45" name="tx45"/>
-            <p:cNvSpPr/>
-            <p:nvPr/>
-          </p:nvSpPr>
-          <p:spPr>
-            <a:xfrm>
-              <a:off x="3921812" y="3783247"/>
-              <a:ext cx="409835" cy="109040"/>
-            </a:xfrm>
-            <a:prstGeom prst="rect">
-              <a:avLst/>
-            </a:prstGeom>
-            <a:noFill/>
-          </p:spPr>
-          <p:txBody>
-            <a:bodyPr lIns="0" rIns="0" tIns="0" bIns="0" anchorCtr="1" anchor="ctr" wrap="none"/>
-            <a:lstStyle/>
-            <a:p>
-              <a:pPr algn="l" marL="0" marR="0" indent="0">
-                <a:lnSpc>
-                  <a:spcPts val="1138"/>
-                </a:lnSpc>
-                <a:spcBef>
-                  <a:spcPts val="0"/>
-                </a:spcBef>
-                <a:spcAft>
-                  <a:spcPts val="0"/>
-                </a:spcAft>
-              </a:pPr>
-              <a:r>
-                <a:rPr sz="1138">
-                  <a:solidFill>
-                    <a:srgbClr val="FFFFFF">
-                      <a:alpha val="100000"/>
-                    </a:srgbClr>
-                  </a:solidFill>
-                  <a:latin typeface="Arial"/>
-                  <a:cs typeface="Arial"/>
-                </a:rPr>
-                <a:t>51.7%</a:t>
-              </a:r>
-            </a:p>
-          </p:txBody>
-        </p:sp>
-        <p:sp>
-          <p:nvSpPr>
-            <p:cNvPr id="46" name="tx46"/>
-            <p:cNvSpPr/>
-            <p:nvPr/>
-          </p:nvSpPr>
-          <p:spPr>
-            <a:xfrm>
-              <a:off x="5395377" y="2982891"/>
-              <a:ext cx="289291" cy="109040"/>
-            </a:xfrm>
-            <a:prstGeom prst="rect">
-              <a:avLst/>
-            </a:prstGeom>
-            <a:noFill/>
-          </p:spPr>
-          <p:txBody>
-            <a:bodyPr lIns="0" rIns="0" tIns="0" bIns="0" anchorCtr="1" anchor="ctr" wrap="none"/>
-            <a:lstStyle/>
-            <a:p>
-              <a:pPr algn="l" marL="0" marR="0" indent="0">
-                <a:lnSpc>
-                  <a:spcPts val="1138"/>
-                </a:lnSpc>
-                <a:spcBef>
-                  <a:spcPts val="0"/>
-                </a:spcBef>
-                <a:spcAft>
-                  <a:spcPts val="0"/>
-                </a:spcAft>
-              </a:pPr>
-              <a:r>
-                <a:rPr sz="1138">
-                  <a:solidFill>
-                    <a:srgbClr val="FFFFFF">
-                      <a:alpha val="100000"/>
-                    </a:srgbClr>
-                  </a:solidFill>
-                  <a:latin typeface="Arial"/>
-                  <a:cs typeface="Arial"/>
-                </a:rPr>
-                <a:t>19%</a:t>
-              </a:r>
-            </a:p>
-          </p:txBody>
-        </p:sp>
-        <p:sp>
-          <p:nvSpPr>
-            <p:cNvPr id="47" name="tx47"/>
-            <p:cNvSpPr/>
-            <p:nvPr/>
-          </p:nvSpPr>
-          <p:spPr>
-            <a:xfrm>
-              <a:off x="5603187" y="4196768"/>
-              <a:ext cx="409835" cy="109040"/>
-            </a:xfrm>
-            <a:prstGeom prst="rect">
-              <a:avLst/>
-            </a:prstGeom>
-            <a:noFill/>
-          </p:spPr>
-          <p:txBody>
-            <a:bodyPr lIns="0" rIns="0" tIns="0" bIns="0" anchorCtr="1" anchor="ctr" wrap="none"/>
-            <a:lstStyle/>
-            <a:p>
-              <a:pPr algn="l" marL="0" marR="0" indent="0">
-                <a:lnSpc>
-                  <a:spcPts val="1138"/>
-                </a:lnSpc>
-                <a:spcBef>
-                  <a:spcPts val="0"/>
-                </a:spcBef>
-                <a:spcAft>
-                  <a:spcPts val="0"/>
-                </a:spcAft>
-              </a:pPr>
-              <a:r>
-                <a:rPr sz="1138">
-                  <a:solidFill>
-                    <a:srgbClr val="FFFFFF">
-                      <a:alpha val="100000"/>
-                    </a:srgbClr>
-                  </a:solidFill>
-                  <a:latin typeface="Arial"/>
-                  <a:cs typeface="Arial"/>
-                </a:rPr>
-                <a:t>29.3%</a:t>
-              </a:r>
-            </a:p>
-          </p:txBody>
-        </p:sp>
-        <p:sp>
-          <p:nvSpPr>
-            <p:cNvPr id="48" name="tx48"/>
-            <p:cNvSpPr/>
-            <p:nvPr/>
-          </p:nvSpPr>
-          <p:spPr>
-            <a:xfrm>
-              <a:off x="3925169" y="3781004"/>
-              <a:ext cx="409835" cy="109040"/>
-            </a:xfrm>
-            <a:prstGeom prst="rect">
-              <a:avLst/>
-            </a:prstGeom>
-            <a:noFill/>
-          </p:spPr>
-          <p:txBody>
-            <a:bodyPr lIns="0" rIns="0" tIns="0" bIns="0" anchorCtr="1" anchor="ctr" wrap="none"/>
-            <a:lstStyle/>
-            <a:p>
-              <a:pPr algn="l" marL="0" marR="0" indent="0">
-                <a:lnSpc>
-                  <a:spcPts val="1138"/>
-                </a:lnSpc>
-                <a:spcBef>
-                  <a:spcPts val="0"/>
-                </a:spcBef>
-                <a:spcAft>
-                  <a:spcPts val="0"/>
-                </a:spcAft>
-              </a:pPr>
-              <a:r>
-                <a:rPr sz="1138">
-                  <a:solidFill>
-                    <a:srgbClr val="FFFFFF">
-                      <a:alpha val="100000"/>
-                    </a:srgbClr>
-                  </a:solidFill>
-                  <a:latin typeface="Arial"/>
-                  <a:cs typeface="Arial"/>
-                </a:rPr>
-                <a:t>51.7%</a:t>
-              </a:r>
-            </a:p>
-          </p:txBody>
-        </p:sp>
-        <p:sp>
-          <p:nvSpPr>
-            <p:cNvPr id="49" name="tx49"/>
-            <p:cNvSpPr/>
-            <p:nvPr/>
-          </p:nvSpPr>
-          <p:spPr>
-            <a:xfrm>
-              <a:off x="5397619" y="2979534"/>
-              <a:ext cx="289291" cy="109040"/>
-            </a:xfrm>
-            <a:prstGeom prst="rect">
-              <a:avLst/>
-            </a:prstGeom>
-            <a:noFill/>
-          </p:spPr>
-          <p:txBody>
-            <a:bodyPr lIns="0" rIns="0" tIns="0" bIns="0" anchorCtr="1" anchor="ctr" wrap="none"/>
-            <a:lstStyle/>
-            <a:p>
-              <a:pPr algn="l" marL="0" marR="0" indent="0">
-                <a:lnSpc>
-                  <a:spcPts val="1138"/>
-                </a:lnSpc>
-                <a:spcBef>
-                  <a:spcPts val="0"/>
-                </a:spcBef>
-                <a:spcAft>
-                  <a:spcPts val="0"/>
-                </a:spcAft>
-              </a:pPr>
-              <a:r>
-                <a:rPr sz="1138">
-                  <a:solidFill>
-                    <a:srgbClr val="FFFFFF">
-                      <a:alpha val="100000"/>
-                    </a:srgbClr>
-                  </a:solidFill>
-                  <a:latin typeface="Arial"/>
-                  <a:cs typeface="Arial"/>
-                </a:rPr>
-                <a:t>19%</a:t>
-              </a:r>
-            </a:p>
-          </p:txBody>
-        </p:sp>
-        <p:sp>
-          <p:nvSpPr>
-            <p:cNvPr id="50" name="tx50"/>
-            <p:cNvSpPr/>
-            <p:nvPr/>
-          </p:nvSpPr>
-          <p:spPr>
-            <a:xfrm>
-              <a:off x="5605430" y="4193411"/>
-              <a:ext cx="409835" cy="109040"/>
-            </a:xfrm>
-            <a:prstGeom prst="rect">
-              <a:avLst/>
-            </a:prstGeom>
-            <a:noFill/>
-          </p:spPr>
-          <p:txBody>
-            <a:bodyPr lIns="0" rIns="0" tIns="0" bIns="0" anchorCtr="1" anchor="ctr" wrap="none"/>
-            <a:lstStyle/>
-            <a:p>
-              <a:pPr algn="l" marL="0" marR="0" indent="0">
-                <a:lnSpc>
-                  <a:spcPts val="1138"/>
-                </a:lnSpc>
-                <a:spcBef>
-                  <a:spcPts val="0"/>
-                </a:spcBef>
-                <a:spcAft>
-                  <a:spcPts val="0"/>
-                </a:spcAft>
-              </a:pPr>
-              <a:r>
-                <a:rPr sz="1138">
-                  <a:solidFill>
-                    <a:srgbClr val="FFFFFF">
-                      <a:alpha val="100000"/>
-                    </a:srgbClr>
-                  </a:solidFill>
-                  <a:latin typeface="Arial"/>
-                  <a:cs typeface="Arial"/>
-                </a:rPr>
-                <a:t>29.3%</a:t>
-              </a:r>
-            </a:p>
-          </p:txBody>
-        </p:sp>
-        <p:sp>
-          <p:nvSpPr>
-            <p:cNvPr id="51" name="tx51"/>
-            <p:cNvSpPr/>
-            <p:nvPr/>
-          </p:nvSpPr>
-          <p:spPr>
-            <a:xfrm>
-              <a:off x="3927411" y="3777647"/>
-              <a:ext cx="409835" cy="109040"/>
-            </a:xfrm>
-            <a:prstGeom prst="rect">
-              <a:avLst/>
-            </a:prstGeom>
-            <a:noFill/>
-          </p:spPr>
-          <p:txBody>
-            <a:bodyPr lIns="0" rIns="0" tIns="0" bIns="0" anchorCtr="1" anchor="ctr" wrap="none"/>
-            <a:lstStyle/>
-            <a:p>
-              <a:pPr algn="l" marL="0" marR="0" indent="0">
-                <a:lnSpc>
-                  <a:spcPts val="1138"/>
-                </a:lnSpc>
-                <a:spcBef>
-                  <a:spcPts val="0"/>
-                </a:spcBef>
-                <a:spcAft>
-                  <a:spcPts val="0"/>
-                </a:spcAft>
-              </a:pPr>
-              <a:r>
-                <a:rPr sz="1138">
-                  <a:solidFill>
-                    <a:srgbClr val="FFFFFF">
-                      <a:alpha val="100000"/>
-                    </a:srgbClr>
-                  </a:solidFill>
-                  <a:latin typeface="Arial"/>
-                  <a:cs typeface="Arial"/>
-                </a:rPr>
-                <a:t>51.7%</a:t>
-              </a:r>
-            </a:p>
-          </p:txBody>
-        </p:sp>
-        <p:sp>
-          <p:nvSpPr>
-            <p:cNvPr id="52" name="tx52"/>
-            <p:cNvSpPr/>
-            <p:nvPr/>
-          </p:nvSpPr>
-          <p:spPr>
-            <a:xfrm>
-              <a:off x="5398407" y="2975575"/>
-              <a:ext cx="289291" cy="109040"/>
-            </a:xfrm>
-            <a:prstGeom prst="rect">
-              <a:avLst/>
-            </a:prstGeom>
-            <a:noFill/>
-          </p:spPr>
-          <p:txBody>
-            <a:bodyPr lIns="0" rIns="0" tIns="0" bIns="0" anchorCtr="1" anchor="ctr" wrap="none"/>
-            <a:lstStyle/>
-            <a:p>
-              <a:pPr algn="l" marL="0" marR="0" indent="0">
-                <a:lnSpc>
-                  <a:spcPts val="1138"/>
-                </a:lnSpc>
-                <a:spcBef>
-                  <a:spcPts val="0"/>
-                </a:spcBef>
-                <a:spcAft>
-                  <a:spcPts val="0"/>
-                </a:spcAft>
-              </a:pPr>
-              <a:r>
-                <a:rPr sz="1138">
-                  <a:solidFill>
-                    <a:srgbClr val="FFFFFF">
-                      <a:alpha val="100000"/>
-                    </a:srgbClr>
-                  </a:solidFill>
-                  <a:latin typeface="Arial"/>
-                  <a:cs typeface="Arial"/>
-                </a:rPr>
-                <a:t>19%</a:t>
-              </a:r>
-            </a:p>
-          </p:txBody>
-        </p:sp>
-        <p:sp>
-          <p:nvSpPr>
-            <p:cNvPr id="53" name="tx53"/>
-            <p:cNvSpPr/>
-            <p:nvPr/>
-          </p:nvSpPr>
-          <p:spPr>
-            <a:xfrm>
-              <a:off x="5606218" y="4189452"/>
-              <a:ext cx="409835" cy="109040"/>
-            </a:xfrm>
-            <a:prstGeom prst="rect">
-              <a:avLst/>
-            </a:prstGeom>
-            <a:noFill/>
-          </p:spPr>
-          <p:txBody>
-            <a:bodyPr lIns="0" rIns="0" tIns="0" bIns="0" anchorCtr="1" anchor="ctr" wrap="none"/>
-            <a:lstStyle/>
-            <a:p>
-              <a:pPr algn="l" marL="0" marR="0" indent="0">
-                <a:lnSpc>
-                  <a:spcPts val="1138"/>
-                </a:lnSpc>
-                <a:spcBef>
-                  <a:spcPts val="0"/>
-                </a:spcBef>
-                <a:spcAft>
-                  <a:spcPts val="0"/>
-                </a:spcAft>
-              </a:pPr>
-              <a:r>
-                <a:rPr sz="1138">
-                  <a:solidFill>
-                    <a:srgbClr val="FFFFFF">
-                      <a:alpha val="100000"/>
-                    </a:srgbClr>
-                  </a:solidFill>
-                  <a:latin typeface="Arial"/>
-                  <a:cs typeface="Arial"/>
-                </a:rPr>
-                <a:t>29.3%</a:t>
-              </a:r>
-            </a:p>
-          </p:txBody>
-        </p:sp>
-        <p:sp>
-          <p:nvSpPr>
-            <p:cNvPr id="54" name="tx54"/>
-            <p:cNvSpPr/>
-            <p:nvPr/>
-          </p:nvSpPr>
-          <p:spPr>
-            <a:xfrm>
-              <a:off x="3928199" y="3773688"/>
-              <a:ext cx="409835" cy="109040"/>
-            </a:xfrm>
-            <a:prstGeom prst="rect">
-              <a:avLst/>
-            </a:prstGeom>
-            <a:noFill/>
-          </p:spPr>
-          <p:txBody>
-            <a:bodyPr lIns="0" rIns="0" tIns="0" bIns="0" anchorCtr="1" anchor="ctr" wrap="none"/>
-            <a:lstStyle/>
-            <a:p>
-              <a:pPr algn="l" marL="0" marR="0" indent="0">
-                <a:lnSpc>
-                  <a:spcPts val="1138"/>
-                </a:lnSpc>
-                <a:spcBef>
-                  <a:spcPts val="0"/>
-                </a:spcBef>
-                <a:spcAft>
-                  <a:spcPts val="0"/>
-                </a:spcAft>
-              </a:pPr>
-              <a:r>
-                <a:rPr sz="1138">
-                  <a:solidFill>
-                    <a:srgbClr val="FFFFFF">
-                      <a:alpha val="100000"/>
-                    </a:srgbClr>
-                  </a:solidFill>
-                  <a:latin typeface="Arial"/>
-                  <a:cs typeface="Arial"/>
-                </a:rPr>
-                <a:t>51.7%</a:t>
-              </a:r>
-            </a:p>
-          </p:txBody>
-        </p:sp>
-        <p:sp>
-          <p:nvSpPr>
-            <p:cNvPr id="55" name="tx55"/>
-            <p:cNvSpPr/>
-            <p:nvPr/>
-          </p:nvSpPr>
-          <p:spPr>
-            <a:xfrm>
-              <a:off x="5388061" y="2975575"/>
-              <a:ext cx="289291" cy="109040"/>
-            </a:xfrm>
-            <a:prstGeom prst="rect">
-              <a:avLst/>
-            </a:prstGeom>
-            <a:noFill/>
-          </p:spPr>
-          <p:txBody>
-            <a:bodyPr lIns="0" rIns="0" tIns="0" bIns="0" anchorCtr="1" anchor="ctr" wrap="none"/>
-            <a:lstStyle/>
-            <a:p>
-              <a:pPr algn="l" marL="0" marR="0" indent="0">
-                <a:lnSpc>
-                  <a:spcPts val="1138"/>
-                </a:lnSpc>
-                <a:spcBef>
-                  <a:spcPts val="0"/>
-                </a:spcBef>
-                <a:spcAft>
-                  <a:spcPts val="0"/>
-                </a:spcAft>
-              </a:pPr>
-              <a:r>
-                <a:rPr sz="1138">
-                  <a:solidFill>
-                    <a:srgbClr val="619CFF">
-                      <a:alpha val="100000"/>
-                    </a:srgbClr>
-                  </a:solidFill>
-                  <a:latin typeface="Arial"/>
-                  <a:cs typeface="Arial"/>
-                </a:rPr>
-                <a:t>19%</a:t>
-              </a:r>
-            </a:p>
-          </p:txBody>
-        </p:sp>
-        <p:sp>
-          <p:nvSpPr>
-            <p:cNvPr id="56" name="tx56"/>
-            <p:cNvSpPr/>
-            <p:nvPr/>
-          </p:nvSpPr>
-          <p:spPr>
-            <a:xfrm>
-              <a:off x="5595871" y="4189452"/>
-              <a:ext cx="409835" cy="109040"/>
-            </a:xfrm>
-            <a:prstGeom prst="rect">
-              <a:avLst/>
-            </a:prstGeom>
-            <a:noFill/>
-          </p:spPr>
-          <p:txBody>
-            <a:bodyPr lIns="0" rIns="0" tIns="0" bIns="0" anchorCtr="1" anchor="ctr" wrap="none"/>
-            <a:lstStyle/>
-            <a:p>
-              <a:pPr algn="l" marL="0" marR="0" indent="0">
-                <a:lnSpc>
-                  <a:spcPts val="1138"/>
-                </a:lnSpc>
-                <a:spcBef>
-                  <a:spcPts val="0"/>
-                </a:spcBef>
-                <a:spcAft>
-                  <a:spcPts val="0"/>
-                </a:spcAft>
-              </a:pPr>
-              <a:r>
-                <a:rPr sz="1138">
-                  <a:solidFill>
-                    <a:srgbClr val="00BA38">
-                      <a:alpha val="100000"/>
-                    </a:srgbClr>
-                  </a:solidFill>
-                  <a:latin typeface="Arial"/>
-                  <a:cs typeface="Arial"/>
-                </a:rPr>
-                <a:t>29.3%</a:t>
-              </a:r>
-            </a:p>
-          </p:txBody>
-        </p:sp>
-        <p:sp>
-          <p:nvSpPr>
-            <p:cNvPr id="57" name="tx57"/>
-            <p:cNvSpPr/>
-            <p:nvPr/>
-          </p:nvSpPr>
-          <p:spPr>
-            <a:xfrm>
-              <a:off x="3917852" y="3773688"/>
-              <a:ext cx="409835" cy="109040"/>
-            </a:xfrm>
-            <a:prstGeom prst="rect">
-              <a:avLst/>
-            </a:prstGeom>
-            <a:noFill/>
-          </p:spPr>
-          <p:txBody>
-            <a:bodyPr lIns="0" rIns="0" tIns="0" bIns="0" anchorCtr="1" anchor="ctr" wrap="none"/>
-            <a:lstStyle/>
-            <a:p>
-              <a:pPr algn="l" marL="0" marR="0" indent="0">
-                <a:lnSpc>
-                  <a:spcPts val="1138"/>
-                </a:lnSpc>
-                <a:spcBef>
-                  <a:spcPts val="0"/>
-                </a:spcBef>
-                <a:spcAft>
-                  <a:spcPts val="0"/>
-                </a:spcAft>
-              </a:pPr>
-              <a:r>
-                <a:rPr sz="1138">
-                  <a:solidFill>
-                    <a:srgbClr val="F8766D">
-                      <a:alpha val="100000"/>
-                    </a:srgbClr>
-                  </a:solidFill>
-                  <a:latin typeface="Arial"/>
-                  <a:cs typeface="Arial"/>
-                </a:rPr>
-                <a:t>51.7%</a:t>
-              </a:r>
-            </a:p>
-          </p:txBody>
-        </p:sp>
-        <p:sp>
-          <p:nvSpPr>
-            <p:cNvPr id="58" name="rc58"/>
-            <p:cNvSpPr/>
-            <p:nvPr/>
-          </p:nvSpPr>
-          <p:spPr>
-            <a:xfrm>
-              <a:off x="7366966" y="3561554"/>
-              <a:ext cx="201455" cy="201456"/>
-            </a:xfrm>
-            <a:prstGeom prst="rect">
-              <a:avLst/>
-            </a:prstGeom>
-            <a:solidFill>
-              <a:srgbClr val="619CFF">
-                <a:alpha val="100000"/>
-              </a:srgbClr>
-            </a:solidFill>
-            <a:ln w="13550" cap="sq">
+            <p:cNvPr id="105" name="pl105"/>
+            <p:cNvSpPr/>
+            <p:nvPr/>
+          </p:nvSpPr>
+          <p:spPr>
+            <a:xfrm>
+              <a:off x="2183149" y="4907120"/>
+              <a:ext cx="34794" cy="0"/>
+            </a:xfrm>
+            <a:custGeom>
+              <a:avLst/>
+              <a:pathLst>
+                <a:path w="34794" h="0">
+                  <a:moveTo>
+                    <a:pt x="0" y="0"/>
+                  </a:moveTo>
+                  <a:lnTo>
+                    <a:pt x="34794" y="0"/>
+                  </a:lnTo>
+                </a:path>
+              </a:pathLst>
+            </a:custGeom>
+            <a:ln w="13550" cap="flat">
               <a:solidFill>
-                <a:srgbClr val="FFFFFF">
+                <a:srgbClr val="333333">
                   <a:alpha val="100000"/>
                 </a:srgbClr>
               </a:solidFill>
               <a:prstDash val="solid"/>
-              <a:miter/>
+              <a:round/>
             </a:ln>
           </p:spPr>
           <p:txBody>
@@ -6729,31 +7013,36 @@
         </p:sp>
         <p:sp>
           <p:nvSpPr>
-            <p:cNvPr id="59" name="rc59"/>
-            <p:cNvSpPr/>
-            <p:nvPr/>
-          </p:nvSpPr>
-          <p:spPr>
-            <a:xfrm>
-              <a:off x="7366966" y="3781010"/>
-              <a:ext cx="201455" cy="201456"/>
-            </a:xfrm>
-            <a:prstGeom prst="rect">
-              <a:avLst/>
-            </a:prstGeom>
-            <a:solidFill>
-              <a:srgbClr val="00BA38">
-                <a:alpha val="100000"/>
-              </a:srgbClr>
-            </a:solidFill>
-            <a:ln w="13550" cap="sq">
+            <p:cNvPr id="106" name="pl106"/>
+            <p:cNvSpPr/>
+            <p:nvPr/>
+          </p:nvSpPr>
+          <p:spPr>
+            <a:xfrm>
+              <a:off x="2183149" y="3967800"/>
+              <a:ext cx="34794" cy="0"/>
+            </a:xfrm>
+            <a:custGeom>
+              <a:avLst/>
+              <a:pathLst>
+                <a:path w="34794" h="0">
+                  <a:moveTo>
+                    <a:pt x="0" y="0"/>
+                  </a:moveTo>
+                  <a:lnTo>
+                    <a:pt x="34794" y="0"/>
+                  </a:lnTo>
+                </a:path>
+              </a:pathLst>
+            </a:custGeom>
+            <a:ln w="13550" cap="flat">
               <a:solidFill>
-                <a:srgbClr val="FFFFFF">
+                <a:srgbClr val="333333">
                   <a:alpha val="100000"/>
                 </a:srgbClr>
               </a:solidFill>
               <a:prstDash val="solid"/>
-              <a:miter/>
+              <a:round/>
             </a:ln>
           </p:spPr>
           <p:txBody>
@@ -6764,31 +7053,36 @@
         </p:sp>
         <p:sp>
           <p:nvSpPr>
-            <p:cNvPr id="60" name="rc60"/>
-            <p:cNvSpPr/>
-            <p:nvPr/>
-          </p:nvSpPr>
-          <p:spPr>
-            <a:xfrm>
-              <a:off x="7366966" y="4000466"/>
-              <a:ext cx="201455" cy="201456"/>
-            </a:xfrm>
-            <a:prstGeom prst="rect">
-              <a:avLst/>
-            </a:prstGeom>
-            <a:solidFill>
-              <a:srgbClr val="F8766D">
-                <a:alpha val="100000"/>
-              </a:srgbClr>
-            </a:solidFill>
-            <a:ln w="13550" cap="sq">
+            <p:cNvPr id="107" name="pl107"/>
+            <p:cNvSpPr/>
+            <p:nvPr/>
+          </p:nvSpPr>
+          <p:spPr>
+            <a:xfrm>
+              <a:off x="2183149" y="3028481"/>
+              <a:ext cx="34794" cy="0"/>
+            </a:xfrm>
+            <a:custGeom>
+              <a:avLst/>
+              <a:pathLst>
+                <a:path w="34794" h="0">
+                  <a:moveTo>
+                    <a:pt x="0" y="0"/>
+                  </a:moveTo>
+                  <a:lnTo>
+                    <a:pt x="34794" y="0"/>
+                  </a:lnTo>
+                </a:path>
+              </a:pathLst>
+            </a:custGeom>
+            <a:ln w="13550" cap="flat">
               <a:solidFill>
-                <a:srgbClr val="FFFFFF">
+                <a:srgbClr val="333333">
                   <a:alpha val="100000"/>
                 </a:srgbClr>
               </a:solidFill>
               <a:prstDash val="solid"/>
-              <a:miter/>
+              <a:round/>
             </a:ln>
           </p:spPr>
           <p:txBody>
@@ -6799,14 +7093,444 @@
         </p:sp>
         <p:sp>
           <p:nvSpPr>
-            <p:cNvPr id="61" name="tx61"/>
-            <p:cNvSpPr/>
-            <p:nvPr/>
-          </p:nvSpPr>
-          <p:spPr>
-            <a:xfrm>
-              <a:off x="7647011" y="3632432"/>
-              <a:ext cx="251460" cy="69850"/>
+            <p:cNvPr id="108" name="pl108"/>
+            <p:cNvSpPr/>
+            <p:nvPr/>
+          </p:nvSpPr>
+          <p:spPr>
+            <a:xfrm>
+              <a:off x="2183149" y="2089162"/>
+              <a:ext cx="34794" cy="0"/>
+            </a:xfrm>
+            <a:custGeom>
+              <a:avLst/>
+              <a:pathLst>
+                <a:path w="34794" h="0">
+                  <a:moveTo>
+                    <a:pt x="0" y="0"/>
+                  </a:moveTo>
+                  <a:lnTo>
+                    <a:pt x="34794" y="0"/>
+                  </a:lnTo>
+                </a:path>
+              </a:pathLst>
+            </a:custGeom>
+            <a:ln w="13550" cap="flat">
+              <a:solidFill>
+                <a:srgbClr val="333333">
+                  <a:alpha val="100000"/>
+                </a:srgbClr>
+              </a:solidFill>
+              <a:prstDash val="solid"/>
+              <a:round/>
+            </a:ln>
+          </p:spPr>
+          <p:txBody>
+            <a:bodyPr/>
+            <a:lstStyle/>
+            <a:p/>
+          </p:txBody>
+        </p:sp>
+        <p:sp>
+          <p:nvSpPr>
+            <p:cNvPr id="109" name="rc109"/>
+            <p:cNvSpPr/>
+            <p:nvPr/>
+          </p:nvSpPr>
+          <p:spPr>
+            <a:xfrm>
+              <a:off x="3735671" y="5394142"/>
+              <a:ext cx="3683692" cy="578090"/>
+            </a:xfrm>
+            <a:prstGeom prst="rect">
+              <a:avLst/>
+            </a:prstGeom>
+            <a:solidFill>
+              <a:srgbClr val="FFFFFF">
+                <a:alpha val="100000"/>
+              </a:srgbClr>
+            </a:solidFill>
+          </p:spPr>
+          <p:txBody>
+            <a:bodyPr/>
+            <a:lstStyle/>
+            <a:p/>
+          </p:txBody>
+        </p:sp>
+        <p:sp>
+          <p:nvSpPr>
+            <p:cNvPr id="110" name="rc110"/>
+            <p:cNvSpPr/>
+            <p:nvPr/>
+          </p:nvSpPr>
+          <p:spPr>
+            <a:xfrm>
+              <a:off x="3874849" y="5463731"/>
+              <a:ext cx="219456" cy="219455"/>
+            </a:xfrm>
+            <a:prstGeom prst="rect">
+              <a:avLst/>
+            </a:prstGeom>
+            <a:solidFill>
+              <a:srgbClr val="FFFFFF">
+                <a:alpha val="100000"/>
+              </a:srgbClr>
+            </a:solidFill>
+          </p:spPr>
+          <p:txBody>
+            <a:bodyPr/>
+            <a:lstStyle/>
+            <a:p/>
+          </p:txBody>
+        </p:sp>
+        <p:sp>
+          <p:nvSpPr>
+            <p:cNvPr id="111" name="rc111"/>
+            <p:cNvSpPr/>
+            <p:nvPr/>
+          </p:nvSpPr>
+          <p:spPr>
+            <a:xfrm>
+              <a:off x="3883849" y="5472731"/>
+              <a:ext cx="201455" cy="201456"/>
+            </a:xfrm>
+            <a:prstGeom prst="rect">
+              <a:avLst/>
+            </a:prstGeom>
+            <a:solidFill>
+              <a:srgbClr val="FEE5D9">
+                <a:alpha val="100000"/>
+              </a:srgbClr>
+            </a:solidFill>
+          </p:spPr>
+          <p:txBody>
+            <a:bodyPr/>
+            <a:lstStyle/>
+            <a:p/>
+          </p:txBody>
+        </p:sp>
+        <p:sp>
+          <p:nvSpPr>
+            <p:cNvPr id="112" name="rc112"/>
+            <p:cNvSpPr/>
+            <p:nvPr/>
+          </p:nvSpPr>
+          <p:spPr>
+            <a:xfrm>
+              <a:off x="3874849" y="5683187"/>
+              <a:ext cx="219456" cy="219455"/>
+            </a:xfrm>
+            <a:prstGeom prst="rect">
+              <a:avLst/>
+            </a:prstGeom>
+            <a:solidFill>
+              <a:srgbClr val="FFFFFF">
+                <a:alpha val="100000"/>
+              </a:srgbClr>
+            </a:solidFill>
+          </p:spPr>
+          <p:txBody>
+            <a:bodyPr/>
+            <a:lstStyle/>
+            <a:p/>
+          </p:txBody>
+        </p:sp>
+        <p:sp>
+          <p:nvSpPr>
+            <p:cNvPr id="113" name="rc113"/>
+            <p:cNvSpPr/>
+            <p:nvPr/>
+          </p:nvSpPr>
+          <p:spPr>
+            <a:xfrm>
+              <a:off x="3883849" y="5692187"/>
+              <a:ext cx="201455" cy="201456"/>
+            </a:xfrm>
+            <a:prstGeom prst="rect">
+              <a:avLst/>
+            </a:prstGeom>
+            <a:solidFill>
+              <a:srgbClr val="FCBBA1">
+                <a:alpha val="100000"/>
+              </a:srgbClr>
+            </a:solidFill>
+          </p:spPr>
+          <p:txBody>
+            <a:bodyPr/>
+            <a:lstStyle/>
+            <a:p/>
+          </p:txBody>
+        </p:sp>
+        <p:sp>
+          <p:nvSpPr>
+            <p:cNvPr id="114" name="rc114"/>
+            <p:cNvSpPr/>
+            <p:nvPr/>
+          </p:nvSpPr>
+          <p:spPr>
+            <a:xfrm>
+              <a:off x="4649764" y="5463731"/>
+              <a:ext cx="219455" cy="219455"/>
+            </a:xfrm>
+            <a:prstGeom prst="rect">
+              <a:avLst/>
+            </a:prstGeom>
+            <a:solidFill>
+              <a:srgbClr val="FFFFFF">
+                <a:alpha val="100000"/>
+              </a:srgbClr>
+            </a:solidFill>
+          </p:spPr>
+          <p:txBody>
+            <a:bodyPr/>
+            <a:lstStyle/>
+            <a:p/>
+          </p:txBody>
+        </p:sp>
+        <p:sp>
+          <p:nvSpPr>
+            <p:cNvPr id="115" name="rc115"/>
+            <p:cNvSpPr/>
+            <p:nvPr/>
+          </p:nvSpPr>
+          <p:spPr>
+            <a:xfrm>
+              <a:off x="4658764" y="5472731"/>
+              <a:ext cx="201456" cy="201456"/>
+            </a:xfrm>
+            <a:prstGeom prst="rect">
+              <a:avLst/>
+            </a:prstGeom>
+            <a:solidFill>
+              <a:srgbClr val="FC9272">
+                <a:alpha val="100000"/>
+              </a:srgbClr>
+            </a:solidFill>
+          </p:spPr>
+          <p:txBody>
+            <a:bodyPr/>
+            <a:lstStyle/>
+            <a:p/>
+          </p:txBody>
+        </p:sp>
+        <p:sp>
+          <p:nvSpPr>
+            <p:cNvPr id="116" name="rc116"/>
+            <p:cNvSpPr/>
+            <p:nvPr/>
+          </p:nvSpPr>
+          <p:spPr>
+            <a:xfrm>
+              <a:off x="4649764" y="5683187"/>
+              <a:ext cx="219455" cy="219455"/>
+            </a:xfrm>
+            <a:prstGeom prst="rect">
+              <a:avLst/>
+            </a:prstGeom>
+            <a:solidFill>
+              <a:srgbClr val="FFFFFF">
+                <a:alpha val="100000"/>
+              </a:srgbClr>
+            </a:solidFill>
+          </p:spPr>
+          <p:txBody>
+            <a:bodyPr/>
+            <a:lstStyle/>
+            <a:p/>
+          </p:txBody>
+        </p:sp>
+        <p:sp>
+          <p:nvSpPr>
+            <p:cNvPr id="117" name="rc117"/>
+            <p:cNvSpPr/>
+            <p:nvPr/>
+          </p:nvSpPr>
+          <p:spPr>
+            <a:xfrm>
+              <a:off x="4658764" y="5692187"/>
+              <a:ext cx="201456" cy="201456"/>
+            </a:xfrm>
+            <a:prstGeom prst="rect">
+              <a:avLst/>
+            </a:prstGeom>
+            <a:solidFill>
+              <a:srgbClr val="FB6A4A">
+                <a:alpha val="100000"/>
+              </a:srgbClr>
+            </a:solidFill>
+          </p:spPr>
+          <p:txBody>
+            <a:bodyPr/>
+            <a:lstStyle/>
+            <a:p/>
+          </p:txBody>
+        </p:sp>
+        <p:sp>
+          <p:nvSpPr>
+            <p:cNvPr id="118" name="rc118"/>
+            <p:cNvSpPr/>
+            <p:nvPr/>
+          </p:nvSpPr>
+          <p:spPr>
+            <a:xfrm>
+              <a:off x="5551780" y="5463731"/>
+              <a:ext cx="219455" cy="219455"/>
+            </a:xfrm>
+            <a:prstGeom prst="rect">
+              <a:avLst/>
+            </a:prstGeom>
+            <a:solidFill>
+              <a:srgbClr val="FFFFFF">
+                <a:alpha val="100000"/>
+              </a:srgbClr>
+            </a:solidFill>
+          </p:spPr>
+          <p:txBody>
+            <a:bodyPr/>
+            <a:lstStyle/>
+            <a:p/>
+          </p:txBody>
+        </p:sp>
+        <p:sp>
+          <p:nvSpPr>
+            <p:cNvPr id="119" name="rc119"/>
+            <p:cNvSpPr/>
+            <p:nvPr/>
+          </p:nvSpPr>
+          <p:spPr>
+            <a:xfrm>
+              <a:off x="5560780" y="5472731"/>
+              <a:ext cx="201456" cy="201456"/>
+            </a:xfrm>
+            <a:prstGeom prst="rect">
+              <a:avLst/>
+            </a:prstGeom>
+            <a:solidFill>
+              <a:srgbClr val="EF3B2C">
+                <a:alpha val="100000"/>
+              </a:srgbClr>
+            </a:solidFill>
+          </p:spPr>
+          <p:txBody>
+            <a:bodyPr/>
+            <a:lstStyle/>
+            <a:p/>
+          </p:txBody>
+        </p:sp>
+        <p:sp>
+          <p:nvSpPr>
+            <p:cNvPr id="120" name="rc120"/>
+            <p:cNvSpPr/>
+            <p:nvPr/>
+          </p:nvSpPr>
+          <p:spPr>
+            <a:xfrm>
+              <a:off x="5551780" y="5683187"/>
+              <a:ext cx="219455" cy="219455"/>
+            </a:xfrm>
+            <a:prstGeom prst="rect">
+              <a:avLst/>
+            </a:prstGeom>
+            <a:solidFill>
+              <a:srgbClr val="FFFFFF">
+                <a:alpha val="100000"/>
+              </a:srgbClr>
+            </a:solidFill>
+          </p:spPr>
+          <p:txBody>
+            <a:bodyPr/>
+            <a:lstStyle/>
+            <a:p/>
+          </p:txBody>
+        </p:sp>
+        <p:sp>
+          <p:nvSpPr>
+            <p:cNvPr id="121" name="rc121"/>
+            <p:cNvSpPr/>
+            <p:nvPr/>
+          </p:nvSpPr>
+          <p:spPr>
+            <a:xfrm>
+              <a:off x="5560780" y="5692187"/>
+              <a:ext cx="201456" cy="201456"/>
+            </a:xfrm>
+            <a:prstGeom prst="rect">
+              <a:avLst/>
+            </a:prstGeom>
+            <a:solidFill>
+              <a:srgbClr val="CB181D">
+                <a:alpha val="100000"/>
+              </a:srgbClr>
+            </a:solidFill>
+          </p:spPr>
+          <p:txBody>
+            <a:bodyPr/>
+            <a:lstStyle/>
+            <a:p/>
+          </p:txBody>
+        </p:sp>
+        <p:sp>
+          <p:nvSpPr>
+            <p:cNvPr id="122" name="rc122"/>
+            <p:cNvSpPr/>
+            <p:nvPr/>
+          </p:nvSpPr>
+          <p:spPr>
+            <a:xfrm>
+              <a:off x="6453797" y="5463731"/>
+              <a:ext cx="219456" cy="219455"/>
+            </a:xfrm>
+            <a:prstGeom prst="rect">
+              <a:avLst/>
+            </a:prstGeom>
+            <a:solidFill>
+              <a:srgbClr val="FFFFFF">
+                <a:alpha val="100000"/>
+              </a:srgbClr>
+            </a:solidFill>
+          </p:spPr>
+          <p:txBody>
+            <a:bodyPr/>
+            <a:lstStyle/>
+            <a:p/>
+          </p:txBody>
+        </p:sp>
+        <p:sp>
+          <p:nvSpPr>
+            <p:cNvPr id="123" name="rc123"/>
+            <p:cNvSpPr/>
+            <p:nvPr/>
+          </p:nvSpPr>
+          <p:spPr>
+            <a:xfrm>
+              <a:off x="6462797" y="5472731"/>
+              <a:ext cx="201456" cy="201456"/>
+            </a:xfrm>
+            <a:prstGeom prst="rect">
+              <a:avLst/>
+            </a:prstGeom>
+            <a:solidFill>
+              <a:srgbClr val="99000D">
+                <a:alpha val="100000"/>
+              </a:srgbClr>
+            </a:solidFill>
+          </p:spPr>
+          <p:txBody>
+            <a:bodyPr/>
+            <a:lstStyle/>
+            <a:p/>
+          </p:txBody>
+        </p:sp>
+        <p:sp>
+          <p:nvSpPr>
+            <p:cNvPr id="124" name="tx124"/>
+            <p:cNvSpPr/>
+            <p:nvPr/>
+          </p:nvSpPr>
+          <p:spPr>
+            <a:xfrm>
+              <a:off x="4163894" y="5531767"/>
+              <a:ext cx="269468" cy="81691"/>
             </a:xfrm>
             <a:prstGeom prst="rect">
               <a:avLst/>
@@ -6838,21 +7562,21 @@
                   <a:latin typeface="Arial"/>
                   <a:cs typeface="Arial"/>
                 </a:rPr>
-                <a:t>不清楚</a:t>
+                <a:t>≤10亿</a:t>
               </a:r>
             </a:p>
           </p:txBody>
         </p:sp>
         <p:sp>
           <p:nvSpPr>
-            <p:cNvPr id="62" name="tx62"/>
-            <p:cNvSpPr/>
-            <p:nvPr/>
-          </p:nvSpPr>
-          <p:spPr>
-            <a:xfrm>
-              <a:off x="7647011" y="3851888"/>
-              <a:ext cx="251460" cy="69850"/>
+            <p:cNvPr id="125" name="tx125"/>
+            <p:cNvSpPr/>
+            <p:nvPr/>
+          </p:nvSpPr>
+          <p:spPr>
+            <a:xfrm>
+              <a:off x="4163894" y="5751223"/>
+              <a:ext cx="393779" cy="81691"/>
             </a:xfrm>
             <a:prstGeom prst="rect">
               <a:avLst/>
@@ -6884,21 +7608,21 @@
                   <a:latin typeface="Arial"/>
                   <a:cs typeface="Arial"/>
                 </a:rPr>
-                <a:t>单菌株</a:t>
+                <a:t>≥1000亿</a:t>
               </a:r>
             </a:p>
           </p:txBody>
         </p:sp>
         <p:sp>
           <p:nvSpPr>
-            <p:cNvPr id="63" name="tx63"/>
-            <p:cNvSpPr/>
-            <p:nvPr/>
-          </p:nvSpPr>
-          <p:spPr>
-            <a:xfrm>
-              <a:off x="7647011" y="4071344"/>
-              <a:ext cx="251460" cy="69850"/>
+            <p:cNvPr id="126" name="tx126"/>
+            <p:cNvSpPr/>
+            <p:nvPr/>
+          </p:nvSpPr>
+          <p:spPr>
+            <a:xfrm>
+              <a:off x="4938809" y="5531767"/>
+              <a:ext cx="369659" cy="81691"/>
             </a:xfrm>
             <a:prstGeom prst="rect">
               <a:avLst/>
@@ -6930,7 +7654,191 @@
                   <a:latin typeface="Arial"/>
                   <a:cs typeface="Arial"/>
                 </a:rPr>
-                <a:t>多菌株</a:t>
+                <a:t>10-50亿</a:t>
+              </a:r>
+            </a:p>
+          </p:txBody>
+        </p:sp>
+        <p:sp>
+          <p:nvSpPr>
+            <p:cNvPr id="127" name="tx127"/>
+            <p:cNvSpPr/>
+            <p:nvPr/>
+          </p:nvSpPr>
+          <p:spPr>
+            <a:xfrm>
+              <a:off x="4938809" y="5751169"/>
+              <a:ext cx="493970" cy="81746"/>
+            </a:xfrm>
+            <a:prstGeom prst="rect">
+              <a:avLst/>
+            </a:prstGeom>
+            <a:noFill/>
+          </p:spPr>
+          <p:txBody>
+            <a:bodyPr lIns="0" rIns="0" tIns="0" bIns="0" anchorCtr="1" anchor="ctr" wrap="none"/>
+            <a:lstStyle/>
+            <a:p>
+              <a:pPr algn="l" marL="0" marR="0" indent="0">
+                <a:lnSpc>
+                  <a:spcPts val="880"/>
+                </a:lnSpc>
+                <a:spcBef>
+                  <a:spcPts val="0"/>
+                </a:spcBef>
+                <a:spcAft>
+                  <a:spcPts val="0"/>
+                </a:spcAft>
+              </a:pPr>
+              <a:r>
+                <a:rPr sz="880">
+                  <a:solidFill>
+                    <a:srgbClr val="000000">
+                      <a:alpha val="100000"/>
+                    </a:srgbClr>
+                  </a:solidFill>
+                  <a:latin typeface="Arial"/>
+                  <a:cs typeface="Arial"/>
+                </a:rPr>
+                <a:t>100-300亿</a:t>
+              </a:r>
+            </a:p>
+          </p:txBody>
+        </p:sp>
+        <p:sp>
+          <p:nvSpPr>
+            <p:cNvPr id="128" name="tx128"/>
+            <p:cNvSpPr/>
+            <p:nvPr/>
+          </p:nvSpPr>
+          <p:spPr>
+            <a:xfrm>
+              <a:off x="5840825" y="5531713"/>
+              <a:ext cx="493970" cy="81746"/>
+            </a:xfrm>
+            <a:prstGeom prst="rect">
+              <a:avLst/>
+            </a:prstGeom>
+            <a:noFill/>
+          </p:spPr>
+          <p:txBody>
+            <a:bodyPr lIns="0" rIns="0" tIns="0" bIns="0" anchorCtr="1" anchor="ctr" wrap="none"/>
+            <a:lstStyle/>
+            <a:p>
+              <a:pPr algn="l" marL="0" marR="0" indent="0">
+                <a:lnSpc>
+                  <a:spcPts val="880"/>
+                </a:lnSpc>
+                <a:spcBef>
+                  <a:spcPts val="0"/>
+                </a:spcBef>
+                <a:spcAft>
+                  <a:spcPts val="0"/>
+                </a:spcAft>
+              </a:pPr>
+              <a:r>
+                <a:rPr sz="880">
+                  <a:solidFill>
+                    <a:srgbClr val="000000">
+                      <a:alpha val="100000"/>
+                    </a:srgbClr>
+                  </a:solidFill>
+                  <a:latin typeface="Arial"/>
+                  <a:cs typeface="Arial"/>
+                </a:rPr>
+                <a:t>300-500亿</a:t>
+              </a:r>
+            </a:p>
+          </p:txBody>
+        </p:sp>
+        <p:sp>
+          <p:nvSpPr>
+            <p:cNvPr id="129" name="tx129"/>
+            <p:cNvSpPr/>
+            <p:nvPr/>
+          </p:nvSpPr>
+          <p:spPr>
+            <a:xfrm>
+              <a:off x="5840825" y="5751223"/>
+              <a:ext cx="431814" cy="81691"/>
+            </a:xfrm>
+            <a:prstGeom prst="rect">
+              <a:avLst/>
+            </a:prstGeom>
+            <a:noFill/>
+          </p:spPr>
+          <p:txBody>
+            <a:bodyPr lIns="0" rIns="0" tIns="0" bIns="0" anchorCtr="1" anchor="ctr" wrap="none"/>
+            <a:lstStyle/>
+            <a:p>
+              <a:pPr algn="l" marL="0" marR="0" indent="0">
+                <a:lnSpc>
+                  <a:spcPts val="880"/>
+                </a:lnSpc>
+                <a:spcBef>
+                  <a:spcPts val="0"/>
+                </a:spcBef>
+                <a:spcAft>
+                  <a:spcPts val="0"/>
+                </a:spcAft>
+              </a:pPr>
+              <a:r>
+                <a:rPr sz="880">
+                  <a:solidFill>
+                    <a:srgbClr val="000000">
+                      <a:alpha val="100000"/>
+                    </a:srgbClr>
+                  </a:solidFill>
+                  <a:latin typeface="Arial"/>
+                  <a:cs typeface="Arial"/>
+                </a:rPr>
+                <a:t>50-100亿</a:t>
+              </a:r>
+            </a:p>
+          </p:txBody>
+        </p:sp>
+        <p:sp>
+          <p:nvSpPr>
+            <p:cNvPr id="130" name="tx130"/>
+            <p:cNvSpPr/>
+            <p:nvPr/>
+          </p:nvSpPr>
+          <p:spPr>
+            <a:xfrm>
+              <a:off x="6742842" y="5531767"/>
+              <a:ext cx="556126" cy="81691"/>
+            </a:xfrm>
+            <a:prstGeom prst="rect">
+              <a:avLst/>
+            </a:prstGeom>
+            <a:noFill/>
+          </p:spPr>
+          <p:txBody>
+            <a:bodyPr lIns="0" rIns="0" tIns="0" bIns="0" anchorCtr="1" anchor="ctr" wrap="none"/>
+            <a:lstStyle/>
+            <a:p>
+              <a:pPr algn="l" marL="0" marR="0" indent="0">
+                <a:lnSpc>
+                  <a:spcPts val="880"/>
+                </a:lnSpc>
+                <a:spcBef>
+                  <a:spcPts val="0"/>
+                </a:spcBef>
+                <a:spcAft>
+                  <a:spcPts val="0"/>
+                </a:spcAft>
+              </a:pPr>
+              <a:r>
+                <a:rPr sz="880">
+                  <a:solidFill>
+                    <a:srgbClr val="000000">
+                      <a:alpha val="100000"/>
+                    </a:srgbClr>
+                  </a:solidFill>
+                  <a:latin typeface="Arial"/>
+                  <a:cs typeface="Arial"/>
+                </a:rPr>
+                <a:t>500-1000亿</a:t>
               </a:r>
             </a:p>
           </p:txBody>
